--- a/ProjectManagement/Project Management.pptx
+++ b/ProjectManagement/Project Management.pptx
@@ -15,8 +15,9 @@
     <p:sldId id="264" r:id="rId9"/>
     <p:sldId id="260" r:id="rId10"/>
     <p:sldId id="266" r:id="rId11"/>
-    <p:sldId id="261" r:id="rId12"/>
-    <p:sldId id="262" r:id="rId13"/>
+    <p:sldId id="268" r:id="rId12"/>
+    <p:sldId id="261" r:id="rId13"/>
+    <p:sldId id="262" r:id="rId14"/>
   </p:sldIdLst>
   <p:sldSz cx="12192000" cy="6858000"/>
   <p:notesSz cx="6858000" cy="9144000"/>
@@ -3551,7 +3552,7 @@
             <a:fld id="{B61BEF0D-F0BB-DE4B-95CE-6DB70DBA9567}" type="datetimeFigureOut">
               <a:rPr lang="en-US" smtClean="0"/>
               <a:pPr/>
-              <a:t>6/24/2018</a:t>
+              <a:t>6/25/2018</a:t>
             </a:fld>
             <a:endParaRPr lang="en-US" dirty="0"/>
           </a:p>
@@ -3891,7 +3892,7 @@
             <a:fld id="{B61BEF0D-F0BB-DE4B-95CE-6DB70DBA9567}" type="datetimeFigureOut">
               <a:rPr lang="en-US" smtClean="0"/>
               <a:pPr/>
-              <a:t>6/24/2018</a:t>
+              <a:t>6/25/2018</a:t>
             </a:fld>
             <a:endParaRPr lang="en-US" dirty="0"/>
           </a:p>
@@ -4294,7 +4295,7 @@
             <a:fld id="{B61BEF0D-F0BB-DE4B-95CE-6DB70DBA9567}" type="datetimeFigureOut">
               <a:rPr lang="en-US" smtClean="0"/>
               <a:pPr/>
-              <a:t>6/24/2018</a:t>
+              <a:t>6/25/2018</a:t>
             </a:fld>
             <a:endParaRPr lang="en-US" dirty="0"/>
           </a:p>
@@ -4632,7 +4633,7 @@
             <a:fld id="{B61BEF0D-F0BB-DE4B-95CE-6DB70DBA9567}" type="datetimeFigureOut">
               <a:rPr lang="en-US" smtClean="0"/>
               <a:pPr/>
-              <a:t>6/24/2018</a:t>
+              <a:t>6/25/2018</a:t>
             </a:fld>
             <a:endParaRPr lang="en-US" dirty="0"/>
           </a:p>
@@ -4954,7 +4955,7 @@
             <a:fld id="{B61BEF0D-F0BB-DE4B-95CE-6DB70DBA9567}" type="datetimeFigureOut">
               <a:rPr lang="en-US" smtClean="0"/>
               <a:pPr/>
-              <a:t>6/24/2018</a:t>
+              <a:t>6/25/2018</a:t>
             </a:fld>
             <a:endParaRPr lang="en-US" dirty="0"/>
           </a:p>
@@ -5352,7 +5353,7 @@
             <a:fld id="{B61BEF0D-F0BB-DE4B-95CE-6DB70DBA9567}" type="datetimeFigureOut">
               <a:rPr lang="en-US" smtClean="0"/>
               <a:pPr/>
-              <a:t>6/24/2018</a:t>
+              <a:t>6/25/2018</a:t>
             </a:fld>
             <a:endParaRPr lang="en-US" dirty="0"/>
           </a:p>
@@ -5611,7 +5612,7 @@
             <a:fld id="{B61BEF0D-F0BB-DE4B-95CE-6DB70DBA9567}" type="datetimeFigureOut">
               <a:rPr lang="en-US" smtClean="0"/>
               <a:pPr/>
-              <a:t>6/24/2018</a:t>
+              <a:t>6/25/2018</a:t>
             </a:fld>
             <a:endParaRPr lang="en-US" dirty="0"/>
           </a:p>
@@ -5875,7 +5876,7 @@
             <a:fld id="{B61BEF0D-F0BB-DE4B-95CE-6DB70DBA9567}" type="datetimeFigureOut">
               <a:rPr lang="en-US" smtClean="0"/>
               <a:pPr/>
-              <a:t>6/24/2018</a:t>
+              <a:t>6/25/2018</a:t>
             </a:fld>
             <a:endParaRPr lang="en-US" dirty="0"/>
           </a:p>
@@ -6139,7 +6140,7 @@
             <a:fld id="{B61BEF0D-F0BB-DE4B-95CE-6DB70DBA9567}" type="datetimeFigureOut">
               <a:rPr lang="en-US" smtClean="0"/>
               <a:pPr/>
-              <a:t>6/24/2018</a:t>
+              <a:t>6/25/2018</a:t>
             </a:fld>
             <a:endParaRPr lang="en-US" dirty="0"/>
           </a:p>
@@ -6470,7 +6471,7 @@
             <a:fld id="{B61BEF0D-F0BB-DE4B-95CE-6DB70DBA9567}" type="datetimeFigureOut">
               <a:rPr lang="en-US" smtClean="0"/>
               <a:pPr/>
-              <a:t>6/24/2018</a:t>
+              <a:t>6/25/2018</a:t>
             </a:fld>
             <a:endParaRPr lang="en-US" dirty="0"/>
           </a:p>
@@ -6795,7 +6796,7 @@
             <a:fld id="{B61BEF0D-F0BB-DE4B-95CE-6DB70DBA9567}" type="datetimeFigureOut">
               <a:rPr lang="en-US" smtClean="0"/>
               <a:pPr/>
-              <a:t>6/24/2018</a:t>
+              <a:t>6/25/2018</a:t>
             </a:fld>
             <a:endParaRPr lang="en-US" dirty="0"/>
           </a:p>
@@ -7254,7 +7255,7 @@
             <a:fld id="{B61BEF0D-F0BB-DE4B-95CE-6DB70DBA9567}" type="datetimeFigureOut">
               <a:rPr lang="en-US" smtClean="0"/>
               <a:pPr/>
-              <a:t>6/24/2018</a:t>
+              <a:t>6/25/2018</a:t>
             </a:fld>
             <a:endParaRPr lang="en-US" dirty="0"/>
           </a:p>
@@ -7461,7 +7462,7 @@
             <a:fld id="{B61BEF0D-F0BB-DE4B-95CE-6DB70DBA9567}" type="datetimeFigureOut">
               <a:rPr lang="en-US" smtClean="0"/>
               <a:pPr/>
-              <a:t>6/24/2018</a:t>
+              <a:t>6/25/2018</a:t>
             </a:fld>
             <a:endParaRPr lang="en-US" dirty="0"/>
           </a:p>
@@ -7640,7 +7641,7 @@
             <a:fld id="{B61BEF0D-F0BB-DE4B-95CE-6DB70DBA9567}" type="datetimeFigureOut">
               <a:rPr lang="en-US" smtClean="0"/>
               <a:pPr/>
-              <a:t>6/24/2018</a:t>
+              <a:t>6/25/2018</a:t>
             </a:fld>
             <a:endParaRPr lang="en-US" dirty="0"/>
           </a:p>
@@ -7975,7 +7976,7 @@
             <a:fld id="{B61BEF0D-F0BB-DE4B-95CE-6DB70DBA9567}" type="datetimeFigureOut">
               <a:rPr lang="en-US" smtClean="0"/>
               <a:pPr/>
-              <a:t>6/24/2018</a:t>
+              <a:t>6/25/2018</a:t>
             </a:fld>
             <a:endParaRPr lang="en-US" dirty="0"/>
           </a:p>
@@ -8322,7 +8323,7 @@
             <a:fld id="{B61BEF0D-F0BB-DE4B-95CE-6DB70DBA9567}" type="datetimeFigureOut">
               <a:rPr lang="en-US" smtClean="0"/>
               <a:pPr/>
-              <a:t>6/24/2018</a:t>
+              <a:t>6/25/2018</a:t>
             </a:fld>
             <a:endParaRPr lang="en-US" dirty="0"/>
           </a:p>
@@ -10441,7 +10442,7 @@
             <a:fld id="{B61BEF0D-F0BB-DE4B-95CE-6DB70DBA9567}" type="datetimeFigureOut">
               <a:rPr lang="en-US" smtClean="0"/>
               <a:pPr/>
-              <a:t>6/24/2018</a:t>
+              <a:t>6/25/2018</a:t>
             </a:fld>
             <a:endParaRPr lang="en-US" dirty="0"/>
           </a:p>
@@ -13964,6 +13965,210 @@
           <p:cNvPr id="2" name="Titre 1">
             <a:extLst>
               <a:ext uri="{FF2B5EF4-FFF2-40B4-BE49-F238E27FC236}">
+                <a16:creationId xmlns:a16="http://schemas.microsoft.com/office/drawing/2014/main" id="{0B871FE3-6898-4BD4-A913-AE11E27BB700}"/>
+              </a:ext>
+            </a:extLst>
+          </p:cNvPr>
+          <p:cNvSpPr>
+            <a:spLocks noGrp="1"/>
+          </p:cNvSpPr>
+          <p:nvPr>
+            <p:ph type="title"/>
+          </p:nvPr>
+        </p:nvSpPr>
+        <p:spPr>
+          <a:xfrm>
+            <a:off x="2592925" y="624110"/>
+            <a:ext cx="8911687" cy="1280890"/>
+          </a:xfrm>
+        </p:spPr>
+        <p:txBody>
+          <a:bodyPr/>
+          <a:lstStyle/>
+          <a:p>
+            <a:r>
+              <a:rPr lang="fr-FR" dirty="0"/>
+              <a:t>Project Management Method</a:t>
+            </a:r>
+            <a:br>
+              <a:rPr lang="fr-FR" dirty="0"/>
+            </a:br>
+            <a:r>
+              <a:rPr lang="fr-FR" sz="2400" dirty="0" err="1"/>
+              <a:t>Development</a:t>
+            </a:r>
+            <a:r>
+              <a:rPr lang="fr-FR" sz="2400" dirty="0"/>
+              <a:t> process</a:t>
+            </a:r>
+          </a:p>
+        </p:txBody>
+      </p:sp>
+      <p:sp>
+        <p:nvSpPr>
+          <p:cNvPr id="3" name="Espace réservé du contenu 2">
+            <a:extLst>
+              <a:ext uri="{FF2B5EF4-FFF2-40B4-BE49-F238E27FC236}">
+                <a16:creationId xmlns:a16="http://schemas.microsoft.com/office/drawing/2014/main" id="{83FED6B4-6332-4375-8DCE-ABC8F0787ACA}"/>
+              </a:ext>
+            </a:extLst>
+          </p:cNvPr>
+          <p:cNvSpPr>
+            <a:spLocks noGrp="1"/>
+          </p:cNvSpPr>
+          <p:nvPr>
+            <p:ph idx="1"/>
+          </p:nvPr>
+        </p:nvSpPr>
+        <p:spPr>
+          <a:xfrm>
+            <a:off x="2591068" y="1819275"/>
+            <a:ext cx="8915400" cy="3777622"/>
+          </a:xfrm>
+        </p:spPr>
+        <p:txBody>
+          <a:bodyPr/>
+          <a:lstStyle/>
+          <a:p>
+            <a:pPr marL="0" indent="0">
+              <a:buNone/>
+            </a:pPr>
+            <a:r>
+              <a:rPr lang="fr-FR" dirty="0"/>
+              <a:t>The </a:t>
+            </a:r>
+            <a:r>
+              <a:rPr lang="fr-FR" dirty="0" err="1"/>
+              <a:t>following</a:t>
+            </a:r>
+            <a:r>
+              <a:rPr lang="fr-FR" dirty="0"/>
+              <a:t> process has been </a:t>
+            </a:r>
+            <a:r>
+              <a:rPr lang="fr-FR" dirty="0" err="1"/>
+              <a:t>defined</a:t>
+            </a:r>
+            <a:r>
+              <a:rPr lang="fr-FR" dirty="0"/>
+              <a:t> to </a:t>
+            </a:r>
+            <a:r>
+              <a:rPr lang="fr-FR" dirty="0" err="1"/>
+              <a:t>be</a:t>
+            </a:r>
+            <a:r>
+              <a:rPr lang="fr-FR" dirty="0"/>
+              <a:t> </a:t>
+            </a:r>
+            <a:r>
+              <a:rPr lang="fr-FR" dirty="0" err="1"/>
+              <a:t>used</a:t>
+            </a:r>
+            <a:r>
+              <a:rPr lang="fr-FR" dirty="0"/>
+              <a:t> </a:t>
+            </a:r>
+            <a:r>
+              <a:rPr lang="fr-FR" dirty="0" err="1"/>
+              <a:t>during</a:t>
+            </a:r>
+            <a:r>
+              <a:rPr lang="fr-FR" dirty="0"/>
+              <a:t> </a:t>
+            </a:r>
+            <a:r>
+              <a:rPr lang="fr-FR" dirty="0" err="1"/>
+              <a:t>development</a:t>
+            </a:r>
+            <a:r>
+              <a:rPr lang="fr-FR" dirty="0"/>
+              <a:t> for </a:t>
+            </a:r>
+            <a:r>
+              <a:rPr lang="fr-FR" dirty="0" err="1"/>
+              <a:t>each</a:t>
+            </a:r>
+            <a:r>
+              <a:rPr lang="fr-FR" dirty="0"/>
+              <a:t> </a:t>
+            </a:r>
+            <a:r>
+              <a:rPr lang="fr-FR" dirty="0" err="1"/>
+              <a:t>task</a:t>
+            </a:r>
+            <a:r>
+              <a:rPr lang="fr-FR" dirty="0"/>
+              <a:t> :</a:t>
+            </a:r>
+          </a:p>
+        </p:txBody>
+      </p:sp>
+      <p:pic>
+        <p:nvPicPr>
+          <p:cNvPr id="4" name="Image 3">
+            <a:extLst>
+              <a:ext uri="{FF2B5EF4-FFF2-40B4-BE49-F238E27FC236}">
+                <a16:creationId xmlns:a16="http://schemas.microsoft.com/office/drawing/2014/main" id="{E205BFA8-1206-4EF3-9AA7-12B8235DA0EF}"/>
+              </a:ext>
+            </a:extLst>
+          </p:cNvPr>
+          <p:cNvPicPr>
+            <a:picLocks noChangeAspect="1"/>
+          </p:cNvPicPr>
+          <p:nvPr/>
+        </p:nvPicPr>
+        <p:blipFill>
+          <a:blip r:embed="rId2"/>
+          <a:stretch>
+            <a:fillRect/>
+          </a:stretch>
+        </p:blipFill>
+        <p:spPr>
+          <a:xfrm>
+            <a:off x="2591068" y="2557203"/>
+            <a:ext cx="8429625" cy="4234859"/>
+          </a:xfrm>
+          <a:prstGeom prst="rect">
+            <a:avLst/>
+          </a:prstGeom>
+        </p:spPr>
+      </p:pic>
+    </p:spTree>
+    <p:extLst>
+      <p:ext uri="{BB962C8B-B14F-4D97-AF65-F5344CB8AC3E}">
+        <p14:creationId xmlns:p14="http://schemas.microsoft.com/office/powerpoint/2010/main" val="3147298649"/>
+      </p:ext>
+    </p:extLst>
+  </p:cSld>
+  <p:clrMapOvr>
+    <a:masterClrMapping/>
+  </p:clrMapOvr>
+</p:sld>
+</file>
+
+<file path=ppt/slides/slide12.xml><?xml version="1.0" encoding="utf-8"?>
+<p:sld xmlns:a="http://schemas.openxmlformats.org/drawingml/2006/main" xmlns:r="http://schemas.openxmlformats.org/officeDocument/2006/relationships" xmlns:p="http://schemas.openxmlformats.org/presentationml/2006/main">
+  <p:cSld>
+    <p:spTree>
+      <p:nvGrpSpPr>
+        <p:cNvPr id="1" name=""/>
+        <p:cNvGrpSpPr/>
+        <p:nvPr/>
+      </p:nvGrpSpPr>
+      <p:grpSpPr>
+        <a:xfrm>
+          <a:off x="0" y="0"/>
+          <a:ext cx="0" cy="0"/>
+          <a:chOff x="0" y="0"/>
+          <a:chExt cx="0" cy="0"/>
+        </a:xfrm>
+      </p:grpSpPr>
+      <p:sp>
+        <p:nvSpPr>
+          <p:cNvPr id="2" name="Titre 1">
+            <a:extLst>
+              <a:ext uri="{FF2B5EF4-FFF2-40B4-BE49-F238E27FC236}">
                 <a16:creationId xmlns:a16="http://schemas.microsoft.com/office/drawing/2014/main" id="{61881848-C594-49CA-B2C2-EBB8EB948F30}"/>
               </a:ext>
             </a:extLst>
@@ -14690,7 +14895,7 @@
 </p:sld>
 </file>
 
-<file path=ppt/slides/slide12.xml><?xml version="1.0" encoding="utf-8"?>
+<file path=ppt/slides/slide13.xml><?xml version="1.0" encoding="utf-8"?>
 <p:sld xmlns:a="http://schemas.openxmlformats.org/drawingml/2006/main" xmlns:r="http://schemas.openxmlformats.org/officeDocument/2006/relationships" xmlns:p="http://schemas.openxmlformats.org/presentationml/2006/main">
   <p:cSld>
     <p:spTree>
@@ -14772,7 +14977,52 @@
           <a:bodyPr/>
           <a:lstStyle/>
           <a:p>
-            <a:endParaRPr lang="fr-FR"/>
+            <a:pPr marL="0" indent="0">
+              <a:buNone/>
+            </a:pPr>
+            <a:r>
+              <a:rPr lang="fr-FR" dirty="0"/>
+              <a:t>Android : Jasmine</a:t>
+            </a:r>
+          </a:p>
+          <a:p>
+            <a:pPr marL="0" indent="0">
+              <a:buNone/>
+            </a:pPr>
+            <a:r>
+              <a:rPr lang="fr-FR" dirty="0"/>
+              <a:t>JEE : JUnit + Maven</a:t>
+            </a:r>
+          </a:p>
+          <a:p>
+            <a:pPr marL="0" indent="0">
+              <a:buNone/>
+            </a:pPr>
+            <a:r>
+              <a:rPr lang="fr-FR" dirty="0"/>
+              <a:t>C# : </a:t>
+            </a:r>
+            <a:r>
+              <a:rPr lang="fr-FR" dirty="0" err="1"/>
+              <a:t>NUnit</a:t>
+            </a:r>
+            <a:r>
+              <a:rPr lang="fr-FR" dirty="0"/>
+              <a:t> (?)</a:t>
+            </a:r>
+          </a:p>
+          <a:p>
+            <a:pPr marL="0" indent="0">
+              <a:buNone/>
+            </a:pPr>
+            <a:r>
+              <a:rPr lang="fr-FR" dirty="0" err="1"/>
+              <a:t>Overall</a:t>
+            </a:r>
+            <a:r>
+              <a:rPr lang="fr-FR" dirty="0"/>
+              <a:t> : Travis</a:t>
+            </a:r>
           </a:p>
         </p:txBody>
       </p:sp>
@@ -16399,6 +16649,20 @@
               <a:t>Retrospective</a:t>
             </a:r>
             <a:endParaRPr lang="fr-FR" dirty="0"/>
+          </a:p>
+          <a:p>
+            <a:pPr marL="800100" lvl="1" indent="-400050">
+              <a:buFont typeface="+mj-lt"/>
+              <a:buAutoNum type="alphaLcParenR"/>
+            </a:pPr>
+            <a:r>
+              <a:rPr lang="fr-FR" dirty="0" err="1"/>
+              <a:t>Development</a:t>
+            </a:r>
+            <a:r>
+              <a:rPr lang="fr-FR" dirty="0"/>
+              <a:t> process</a:t>
+            </a:r>
           </a:p>
           <a:p>
             <a:pPr marL="400050" indent="-400050">

--- a/ProjectManagement/Project Management.pptx
+++ b/ProjectManagement/Project Management.pptx
@@ -9,15 +9,16 @@
     <p:sldId id="265" r:id="rId3"/>
     <p:sldId id="257" r:id="rId4"/>
     <p:sldId id="258" r:id="rId5"/>
-    <p:sldId id="267" r:id="rId6"/>
-    <p:sldId id="259" r:id="rId7"/>
-    <p:sldId id="263" r:id="rId8"/>
-    <p:sldId id="264" r:id="rId9"/>
-    <p:sldId id="260" r:id="rId10"/>
-    <p:sldId id="266" r:id="rId11"/>
-    <p:sldId id="268" r:id="rId12"/>
-    <p:sldId id="261" r:id="rId13"/>
-    <p:sldId id="262" r:id="rId14"/>
+    <p:sldId id="269" r:id="rId6"/>
+    <p:sldId id="267" r:id="rId7"/>
+    <p:sldId id="259" r:id="rId8"/>
+    <p:sldId id="263" r:id="rId9"/>
+    <p:sldId id="264" r:id="rId10"/>
+    <p:sldId id="260" r:id="rId11"/>
+    <p:sldId id="266" r:id="rId12"/>
+    <p:sldId id="268" r:id="rId13"/>
+    <p:sldId id="261" r:id="rId14"/>
+    <p:sldId id="262" r:id="rId15"/>
   </p:sldIdLst>
   <p:sldSz cx="12192000" cy="6858000"/>
   <p:notesSz cx="6858000" cy="9144000"/>
@@ -125,6 +126,788 @@
 </file>
 
 <file path=ppt/diagrams/colors1.xml><?xml version="1.0" encoding="utf-8"?>
+<dgm:colorsDef xmlns:dgm="http://schemas.openxmlformats.org/drawingml/2006/diagram" xmlns:a="http://schemas.openxmlformats.org/drawingml/2006/main" uniqueId="urn:microsoft.com/office/officeart/2005/8/colors/colorful2">
+  <dgm:title val=""/>
+  <dgm:desc val=""/>
+  <dgm:catLst>
+    <dgm:cat type="colorful" pri="10200"/>
+  </dgm:catLst>
+  <dgm:styleLbl name="node0">
+    <dgm:fillClrLst meth="repeat">
+      <a:schemeClr val="accent1"/>
+    </dgm:fillClrLst>
+    <dgm:linClrLst meth="repeat">
+      <a:schemeClr val="lt1"/>
+    </dgm:linClrLst>
+    <dgm:effectClrLst/>
+    <dgm:txLinClrLst/>
+    <dgm:txFillClrLst/>
+    <dgm:txEffectClrLst/>
+  </dgm:styleLbl>
+  <dgm:styleLbl name="node1">
+    <dgm:fillClrLst>
+      <a:schemeClr val="accent2"/>
+      <a:schemeClr val="accent3"/>
+    </dgm:fillClrLst>
+    <dgm:linClrLst meth="repeat">
+      <a:schemeClr val="lt1"/>
+    </dgm:linClrLst>
+    <dgm:effectClrLst/>
+    <dgm:txLinClrLst/>
+    <dgm:txFillClrLst/>
+    <dgm:txEffectClrLst/>
+  </dgm:styleLbl>
+  <dgm:styleLbl name="alignNode1">
+    <dgm:fillClrLst>
+      <a:schemeClr val="accent2"/>
+      <a:schemeClr val="accent3"/>
+    </dgm:fillClrLst>
+    <dgm:linClrLst>
+      <a:schemeClr val="accent2"/>
+      <a:schemeClr val="accent3"/>
+    </dgm:linClrLst>
+    <dgm:effectClrLst/>
+    <dgm:txLinClrLst/>
+    <dgm:txFillClrLst/>
+    <dgm:txEffectClrLst/>
+  </dgm:styleLbl>
+  <dgm:styleLbl name="lnNode1">
+    <dgm:fillClrLst>
+      <a:schemeClr val="accent2"/>
+      <a:schemeClr val="accent3"/>
+    </dgm:fillClrLst>
+    <dgm:linClrLst meth="repeat">
+      <a:schemeClr val="lt1"/>
+    </dgm:linClrLst>
+    <dgm:effectClrLst/>
+    <dgm:txLinClrLst/>
+    <dgm:txFillClrLst/>
+    <dgm:txEffectClrLst/>
+  </dgm:styleLbl>
+  <dgm:styleLbl name="vennNode1">
+    <dgm:fillClrLst>
+      <a:schemeClr val="accent2">
+        <a:alpha val="50000"/>
+      </a:schemeClr>
+      <a:schemeClr val="accent3">
+        <a:alpha val="50000"/>
+      </a:schemeClr>
+    </dgm:fillClrLst>
+    <dgm:linClrLst meth="repeat">
+      <a:schemeClr val="lt1"/>
+    </dgm:linClrLst>
+    <dgm:effectClrLst/>
+    <dgm:txLinClrLst/>
+    <dgm:txFillClrLst/>
+    <dgm:txEffectClrLst/>
+  </dgm:styleLbl>
+  <dgm:styleLbl name="node2">
+    <dgm:fillClrLst>
+      <a:schemeClr val="accent3"/>
+    </dgm:fillClrLst>
+    <dgm:linClrLst meth="repeat">
+      <a:schemeClr val="lt1"/>
+    </dgm:linClrLst>
+    <dgm:effectClrLst/>
+    <dgm:txLinClrLst/>
+    <dgm:txFillClrLst/>
+    <dgm:txEffectClrLst/>
+  </dgm:styleLbl>
+  <dgm:styleLbl name="node3">
+    <dgm:fillClrLst>
+      <a:schemeClr val="accent4"/>
+    </dgm:fillClrLst>
+    <dgm:linClrLst meth="repeat">
+      <a:schemeClr val="lt1"/>
+    </dgm:linClrLst>
+    <dgm:effectClrLst/>
+    <dgm:txLinClrLst/>
+    <dgm:txFillClrLst/>
+    <dgm:txEffectClrLst/>
+  </dgm:styleLbl>
+  <dgm:styleLbl name="node4">
+    <dgm:fillClrLst>
+      <a:schemeClr val="accent5"/>
+    </dgm:fillClrLst>
+    <dgm:linClrLst meth="repeat">
+      <a:schemeClr val="lt1"/>
+    </dgm:linClrLst>
+    <dgm:effectClrLst/>
+    <dgm:txLinClrLst/>
+    <dgm:txFillClrLst/>
+    <dgm:txEffectClrLst/>
+  </dgm:styleLbl>
+  <dgm:styleLbl name="fgImgPlace1">
+    <dgm:fillClrLst>
+      <a:schemeClr val="accent2">
+        <a:tint val="50000"/>
+      </a:schemeClr>
+      <a:schemeClr val="accent3">
+        <a:tint val="50000"/>
+      </a:schemeClr>
+    </dgm:fillClrLst>
+    <dgm:linClrLst meth="repeat">
+      <a:schemeClr val="lt1"/>
+    </dgm:linClrLst>
+    <dgm:effectClrLst/>
+    <dgm:txLinClrLst/>
+    <dgm:txFillClrLst meth="repeat">
+      <a:schemeClr val="lt1"/>
+    </dgm:txFillClrLst>
+    <dgm:txEffectClrLst/>
+  </dgm:styleLbl>
+  <dgm:styleLbl name="alignImgPlace1">
+    <dgm:fillClrLst>
+      <a:schemeClr val="accent2">
+        <a:tint val="50000"/>
+      </a:schemeClr>
+      <a:schemeClr val="accent3">
+        <a:tint val="20000"/>
+      </a:schemeClr>
+    </dgm:fillClrLst>
+    <dgm:linClrLst meth="repeat">
+      <a:schemeClr val="lt1"/>
+    </dgm:linClrLst>
+    <dgm:effectClrLst/>
+    <dgm:txLinClrLst/>
+    <dgm:txFillClrLst meth="repeat">
+      <a:schemeClr val="lt1"/>
+    </dgm:txFillClrLst>
+    <dgm:txEffectClrLst/>
+  </dgm:styleLbl>
+  <dgm:styleLbl name="bgImgPlace1">
+    <dgm:fillClrLst>
+      <a:schemeClr val="accent2">
+        <a:tint val="50000"/>
+      </a:schemeClr>
+      <a:schemeClr val="accent3">
+        <a:tint val="20000"/>
+      </a:schemeClr>
+    </dgm:fillClrLst>
+    <dgm:linClrLst meth="repeat">
+      <a:schemeClr val="lt1"/>
+    </dgm:linClrLst>
+    <dgm:effectClrLst/>
+    <dgm:txLinClrLst/>
+    <dgm:txFillClrLst meth="repeat">
+      <a:schemeClr val="lt1"/>
+    </dgm:txFillClrLst>
+    <dgm:txEffectClrLst/>
+  </dgm:styleLbl>
+  <dgm:styleLbl name="sibTrans2D1">
+    <dgm:fillClrLst>
+      <a:schemeClr val="accent2"/>
+      <a:schemeClr val="accent3"/>
+    </dgm:fillClrLst>
+    <dgm:linClrLst meth="repeat">
+      <a:schemeClr val="lt1"/>
+    </dgm:linClrLst>
+    <dgm:effectClrLst/>
+    <dgm:txLinClrLst/>
+    <dgm:txFillClrLst/>
+    <dgm:txEffectClrLst/>
+  </dgm:styleLbl>
+  <dgm:styleLbl name="fgSibTrans2D1">
+    <dgm:fillClrLst>
+      <a:schemeClr val="accent2"/>
+      <a:schemeClr val="accent3"/>
+    </dgm:fillClrLst>
+    <dgm:linClrLst meth="repeat">
+      <a:schemeClr val="lt1"/>
+    </dgm:linClrLst>
+    <dgm:effectClrLst/>
+    <dgm:txLinClrLst/>
+    <dgm:txFillClrLst meth="repeat">
+      <a:schemeClr val="lt1"/>
+    </dgm:txFillClrLst>
+    <dgm:txEffectClrLst/>
+  </dgm:styleLbl>
+  <dgm:styleLbl name="bgSibTrans2D1">
+    <dgm:fillClrLst>
+      <a:schemeClr val="accent2"/>
+      <a:schemeClr val="accent3"/>
+    </dgm:fillClrLst>
+    <dgm:linClrLst meth="repeat">
+      <a:schemeClr val="lt1"/>
+    </dgm:linClrLst>
+    <dgm:effectClrLst/>
+    <dgm:txLinClrLst/>
+    <dgm:txFillClrLst meth="repeat">
+      <a:schemeClr val="lt1"/>
+    </dgm:txFillClrLst>
+    <dgm:txEffectClrLst/>
+  </dgm:styleLbl>
+  <dgm:styleLbl name="sibTrans1D1">
+    <dgm:fillClrLst/>
+    <dgm:linClrLst>
+      <a:schemeClr val="accent2"/>
+      <a:schemeClr val="accent3"/>
+    </dgm:linClrLst>
+    <dgm:effectClrLst/>
+    <dgm:txLinClrLst/>
+    <dgm:txFillClrLst meth="repeat">
+      <a:schemeClr val="tx1"/>
+    </dgm:txFillClrLst>
+    <dgm:txEffectClrLst/>
+  </dgm:styleLbl>
+  <dgm:styleLbl name="callout">
+    <dgm:fillClrLst meth="repeat">
+      <a:schemeClr val="accent2"/>
+    </dgm:fillClrLst>
+    <dgm:linClrLst meth="repeat">
+      <a:schemeClr val="accent2">
+        <a:tint val="50000"/>
+      </a:schemeClr>
+    </dgm:linClrLst>
+    <dgm:effectClrLst/>
+    <dgm:txLinClrLst/>
+    <dgm:txFillClrLst meth="repeat">
+      <a:schemeClr val="tx1"/>
+    </dgm:txFillClrLst>
+    <dgm:txEffectClrLst/>
+  </dgm:styleLbl>
+  <dgm:styleLbl name="asst0">
+    <dgm:fillClrLst meth="repeat">
+      <a:schemeClr val="accent2"/>
+    </dgm:fillClrLst>
+    <dgm:linClrLst meth="repeat">
+      <a:schemeClr val="lt1">
+        <a:shade val="80000"/>
+      </a:schemeClr>
+    </dgm:linClrLst>
+    <dgm:effectClrLst/>
+    <dgm:txLinClrLst/>
+    <dgm:txFillClrLst/>
+    <dgm:txEffectClrLst/>
+  </dgm:styleLbl>
+  <dgm:styleLbl name="asst1">
+    <dgm:fillClrLst meth="repeat">
+      <a:schemeClr val="accent3"/>
+    </dgm:fillClrLst>
+    <dgm:linClrLst meth="repeat">
+      <a:schemeClr val="lt1">
+        <a:shade val="80000"/>
+      </a:schemeClr>
+    </dgm:linClrLst>
+    <dgm:effectClrLst/>
+    <dgm:txLinClrLst/>
+    <dgm:txFillClrLst/>
+    <dgm:txEffectClrLst/>
+  </dgm:styleLbl>
+  <dgm:styleLbl name="asst2">
+    <dgm:fillClrLst>
+      <a:schemeClr val="accent4"/>
+    </dgm:fillClrLst>
+    <dgm:linClrLst meth="repeat">
+      <a:schemeClr val="lt1"/>
+    </dgm:linClrLst>
+    <dgm:effectClrLst/>
+    <dgm:txLinClrLst/>
+    <dgm:txFillClrLst/>
+    <dgm:txEffectClrLst/>
+  </dgm:styleLbl>
+  <dgm:styleLbl name="asst3">
+    <dgm:fillClrLst>
+      <a:schemeClr val="accent5"/>
+    </dgm:fillClrLst>
+    <dgm:linClrLst meth="repeat">
+      <a:schemeClr val="lt1"/>
+    </dgm:linClrLst>
+    <dgm:effectClrLst/>
+    <dgm:txLinClrLst/>
+    <dgm:txFillClrLst/>
+    <dgm:txEffectClrLst/>
+  </dgm:styleLbl>
+  <dgm:styleLbl name="asst4">
+    <dgm:fillClrLst>
+      <a:schemeClr val="accent6"/>
+    </dgm:fillClrLst>
+    <dgm:linClrLst meth="repeat">
+      <a:schemeClr val="lt1"/>
+    </dgm:linClrLst>
+    <dgm:effectClrLst/>
+    <dgm:txLinClrLst/>
+    <dgm:txFillClrLst/>
+    <dgm:txEffectClrLst/>
+  </dgm:styleLbl>
+  <dgm:styleLbl name="parChTrans2D1">
+    <dgm:fillClrLst meth="repeat">
+      <a:schemeClr val="accent2"/>
+    </dgm:fillClrLst>
+    <dgm:linClrLst meth="repeat">
+      <a:schemeClr val="lt1"/>
+    </dgm:linClrLst>
+    <dgm:effectClrLst/>
+    <dgm:txLinClrLst/>
+    <dgm:txFillClrLst meth="repeat">
+      <a:schemeClr val="lt1"/>
+    </dgm:txFillClrLst>
+    <dgm:txEffectClrLst/>
+  </dgm:styleLbl>
+  <dgm:styleLbl name="parChTrans2D2">
+    <dgm:fillClrLst meth="repeat">
+      <a:schemeClr val="accent3"/>
+    </dgm:fillClrLst>
+    <dgm:linClrLst meth="repeat">
+      <a:schemeClr val="lt1"/>
+    </dgm:linClrLst>
+    <dgm:effectClrLst/>
+    <dgm:txLinClrLst/>
+    <dgm:txFillClrLst/>
+    <dgm:txEffectClrLst/>
+  </dgm:styleLbl>
+  <dgm:styleLbl name="parChTrans2D3">
+    <dgm:fillClrLst meth="repeat">
+      <a:schemeClr val="accent4"/>
+    </dgm:fillClrLst>
+    <dgm:linClrLst meth="repeat">
+      <a:schemeClr val="lt1"/>
+    </dgm:linClrLst>
+    <dgm:effectClrLst/>
+    <dgm:txLinClrLst/>
+    <dgm:txFillClrLst/>
+    <dgm:txEffectClrLst/>
+  </dgm:styleLbl>
+  <dgm:styleLbl name="parChTrans2D4">
+    <dgm:fillClrLst meth="repeat">
+      <a:schemeClr val="accent5"/>
+    </dgm:fillClrLst>
+    <dgm:linClrLst meth="repeat">
+      <a:schemeClr val="lt1"/>
+    </dgm:linClrLst>
+    <dgm:effectClrLst/>
+    <dgm:txLinClrLst/>
+    <dgm:txFillClrLst meth="repeat">
+      <a:schemeClr val="lt1"/>
+    </dgm:txFillClrLst>
+    <dgm:txEffectClrLst/>
+  </dgm:styleLbl>
+  <dgm:styleLbl name="parChTrans1D1">
+    <dgm:fillClrLst meth="repeat">
+      <a:schemeClr val="accent2"/>
+    </dgm:fillClrLst>
+    <dgm:linClrLst meth="repeat">
+      <a:schemeClr val="accent2"/>
+    </dgm:linClrLst>
+    <dgm:effectClrLst/>
+    <dgm:txLinClrLst/>
+    <dgm:txFillClrLst meth="repeat">
+      <a:schemeClr val="tx1"/>
+    </dgm:txFillClrLst>
+    <dgm:txEffectClrLst/>
+  </dgm:styleLbl>
+  <dgm:styleLbl name="parChTrans1D2">
+    <dgm:fillClrLst meth="repeat">
+      <a:schemeClr val="accent2">
+        <a:tint val="90000"/>
+      </a:schemeClr>
+    </dgm:fillClrLst>
+    <dgm:linClrLst meth="repeat">
+      <a:schemeClr val="accent3"/>
+    </dgm:linClrLst>
+    <dgm:effectClrLst/>
+    <dgm:txLinClrLst/>
+    <dgm:txFillClrLst meth="repeat">
+      <a:schemeClr val="tx1"/>
+    </dgm:txFillClrLst>
+    <dgm:txEffectClrLst/>
+  </dgm:styleLbl>
+  <dgm:styleLbl name="parChTrans1D3">
+    <dgm:fillClrLst meth="repeat">
+      <a:schemeClr val="accent2">
+        <a:tint val="70000"/>
+      </a:schemeClr>
+    </dgm:fillClrLst>
+    <dgm:linClrLst meth="repeat">
+      <a:schemeClr val="accent4"/>
+    </dgm:linClrLst>
+    <dgm:effectClrLst/>
+    <dgm:txLinClrLst/>
+    <dgm:txFillClrLst meth="repeat">
+      <a:schemeClr val="tx1"/>
+    </dgm:txFillClrLst>
+    <dgm:txEffectClrLst/>
+  </dgm:styleLbl>
+  <dgm:styleLbl name="parChTrans1D4">
+    <dgm:fillClrLst meth="repeat">
+      <a:schemeClr val="accent2">
+        <a:tint val="50000"/>
+      </a:schemeClr>
+    </dgm:fillClrLst>
+    <dgm:linClrLst meth="repeat">
+      <a:schemeClr val="accent5"/>
+    </dgm:linClrLst>
+    <dgm:effectClrLst/>
+    <dgm:txLinClrLst/>
+    <dgm:txFillClrLst meth="repeat">
+      <a:schemeClr val="tx1"/>
+    </dgm:txFillClrLst>
+    <dgm:txEffectClrLst/>
+  </dgm:styleLbl>
+  <dgm:styleLbl name="fgAcc1">
+    <dgm:fillClrLst meth="repeat">
+      <a:schemeClr val="lt1">
+        <a:alpha val="90000"/>
+      </a:schemeClr>
+    </dgm:fillClrLst>
+    <dgm:linClrLst>
+      <a:schemeClr val="accent2"/>
+      <a:schemeClr val="accent3"/>
+    </dgm:linClrLst>
+    <dgm:effectClrLst/>
+    <dgm:txLinClrLst/>
+    <dgm:txFillClrLst meth="repeat">
+      <a:schemeClr val="dk1"/>
+    </dgm:txFillClrLst>
+    <dgm:txEffectClrLst/>
+  </dgm:styleLbl>
+  <dgm:styleLbl name="conFgAcc1">
+    <dgm:fillClrLst meth="repeat">
+      <a:schemeClr val="lt1">
+        <a:alpha val="90000"/>
+      </a:schemeClr>
+    </dgm:fillClrLst>
+    <dgm:linClrLst>
+      <a:schemeClr val="accent2"/>
+      <a:schemeClr val="accent3"/>
+    </dgm:linClrLst>
+    <dgm:effectClrLst/>
+    <dgm:txLinClrLst/>
+    <dgm:txFillClrLst meth="repeat">
+      <a:schemeClr val="dk1"/>
+    </dgm:txFillClrLst>
+    <dgm:txEffectClrLst/>
+  </dgm:styleLbl>
+  <dgm:styleLbl name="alignAcc1">
+    <dgm:fillClrLst meth="repeat">
+      <a:schemeClr val="lt1">
+        <a:alpha val="90000"/>
+      </a:schemeClr>
+    </dgm:fillClrLst>
+    <dgm:linClrLst>
+      <a:schemeClr val="accent2"/>
+      <a:schemeClr val="accent3"/>
+    </dgm:linClrLst>
+    <dgm:effectClrLst/>
+    <dgm:txLinClrLst/>
+    <dgm:txFillClrLst meth="repeat">
+      <a:schemeClr val="dk1"/>
+    </dgm:txFillClrLst>
+    <dgm:txEffectClrLst/>
+  </dgm:styleLbl>
+  <dgm:styleLbl name="trAlignAcc1">
+    <dgm:fillClrLst meth="repeat">
+      <a:schemeClr val="lt1">
+        <a:alpha val="40000"/>
+      </a:schemeClr>
+    </dgm:fillClrLst>
+    <dgm:linClrLst meth="repeat">
+      <a:schemeClr val="accent2"/>
+    </dgm:linClrLst>
+    <dgm:effectClrLst/>
+    <dgm:txLinClrLst/>
+    <dgm:txFillClrLst meth="repeat">
+      <a:schemeClr val="dk1"/>
+    </dgm:txFillClrLst>
+    <dgm:txEffectClrLst/>
+  </dgm:styleLbl>
+  <dgm:styleLbl name="bgAcc1">
+    <dgm:fillClrLst meth="repeat">
+      <a:schemeClr val="lt1">
+        <a:alpha val="90000"/>
+      </a:schemeClr>
+    </dgm:fillClrLst>
+    <dgm:linClrLst>
+      <a:schemeClr val="accent2"/>
+      <a:schemeClr val="accent3"/>
+    </dgm:linClrLst>
+    <dgm:effectClrLst/>
+    <dgm:txLinClrLst/>
+    <dgm:txFillClrLst meth="repeat">
+      <a:schemeClr val="dk1"/>
+    </dgm:txFillClrLst>
+    <dgm:txEffectClrLst/>
+  </dgm:styleLbl>
+  <dgm:styleLbl name="solidFgAcc1">
+    <dgm:fillClrLst meth="repeat">
+      <a:schemeClr val="lt1"/>
+    </dgm:fillClrLst>
+    <dgm:linClrLst>
+      <a:schemeClr val="accent2"/>
+      <a:schemeClr val="accent3"/>
+    </dgm:linClrLst>
+    <dgm:effectClrLst/>
+    <dgm:txLinClrLst/>
+    <dgm:txFillClrLst meth="repeat">
+      <a:schemeClr val="dk1"/>
+    </dgm:txFillClrLst>
+    <dgm:txEffectClrLst/>
+  </dgm:styleLbl>
+  <dgm:styleLbl name="solidAlignAcc1">
+    <dgm:fillClrLst meth="repeat">
+      <a:schemeClr val="lt1"/>
+    </dgm:fillClrLst>
+    <dgm:linClrLst>
+      <a:schemeClr val="accent2"/>
+      <a:schemeClr val="accent3"/>
+    </dgm:linClrLst>
+    <dgm:effectClrLst/>
+    <dgm:txLinClrLst/>
+    <dgm:txFillClrLst meth="repeat">
+      <a:schemeClr val="dk1"/>
+    </dgm:txFillClrLst>
+    <dgm:txEffectClrLst/>
+  </dgm:styleLbl>
+  <dgm:styleLbl name="solidBgAcc1">
+    <dgm:fillClrLst meth="repeat">
+      <a:schemeClr val="lt1"/>
+    </dgm:fillClrLst>
+    <dgm:linClrLst>
+      <a:schemeClr val="accent2"/>
+      <a:schemeClr val="accent3"/>
+    </dgm:linClrLst>
+    <dgm:effectClrLst/>
+    <dgm:txLinClrLst/>
+    <dgm:txFillClrLst meth="repeat">
+      <a:schemeClr val="dk1"/>
+    </dgm:txFillClrLst>
+    <dgm:txEffectClrLst/>
+  </dgm:styleLbl>
+  <dgm:styleLbl name="fgAccFollowNode1">
+    <dgm:fillClrLst>
+      <a:schemeClr val="accent2">
+        <a:tint val="40000"/>
+        <a:alpha val="90000"/>
+      </a:schemeClr>
+      <a:schemeClr val="accent3">
+        <a:tint val="40000"/>
+        <a:alpha val="90000"/>
+      </a:schemeClr>
+    </dgm:fillClrLst>
+    <dgm:linClrLst>
+      <a:schemeClr val="accent2">
+        <a:tint val="40000"/>
+        <a:alpha val="90000"/>
+      </a:schemeClr>
+      <a:schemeClr val="accent3">
+        <a:tint val="40000"/>
+        <a:alpha val="90000"/>
+      </a:schemeClr>
+    </dgm:linClrLst>
+    <dgm:effectClrLst/>
+    <dgm:txLinClrLst/>
+    <dgm:txFillClrLst meth="repeat">
+      <a:schemeClr val="dk1"/>
+    </dgm:txFillClrLst>
+    <dgm:txEffectClrLst/>
+  </dgm:styleLbl>
+  <dgm:styleLbl name="alignAccFollowNode1">
+    <dgm:fillClrLst>
+      <a:schemeClr val="accent2">
+        <a:tint val="40000"/>
+        <a:alpha val="90000"/>
+      </a:schemeClr>
+      <a:schemeClr val="accent3">
+        <a:tint val="40000"/>
+        <a:alpha val="90000"/>
+      </a:schemeClr>
+    </dgm:fillClrLst>
+    <dgm:linClrLst>
+      <a:schemeClr val="accent2">
+        <a:tint val="40000"/>
+        <a:alpha val="90000"/>
+      </a:schemeClr>
+      <a:schemeClr val="accent3">
+        <a:tint val="40000"/>
+        <a:alpha val="90000"/>
+      </a:schemeClr>
+    </dgm:linClrLst>
+    <dgm:effectClrLst/>
+    <dgm:txLinClrLst/>
+    <dgm:txFillClrLst meth="repeat">
+      <a:schemeClr val="dk1"/>
+    </dgm:txFillClrLst>
+    <dgm:txEffectClrLst/>
+  </dgm:styleLbl>
+  <dgm:styleLbl name="bgAccFollowNode1">
+    <dgm:fillClrLst>
+      <a:schemeClr val="accent2">
+        <a:tint val="40000"/>
+        <a:alpha val="90000"/>
+      </a:schemeClr>
+      <a:schemeClr val="accent3">
+        <a:tint val="40000"/>
+        <a:alpha val="90000"/>
+      </a:schemeClr>
+    </dgm:fillClrLst>
+    <dgm:linClrLst>
+      <a:schemeClr val="accent2">
+        <a:tint val="40000"/>
+        <a:alpha val="90000"/>
+      </a:schemeClr>
+      <a:schemeClr val="accent3">
+        <a:tint val="40000"/>
+        <a:alpha val="90000"/>
+      </a:schemeClr>
+    </dgm:linClrLst>
+    <dgm:effectClrLst/>
+    <dgm:txLinClrLst/>
+    <dgm:txFillClrLst meth="repeat">
+      <a:schemeClr val="dk1"/>
+    </dgm:txFillClrLst>
+    <dgm:txEffectClrLst/>
+  </dgm:styleLbl>
+  <dgm:styleLbl name="fgAcc0">
+    <dgm:fillClrLst meth="repeat">
+      <a:schemeClr val="lt1">
+        <a:alpha val="90000"/>
+      </a:schemeClr>
+    </dgm:fillClrLst>
+    <dgm:linClrLst>
+      <a:schemeClr val="accent1"/>
+    </dgm:linClrLst>
+    <dgm:effectClrLst/>
+    <dgm:txLinClrLst/>
+    <dgm:txFillClrLst meth="repeat">
+      <a:schemeClr val="dk1"/>
+    </dgm:txFillClrLst>
+    <dgm:txEffectClrLst/>
+  </dgm:styleLbl>
+  <dgm:styleLbl name="fgAcc2">
+    <dgm:fillClrLst meth="repeat">
+      <a:schemeClr val="lt1">
+        <a:alpha val="90000"/>
+      </a:schemeClr>
+    </dgm:fillClrLst>
+    <dgm:linClrLst>
+      <a:schemeClr val="accent3"/>
+    </dgm:linClrLst>
+    <dgm:effectClrLst/>
+    <dgm:txLinClrLst/>
+    <dgm:txFillClrLst meth="repeat">
+      <a:schemeClr val="dk1"/>
+    </dgm:txFillClrLst>
+    <dgm:txEffectClrLst/>
+  </dgm:styleLbl>
+  <dgm:styleLbl name="fgAcc3">
+    <dgm:fillClrLst meth="repeat">
+      <a:schemeClr val="lt1">
+        <a:alpha val="90000"/>
+      </a:schemeClr>
+    </dgm:fillClrLst>
+    <dgm:linClrLst>
+      <a:schemeClr val="accent4"/>
+    </dgm:linClrLst>
+    <dgm:effectClrLst/>
+    <dgm:txLinClrLst/>
+    <dgm:txFillClrLst meth="repeat">
+      <a:schemeClr val="dk1"/>
+    </dgm:txFillClrLst>
+    <dgm:txEffectClrLst/>
+  </dgm:styleLbl>
+  <dgm:styleLbl name="fgAcc4">
+    <dgm:fillClrLst meth="repeat">
+      <a:schemeClr val="lt1">
+        <a:alpha val="90000"/>
+      </a:schemeClr>
+    </dgm:fillClrLst>
+    <dgm:linClrLst>
+      <a:schemeClr val="accent5"/>
+    </dgm:linClrLst>
+    <dgm:effectClrLst/>
+    <dgm:txLinClrLst/>
+    <dgm:txFillClrLst meth="repeat">
+      <a:schemeClr val="dk1"/>
+    </dgm:txFillClrLst>
+    <dgm:txEffectClrLst/>
+  </dgm:styleLbl>
+  <dgm:styleLbl name="bgShp">
+    <dgm:fillClrLst meth="repeat">
+      <a:schemeClr val="accent2">
+        <a:tint val="40000"/>
+      </a:schemeClr>
+    </dgm:fillClrLst>
+    <dgm:linClrLst meth="repeat">
+      <a:schemeClr val="dk1"/>
+    </dgm:linClrLst>
+    <dgm:effectClrLst/>
+    <dgm:txLinClrLst/>
+    <dgm:txFillClrLst meth="repeat">
+      <a:schemeClr val="dk1"/>
+    </dgm:txFillClrLst>
+    <dgm:txEffectClrLst/>
+  </dgm:styleLbl>
+  <dgm:styleLbl name="dkBgShp">
+    <dgm:fillClrLst meth="repeat">
+      <a:schemeClr val="accent2">
+        <a:shade val="90000"/>
+      </a:schemeClr>
+    </dgm:fillClrLst>
+    <dgm:linClrLst meth="repeat">
+      <a:schemeClr val="dk1"/>
+    </dgm:linClrLst>
+    <dgm:effectClrLst/>
+    <dgm:txLinClrLst/>
+    <dgm:txFillClrLst meth="repeat">
+      <a:schemeClr val="lt1"/>
+    </dgm:txFillClrLst>
+    <dgm:txEffectClrLst/>
+  </dgm:styleLbl>
+  <dgm:styleLbl name="trBgShp">
+    <dgm:fillClrLst meth="repeat">
+      <a:schemeClr val="accent2">
+        <a:tint val="50000"/>
+        <a:alpha val="40000"/>
+      </a:schemeClr>
+    </dgm:fillClrLst>
+    <dgm:linClrLst meth="repeat">
+      <a:schemeClr val="accent2"/>
+    </dgm:linClrLst>
+    <dgm:effectClrLst/>
+    <dgm:txLinClrLst/>
+    <dgm:txFillClrLst meth="repeat">
+      <a:schemeClr val="lt1"/>
+    </dgm:txFillClrLst>
+    <dgm:txEffectClrLst/>
+  </dgm:styleLbl>
+  <dgm:styleLbl name="fgShp">
+    <dgm:fillClrLst meth="repeat">
+      <a:schemeClr val="accent2">
+        <a:tint val="40000"/>
+      </a:schemeClr>
+    </dgm:fillClrLst>
+    <dgm:linClrLst meth="repeat">
+      <a:schemeClr val="lt1"/>
+    </dgm:linClrLst>
+    <dgm:effectClrLst/>
+    <dgm:txLinClrLst/>
+    <dgm:txFillClrLst meth="repeat">
+      <a:schemeClr val="dk1"/>
+    </dgm:txFillClrLst>
+    <dgm:txEffectClrLst/>
+  </dgm:styleLbl>
+  <dgm:styleLbl name="revTx">
+    <dgm:fillClrLst meth="repeat">
+      <a:schemeClr val="lt1">
+        <a:alpha val="0"/>
+      </a:schemeClr>
+    </dgm:fillClrLst>
+    <dgm:linClrLst meth="repeat">
+      <a:schemeClr val="dk1">
+        <a:alpha val="0"/>
+      </a:schemeClr>
+    </dgm:linClrLst>
+    <dgm:effectClrLst/>
+    <dgm:txLinClrLst/>
+    <dgm:txFillClrLst meth="repeat">
+      <a:schemeClr val="tx1"/>
+    </dgm:txFillClrLst>
+    <dgm:txEffectClrLst/>
+  </dgm:styleLbl>
+</dgm:colorsDef>
+</file>
+
+<file path=ppt/diagrams/colors2.xml><?xml version="1.0" encoding="utf-8"?>
 <dgm:colorsDef xmlns:dgm="http://schemas.openxmlformats.org/drawingml/2006/diagram" xmlns:a="http://schemas.openxmlformats.org/drawingml/2006/main" uniqueId="urn:microsoft.com/office/officeart/2005/8/colors/accent3_2">
   <dgm:title val=""/>
   <dgm:desc val=""/>
@@ -874,6 +1657,382 @@
 <file path=ppt/diagrams/data1.xml><?xml version="1.0" encoding="utf-8"?>
 <dgm:dataModel xmlns:dgm="http://schemas.openxmlformats.org/drawingml/2006/diagram" xmlns:a="http://schemas.openxmlformats.org/drawingml/2006/main">
   <dgm:ptLst>
+    <dgm:pt modelId="{2AD574A3-98F9-4664-9DB6-9D89C60CEAC2}" type="doc">
+      <dgm:prSet loTypeId="urn:microsoft.com/office/officeart/2005/8/layout/process1" loCatId="process" qsTypeId="urn:microsoft.com/office/officeart/2005/8/quickstyle/simple1" qsCatId="simple" csTypeId="urn:microsoft.com/office/officeart/2005/8/colors/colorful2" csCatId="colorful" phldr="1"/>
+      <dgm:spPr/>
+    </dgm:pt>
+    <dgm:pt modelId="{C7BFD3DB-BCB1-4227-B4C0-0D3A180CBDA2}">
+      <dgm:prSet phldrT="[Texte]"/>
+      <dgm:spPr/>
+      <dgm:t>
+        <a:bodyPr/>
+        <a:lstStyle/>
+        <a:p>
+          <a:r>
+            <a:rPr lang="fr-FR" dirty="0"/>
+            <a:t>Project starts (21/06)</a:t>
+          </a:r>
+        </a:p>
+      </dgm:t>
+    </dgm:pt>
+    <dgm:pt modelId="{5AB6A5EC-454C-4C20-90BA-245CB3F4D92E}" type="parTrans" cxnId="{9451953D-33E4-40D3-A2ED-37581279C0E9}">
+      <dgm:prSet/>
+      <dgm:spPr/>
+      <dgm:t>
+        <a:bodyPr/>
+        <a:lstStyle/>
+        <a:p>
+          <a:endParaRPr lang="fr-FR"/>
+        </a:p>
+      </dgm:t>
+    </dgm:pt>
+    <dgm:pt modelId="{89A8DDEE-48E0-4341-A6E9-E7C2628E8AC2}" type="sibTrans" cxnId="{9451953D-33E4-40D3-A2ED-37581279C0E9}">
+      <dgm:prSet/>
+      <dgm:spPr/>
+      <dgm:t>
+        <a:bodyPr/>
+        <a:lstStyle/>
+        <a:p>
+          <a:endParaRPr lang="fr-FR"/>
+        </a:p>
+      </dgm:t>
+    </dgm:pt>
+    <dgm:pt modelId="{A68C8B4A-9323-4F38-A396-3A3FB4A48ECA}">
+      <dgm:prSet phldrT="[Texte]"/>
+      <dgm:spPr/>
+      <dgm:t>
+        <a:bodyPr/>
+        <a:lstStyle/>
+        <a:p>
+          <a:r>
+            <a:rPr lang="fr-FR" dirty="0" err="1"/>
+            <a:t>Launching</a:t>
+          </a:r>
+          <a:r>
+            <a:rPr lang="fr-FR" dirty="0"/>
+            <a:t> phase (21/06 =&gt; 24/06)</a:t>
+          </a:r>
+        </a:p>
+      </dgm:t>
+    </dgm:pt>
+    <dgm:pt modelId="{08AA4F33-D05B-4ABC-94D8-2F875955830A}" type="parTrans" cxnId="{080B3256-9EB9-4779-879E-E1FD64F5DD58}">
+      <dgm:prSet/>
+      <dgm:spPr/>
+      <dgm:t>
+        <a:bodyPr/>
+        <a:lstStyle/>
+        <a:p>
+          <a:endParaRPr lang="fr-FR"/>
+        </a:p>
+      </dgm:t>
+    </dgm:pt>
+    <dgm:pt modelId="{C980CA82-537B-49FA-B989-D54435E69827}" type="sibTrans" cxnId="{080B3256-9EB9-4779-879E-E1FD64F5DD58}">
+      <dgm:prSet/>
+      <dgm:spPr/>
+      <dgm:t>
+        <a:bodyPr/>
+        <a:lstStyle/>
+        <a:p>
+          <a:endParaRPr lang="fr-FR"/>
+        </a:p>
+      </dgm:t>
+    </dgm:pt>
+    <dgm:pt modelId="{B48EC98A-E1C2-41D7-90FB-C5A13E03838A}">
+      <dgm:prSet phldrT="[Texte]"/>
+      <dgm:spPr/>
+      <dgm:t>
+        <a:bodyPr/>
+        <a:lstStyle/>
+        <a:p>
+          <a:r>
+            <a:rPr lang="fr-FR" dirty="0"/>
+            <a:t>Sprint 1 (25/06 =&gt; 27/06)</a:t>
+          </a:r>
+        </a:p>
+      </dgm:t>
+    </dgm:pt>
+    <dgm:pt modelId="{2B31D785-D1DA-4EFA-9397-F42A93BACC23}" type="parTrans" cxnId="{8C04FF11-63B8-4E45-9BBF-492DE4C47B31}">
+      <dgm:prSet/>
+      <dgm:spPr/>
+      <dgm:t>
+        <a:bodyPr/>
+        <a:lstStyle/>
+        <a:p>
+          <a:endParaRPr lang="fr-FR"/>
+        </a:p>
+      </dgm:t>
+    </dgm:pt>
+    <dgm:pt modelId="{6D640ACE-0CE2-4A4F-A330-BD4651875DC0}" type="sibTrans" cxnId="{8C04FF11-63B8-4E45-9BBF-492DE4C47B31}">
+      <dgm:prSet/>
+      <dgm:spPr/>
+      <dgm:t>
+        <a:bodyPr/>
+        <a:lstStyle/>
+        <a:p>
+          <a:endParaRPr lang="fr-FR"/>
+        </a:p>
+      </dgm:t>
+    </dgm:pt>
+    <dgm:pt modelId="{C9C081CE-10F7-47E0-9C75-EC0FA123BBF6}">
+      <dgm:prSet phldrT="[Texte]"/>
+      <dgm:spPr/>
+      <dgm:t>
+        <a:bodyPr/>
+        <a:lstStyle/>
+        <a:p>
+          <a:r>
+            <a:rPr lang="fr-FR" dirty="0"/>
+            <a:t>Sprint 2 (27/06 =&gt; 29/06)</a:t>
+          </a:r>
+        </a:p>
+      </dgm:t>
+    </dgm:pt>
+    <dgm:pt modelId="{8D9A6A3B-6EB7-49B5-AE72-3547DE69DAA9}" type="parTrans" cxnId="{4034EE61-0431-42D3-840B-A16BE6C5CFA9}">
+      <dgm:prSet/>
+      <dgm:spPr/>
+      <dgm:t>
+        <a:bodyPr/>
+        <a:lstStyle/>
+        <a:p>
+          <a:endParaRPr lang="fr-FR"/>
+        </a:p>
+      </dgm:t>
+    </dgm:pt>
+    <dgm:pt modelId="{F51F28EC-FE9A-4768-92DD-425736175053}" type="sibTrans" cxnId="{4034EE61-0431-42D3-840B-A16BE6C5CFA9}">
+      <dgm:prSet/>
+      <dgm:spPr/>
+      <dgm:t>
+        <a:bodyPr/>
+        <a:lstStyle/>
+        <a:p>
+          <a:endParaRPr lang="fr-FR"/>
+        </a:p>
+      </dgm:t>
+    </dgm:pt>
+    <dgm:pt modelId="{71597735-BF02-40FD-933F-744B92E0A218}">
+      <dgm:prSet phldrT="[Texte]"/>
+      <dgm:spPr/>
+      <dgm:t>
+        <a:bodyPr/>
+        <a:lstStyle/>
+        <a:p>
+          <a:r>
+            <a:rPr lang="fr-FR" dirty="0"/>
+            <a:t>Sprint 3 (02/07 =&gt; 03/07)</a:t>
+          </a:r>
+        </a:p>
+      </dgm:t>
+    </dgm:pt>
+    <dgm:pt modelId="{AEB022F2-3DD2-4188-9FA0-428B3BCBDE15}" type="parTrans" cxnId="{AC835147-2F98-4F39-9BFB-159FA61566D6}">
+      <dgm:prSet/>
+      <dgm:spPr/>
+      <dgm:t>
+        <a:bodyPr/>
+        <a:lstStyle/>
+        <a:p>
+          <a:endParaRPr lang="fr-FR"/>
+        </a:p>
+      </dgm:t>
+    </dgm:pt>
+    <dgm:pt modelId="{D3020BF0-87F1-4DB2-A1C2-FFE462C3AE84}" type="sibTrans" cxnId="{AC835147-2F98-4F39-9BFB-159FA61566D6}">
+      <dgm:prSet/>
+      <dgm:spPr/>
+      <dgm:t>
+        <a:bodyPr/>
+        <a:lstStyle/>
+        <a:p>
+          <a:endParaRPr lang="fr-FR"/>
+        </a:p>
+      </dgm:t>
+    </dgm:pt>
+    <dgm:pt modelId="{F56E5914-EEDD-46B4-93B6-989C484E4823}">
+      <dgm:prSet phldrT="[Texte]"/>
+      <dgm:spPr/>
+      <dgm:t>
+        <a:bodyPr/>
+        <a:lstStyle/>
+        <a:p>
+          <a:r>
+            <a:rPr lang="fr-FR" dirty="0"/>
+            <a:t>Project ends (03/07)</a:t>
+          </a:r>
+        </a:p>
+      </dgm:t>
+    </dgm:pt>
+    <dgm:pt modelId="{8265FC83-5BCD-4227-96BE-6C1E2A2B53F9}" type="parTrans" cxnId="{A142E1D4-13ED-4F53-8CC9-3019CCEF07B9}">
+      <dgm:prSet/>
+      <dgm:spPr/>
+      <dgm:t>
+        <a:bodyPr/>
+        <a:lstStyle/>
+        <a:p>
+          <a:endParaRPr lang="fr-FR"/>
+        </a:p>
+      </dgm:t>
+    </dgm:pt>
+    <dgm:pt modelId="{FC175D68-03B3-40D1-8763-7B9C1EE4731A}" type="sibTrans" cxnId="{A142E1D4-13ED-4F53-8CC9-3019CCEF07B9}">
+      <dgm:prSet/>
+      <dgm:spPr/>
+      <dgm:t>
+        <a:bodyPr/>
+        <a:lstStyle/>
+        <a:p>
+          <a:endParaRPr lang="fr-FR"/>
+        </a:p>
+      </dgm:t>
+    </dgm:pt>
+    <dgm:pt modelId="{EC41D584-41F3-42A2-8753-D87428B019DE}" type="pres">
+      <dgm:prSet presAssocID="{2AD574A3-98F9-4664-9DB6-9D89C60CEAC2}" presName="Name0" presStyleCnt="0">
+        <dgm:presLayoutVars>
+          <dgm:dir/>
+          <dgm:resizeHandles val="exact"/>
+        </dgm:presLayoutVars>
+      </dgm:prSet>
+      <dgm:spPr/>
+    </dgm:pt>
+    <dgm:pt modelId="{2598F325-FF49-4907-B2E0-163DE72F2D2E}" type="pres">
+      <dgm:prSet presAssocID="{C7BFD3DB-BCB1-4227-B4C0-0D3A180CBDA2}" presName="node" presStyleLbl="node1" presStyleIdx="0" presStyleCnt="6" custLinFactNeighborX="-3553" custLinFactNeighborY="1282">
+        <dgm:presLayoutVars>
+          <dgm:bulletEnabled val="1"/>
+        </dgm:presLayoutVars>
+      </dgm:prSet>
+      <dgm:spPr/>
+    </dgm:pt>
+    <dgm:pt modelId="{49066F6F-FA4B-4BF7-897D-345533B058C8}" type="pres">
+      <dgm:prSet presAssocID="{89A8DDEE-48E0-4341-A6E9-E7C2628E8AC2}" presName="sibTrans" presStyleLbl="sibTrans2D1" presStyleIdx="0" presStyleCnt="5"/>
+      <dgm:spPr/>
+    </dgm:pt>
+    <dgm:pt modelId="{6E1A2EF9-E50C-4B0E-B815-37A68F4398B7}" type="pres">
+      <dgm:prSet presAssocID="{89A8DDEE-48E0-4341-A6E9-E7C2628E8AC2}" presName="connectorText" presStyleLbl="sibTrans2D1" presStyleIdx="0" presStyleCnt="5"/>
+      <dgm:spPr/>
+    </dgm:pt>
+    <dgm:pt modelId="{8E1ADDE0-A8DE-4937-BE61-5ED961D75253}" type="pres">
+      <dgm:prSet presAssocID="{A68C8B4A-9323-4F38-A396-3A3FB4A48ECA}" presName="node" presStyleLbl="node1" presStyleIdx="1" presStyleCnt="6" custLinFactNeighborX="-15786" custLinFactNeighborY="1282">
+        <dgm:presLayoutVars>
+          <dgm:bulletEnabled val="1"/>
+        </dgm:presLayoutVars>
+      </dgm:prSet>
+      <dgm:spPr/>
+    </dgm:pt>
+    <dgm:pt modelId="{816F016C-B8E3-45C0-85AB-BD28DA417CB8}" type="pres">
+      <dgm:prSet presAssocID="{C980CA82-537B-49FA-B989-D54435E69827}" presName="sibTrans" presStyleLbl="sibTrans2D1" presStyleIdx="1" presStyleCnt="5"/>
+      <dgm:spPr/>
+    </dgm:pt>
+    <dgm:pt modelId="{7F227D07-10B5-488C-8EAD-6F39B579CCCA}" type="pres">
+      <dgm:prSet presAssocID="{C980CA82-537B-49FA-B989-D54435E69827}" presName="connectorText" presStyleLbl="sibTrans2D1" presStyleIdx="1" presStyleCnt="5"/>
+      <dgm:spPr/>
+    </dgm:pt>
+    <dgm:pt modelId="{6CCD6467-A809-49A3-B997-47033E48F31B}" type="pres">
+      <dgm:prSet presAssocID="{B48EC98A-E1C2-41D7-90FB-C5A13E03838A}" presName="node" presStyleLbl="node1" presStyleIdx="2" presStyleCnt="6" custLinFactNeighborX="-23186" custLinFactNeighborY="1282">
+        <dgm:presLayoutVars>
+          <dgm:bulletEnabled val="1"/>
+        </dgm:presLayoutVars>
+      </dgm:prSet>
+      <dgm:spPr/>
+    </dgm:pt>
+    <dgm:pt modelId="{046498CA-D2B5-4C16-A2CC-24120C54E4A7}" type="pres">
+      <dgm:prSet presAssocID="{6D640ACE-0CE2-4A4F-A330-BD4651875DC0}" presName="sibTrans" presStyleLbl="sibTrans2D1" presStyleIdx="2" presStyleCnt="5"/>
+      <dgm:spPr/>
+    </dgm:pt>
+    <dgm:pt modelId="{039C3078-C5DC-4676-B620-982C4B8879C0}" type="pres">
+      <dgm:prSet presAssocID="{6D640ACE-0CE2-4A4F-A330-BD4651875DC0}" presName="connectorText" presStyleLbl="sibTrans2D1" presStyleIdx="2" presStyleCnt="5"/>
+      <dgm:spPr/>
+    </dgm:pt>
+    <dgm:pt modelId="{81E5D88F-9B05-4350-9BC2-2CB20C56D0D3}" type="pres">
+      <dgm:prSet presAssocID="{C9C081CE-10F7-47E0-9C75-EC0FA123BBF6}" presName="node" presStyleLbl="node1" presStyleIdx="3" presStyleCnt="6">
+        <dgm:presLayoutVars>
+          <dgm:bulletEnabled val="1"/>
+        </dgm:presLayoutVars>
+      </dgm:prSet>
+      <dgm:spPr/>
+    </dgm:pt>
+    <dgm:pt modelId="{EB8E9198-3B40-447F-98AE-668712DB13E4}" type="pres">
+      <dgm:prSet presAssocID="{F51F28EC-FE9A-4768-92DD-425736175053}" presName="sibTrans" presStyleLbl="sibTrans2D1" presStyleIdx="3" presStyleCnt="5"/>
+      <dgm:spPr/>
+    </dgm:pt>
+    <dgm:pt modelId="{8D07D00E-4114-4FB3-BC0E-3A6D975DC53C}" type="pres">
+      <dgm:prSet presAssocID="{F51F28EC-FE9A-4768-92DD-425736175053}" presName="connectorText" presStyleLbl="sibTrans2D1" presStyleIdx="3" presStyleCnt="5"/>
+      <dgm:spPr/>
+    </dgm:pt>
+    <dgm:pt modelId="{FDC3F1E7-855B-4AFF-B047-E30DA3D20DAE}" type="pres">
+      <dgm:prSet presAssocID="{71597735-BF02-40FD-933F-744B92E0A218}" presName="node" presStyleLbl="node1" presStyleIdx="4" presStyleCnt="6">
+        <dgm:presLayoutVars>
+          <dgm:bulletEnabled val="1"/>
+        </dgm:presLayoutVars>
+      </dgm:prSet>
+      <dgm:spPr/>
+    </dgm:pt>
+    <dgm:pt modelId="{D0FCF798-A1B3-46A7-B2C5-D4BC87C2769D}" type="pres">
+      <dgm:prSet presAssocID="{D3020BF0-87F1-4DB2-A1C2-FFE462C3AE84}" presName="sibTrans" presStyleLbl="sibTrans2D1" presStyleIdx="4" presStyleCnt="5"/>
+      <dgm:spPr/>
+    </dgm:pt>
+    <dgm:pt modelId="{43875912-2DE5-40CA-A24E-8BCA284717FC}" type="pres">
+      <dgm:prSet presAssocID="{D3020BF0-87F1-4DB2-A1C2-FFE462C3AE84}" presName="connectorText" presStyleLbl="sibTrans2D1" presStyleIdx="4" presStyleCnt="5"/>
+      <dgm:spPr/>
+    </dgm:pt>
+    <dgm:pt modelId="{C98C33A7-1577-4D92-8F66-E54E19109E4B}" type="pres">
+      <dgm:prSet presAssocID="{F56E5914-EEDD-46B4-93B6-989C484E4823}" presName="node" presStyleLbl="node1" presStyleIdx="5" presStyleCnt="6">
+        <dgm:presLayoutVars>
+          <dgm:bulletEnabled val="1"/>
+        </dgm:presLayoutVars>
+      </dgm:prSet>
+      <dgm:spPr/>
+    </dgm:pt>
+  </dgm:ptLst>
+  <dgm:cxnLst>
+    <dgm:cxn modelId="{7BDBFE01-251F-4E21-B445-1128065193D8}" type="presOf" srcId="{89A8DDEE-48E0-4341-A6E9-E7C2628E8AC2}" destId="{6E1A2EF9-E50C-4B0E-B815-37A68F4398B7}" srcOrd="1" destOrd="0" presId="urn:microsoft.com/office/officeart/2005/8/layout/process1"/>
+    <dgm:cxn modelId="{F786200A-B2E9-49E2-85CC-970AF8E12CDB}" type="presOf" srcId="{6D640ACE-0CE2-4A4F-A330-BD4651875DC0}" destId="{046498CA-D2B5-4C16-A2CC-24120C54E4A7}" srcOrd="0" destOrd="0" presId="urn:microsoft.com/office/officeart/2005/8/layout/process1"/>
+    <dgm:cxn modelId="{4106950A-B002-458B-9ED3-2E7A48CC7A30}" type="presOf" srcId="{C980CA82-537B-49FA-B989-D54435E69827}" destId="{7F227D07-10B5-488C-8EAD-6F39B579CCCA}" srcOrd="1" destOrd="0" presId="urn:microsoft.com/office/officeart/2005/8/layout/process1"/>
+    <dgm:cxn modelId="{8C04FF11-63B8-4E45-9BBF-492DE4C47B31}" srcId="{2AD574A3-98F9-4664-9DB6-9D89C60CEAC2}" destId="{B48EC98A-E1C2-41D7-90FB-C5A13E03838A}" srcOrd="2" destOrd="0" parTransId="{2B31D785-D1DA-4EFA-9397-F42A93BACC23}" sibTransId="{6D640ACE-0CE2-4A4F-A330-BD4651875DC0}"/>
+    <dgm:cxn modelId="{D9242516-F6FB-403E-9328-9A6F06A2F9F5}" type="presOf" srcId="{2AD574A3-98F9-4664-9DB6-9D89C60CEAC2}" destId="{EC41D584-41F3-42A2-8753-D87428B019DE}" srcOrd="0" destOrd="0" presId="urn:microsoft.com/office/officeart/2005/8/layout/process1"/>
+    <dgm:cxn modelId="{A9C60627-B971-475C-B36B-D6E67FF2E4C0}" type="presOf" srcId="{F51F28EC-FE9A-4768-92DD-425736175053}" destId="{8D07D00E-4114-4FB3-BC0E-3A6D975DC53C}" srcOrd="1" destOrd="0" presId="urn:microsoft.com/office/officeart/2005/8/layout/process1"/>
+    <dgm:cxn modelId="{9451953D-33E4-40D3-A2ED-37581279C0E9}" srcId="{2AD574A3-98F9-4664-9DB6-9D89C60CEAC2}" destId="{C7BFD3DB-BCB1-4227-B4C0-0D3A180CBDA2}" srcOrd="0" destOrd="0" parTransId="{5AB6A5EC-454C-4C20-90BA-245CB3F4D92E}" sibTransId="{89A8DDEE-48E0-4341-A6E9-E7C2628E8AC2}"/>
+    <dgm:cxn modelId="{4034EE61-0431-42D3-840B-A16BE6C5CFA9}" srcId="{2AD574A3-98F9-4664-9DB6-9D89C60CEAC2}" destId="{C9C081CE-10F7-47E0-9C75-EC0FA123BBF6}" srcOrd="3" destOrd="0" parTransId="{8D9A6A3B-6EB7-49B5-AE72-3547DE69DAA9}" sibTransId="{F51F28EC-FE9A-4768-92DD-425736175053}"/>
+    <dgm:cxn modelId="{AC835147-2F98-4F39-9BFB-159FA61566D6}" srcId="{2AD574A3-98F9-4664-9DB6-9D89C60CEAC2}" destId="{71597735-BF02-40FD-933F-744B92E0A218}" srcOrd="4" destOrd="0" parTransId="{AEB022F2-3DD2-4188-9FA0-428B3BCBDE15}" sibTransId="{D3020BF0-87F1-4DB2-A1C2-FFE462C3AE84}"/>
+    <dgm:cxn modelId="{5B453E6E-69A9-4DE1-ABF5-74415931B80A}" type="presOf" srcId="{89A8DDEE-48E0-4341-A6E9-E7C2628E8AC2}" destId="{49066F6F-FA4B-4BF7-897D-345533B058C8}" srcOrd="0" destOrd="0" presId="urn:microsoft.com/office/officeart/2005/8/layout/process1"/>
+    <dgm:cxn modelId="{3B0E0450-074F-4164-8141-D159327217D2}" type="presOf" srcId="{C980CA82-537B-49FA-B989-D54435E69827}" destId="{816F016C-B8E3-45C0-85AB-BD28DA417CB8}" srcOrd="0" destOrd="0" presId="urn:microsoft.com/office/officeart/2005/8/layout/process1"/>
+    <dgm:cxn modelId="{1EE58952-A702-4F96-96F2-E820754C67BF}" type="presOf" srcId="{C9C081CE-10F7-47E0-9C75-EC0FA123BBF6}" destId="{81E5D88F-9B05-4350-9BC2-2CB20C56D0D3}" srcOrd="0" destOrd="0" presId="urn:microsoft.com/office/officeart/2005/8/layout/process1"/>
+    <dgm:cxn modelId="{080B3256-9EB9-4779-879E-E1FD64F5DD58}" srcId="{2AD574A3-98F9-4664-9DB6-9D89C60CEAC2}" destId="{A68C8B4A-9323-4F38-A396-3A3FB4A48ECA}" srcOrd="1" destOrd="0" parTransId="{08AA4F33-D05B-4ABC-94D8-2F875955830A}" sibTransId="{C980CA82-537B-49FA-B989-D54435E69827}"/>
+    <dgm:cxn modelId="{1389B97D-2B7A-493E-8568-F9C893D3EFDD}" type="presOf" srcId="{71597735-BF02-40FD-933F-744B92E0A218}" destId="{FDC3F1E7-855B-4AFF-B047-E30DA3D20DAE}" srcOrd="0" destOrd="0" presId="urn:microsoft.com/office/officeart/2005/8/layout/process1"/>
+    <dgm:cxn modelId="{FBF64185-F0CD-4738-9D1A-17705F84EE7F}" type="presOf" srcId="{F56E5914-EEDD-46B4-93B6-989C484E4823}" destId="{C98C33A7-1577-4D92-8F66-E54E19109E4B}" srcOrd="0" destOrd="0" presId="urn:microsoft.com/office/officeart/2005/8/layout/process1"/>
+    <dgm:cxn modelId="{01911990-37CA-4BE1-B3F0-4D52EA922F7C}" type="presOf" srcId="{B48EC98A-E1C2-41D7-90FB-C5A13E03838A}" destId="{6CCD6467-A809-49A3-B997-47033E48F31B}" srcOrd="0" destOrd="0" presId="urn:microsoft.com/office/officeart/2005/8/layout/process1"/>
+    <dgm:cxn modelId="{A142E1D4-13ED-4F53-8CC9-3019CCEF07B9}" srcId="{2AD574A3-98F9-4664-9DB6-9D89C60CEAC2}" destId="{F56E5914-EEDD-46B4-93B6-989C484E4823}" srcOrd="5" destOrd="0" parTransId="{8265FC83-5BCD-4227-96BE-6C1E2A2B53F9}" sibTransId="{FC175D68-03B3-40D1-8763-7B9C1EE4731A}"/>
+    <dgm:cxn modelId="{125212DA-7D6A-4305-889E-727C4A996C62}" type="presOf" srcId="{6D640ACE-0CE2-4A4F-A330-BD4651875DC0}" destId="{039C3078-C5DC-4676-B620-982C4B8879C0}" srcOrd="1" destOrd="0" presId="urn:microsoft.com/office/officeart/2005/8/layout/process1"/>
+    <dgm:cxn modelId="{D6226AEB-90C2-4398-BC31-AF32C9C527A5}" type="presOf" srcId="{F51F28EC-FE9A-4768-92DD-425736175053}" destId="{EB8E9198-3B40-447F-98AE-668712DB13E4}" srcOrd="0" destOrd="0" presId="urn:microsoft.com/office/officeart/2005/8/layout/process1"/>
+    <dgm:cxn modelId="{9A6F97EC-D822-4ECA-8494-51CCDA6184BE}" type="presOf" srcId="{C7BFD3DB-BCB1-4227-B4C0-0D3A180CBDA2}" destId="{2598F325-FF49-4907-B2E0-163DE72F2D2E}" srcOrd="0" destOrd="0" presId="urn:microsoft.com/office/officeart/2005/8/layout/process1"/>
+    <dgm:cxn modelId="{FF5E9DFA-0801-42FE-B5A2-EC276BDF0AFD}" type="presOf" srcId="{D3020BF0-87F1-4DB2-A1C2-FFE462C3AE84}" destId="{D0FCF798-A1B3-46A7-B2C5-D4BC87C2769D}" srcOrd="0" destOrd="0" presId="urn:microsoft.com/office/officeart/2005/8/layout/process1"/>
+    <dgm:cxn modelId="{9011AFFC-3795-4201-A55F-D4D88D8CCC0D}" type="presOf" srcId="{A68C8B4A-9323-4F38-A396-3A3FB4A48ECA}" destId="{8E1ADDE0-A8DE-4937-BE61-5ED961D75253}" srcOrd="0" destOrd="0" presId="urn:microsoft.com/office/officeart/2005/8/layout/process1"/>
+    <dgm:cxn modelId="{5AFFD8FF-AC36-4262-AA87-DAA4A562FB29}" type="presOf" srcId="{D3020BF0-87F1-4DB2-A1C2-FFE462C3AE84}" destId="{43875912-2DE5-40CA-A24E-8BCA284717FC}" srcOrd="1" destOrd="0" presId="urn:microsoft.com/office/officeart/2005/8/layout/process1"/>
+    <dgm:cxn modelId="{4C89B7D9-802C-4843-A6AE-BD4F645350CE}" type="presParOf" srcId="{EC41D584-41F3-42A2-8753-D87428B019DE}" destId="{2598F325-FF49-4907-B2E0-163DE72F2D2E}" srcOrd="0" destOrd="0" presId="urn:microsoft.com/office/officeart/2005/8/layout/process1"/>
+    <dgm:cxn modelId="{F90A02B3-6420-474A-96AE-435DBD9AA66F}" type="presParOf" srcId="{EC41D584-41F3-42A2-8753-D87428B019DE}" destId="{49066F6F-FA4B-4BF7-897D-345533B058C8}" srcOrd="1" destOrd="0" presId="urn:microsoft.com/office/officeart/2005/8/layout/process1"/>
+    <dgm:cxn modelId="{BA64D5A3-F726-4C0D-A0E7-F28D21FCB72C}" type="presParOf" srcId="{49066F6F-FA4B-4BF7-897D-345533B058C8}" destId="{6E1A2EF9-E50C-4B0E-B815-37A68F4398B7}" srcOrd="0" destOrd="0" presId="urn:microsoft.com/office/officeart/2005/8/layout/process1"/>
+    <dgm:cxn modelId="{BDD76D18-9050-4026-BD7A-9A534793DCEE}" type="presParOf" srcId="{EC41D584-41F3-42A2-8753-D87428B019DE}" destId="{8E1ADDE0-A8DE-4937-BE61-5ED961D75253}" srcOrd="2" destOrd="0" presId="urn:microsoft.com/office/officeart/2005/8/layout/process1"/>
+    <dgm:cxn modelId="{436BDC03-D78B-419E-8D7E-521969B5E1B3}" type="presParOf" srcId="{EC41D584-41F3-42A2-8753-D87428B019DE}" destId="{816F016C-B8E3-45C0-85AB-BD28DA417CB8}" srcOrd="3" destOrd="0" presId="urn:microsoft.com/office/officeart/2005/8/layout/process1"/>
+    <dgm:cxn modelId="{3236E8B6-D5E3-4466-A146-4372C4D5A726}" type="presParOf" srcId="{816F016C-B8E3-45C0-85AB-BD28DA417CB8}" destId="{7F227D07-10B5-488C-8EAD-6F39B579CCCA}" srcOrd="0" destOrd="0" presId="urn:microsoft.com/office/officeart/2005/8/layout/process1"/>
+    <dgm:cxn modelId="{7E97F852-B8E1-4D25-9626-98AB41A54861}" type="presParOf" srcId="{EC41D584-41F3-42A2-8753-D87428B019DE}" destId="{6CCD6467-A809-49A3-B997-47033E48F31B}" srcOrd="4" destOrd="0" presId="urn:microsoft.com/office/officeart/2005/8/layout/process1"/>
+    <dgm:cxn modelId="{3F4A2F16-6EDC-42D7-90BD-BD394C54868C}" type="presParOf" srcId="{EC41D584-41F3-42A2-8753-D87428B019DE}" destId="{046498CA-D2B5-4C16-A2CC-24120C54E4A7}" srcOrd="5" destOrd="0" presId="urn:microsoft.com/office/officeart/2005/8/layout/process1"/>
+    <dgm:cxn modelId="{39E6DB2D-A3FE-4347-A9A8-F0784A788E35}" type="presParOf" srcId="{046498CA-D2B5-4C16-A2CC-24120C54E4A7}" destId="{039C3078-C5DC-4676-B620-982C4B8879C0}" srcOrd="0" destOrd="0" presId="urn:microsoft.com/office/officeart/2005/8/layout/process1"/>
+    <dgm:cxn modelId="{79709775-D349-43FC-8206-4215C8683DBA}" type="presParOf" srcId="{EC41D584-41F3-42A2-8753-D87428B019DE}" destId="{81E5D88F-9B05-4350-9BC2-2CB20C56D0D3}" srcOrd="6" destOrd="0" presId="urn:microsoft.com/office/officeart/2005/8/layout/process1"/>
+    <dgm:cxn modelId="{496EC804-D74C-46CE-AB55-2350A41228C1}" type="presParOf" srcId="{EC41D584-41F3-42A2-8753-D87428B019DE}" destId="{EB8E9198-3B40-447F-98AE-668712DB13E4}" srcOrd="7" destOrd="0" presId="urn:microsoft.com/office/officeart/2005/8/layout/process1"/>
+    <dgm:cxn modelId="{0FC9582B-EAEB-4E7E-BD6E-17095DF19FDA}" type="presParOf" srcId="{EB8E9198-3B40-447F-98AE-668712DB13E4}" destId="{8D07D00E-4114-4FB3-BC0E-3A6D975DC53C}" srcOrd="0" destOrd="0" presId="urn:microsoft.com/office/officeart/2005/8/layout/process1"/>
+    <dgm:cxn modelId="{415C50F4-578F-4942-BE0C-2E4E2714C7D2}" type="presParOf" srcId="{EC41D584-41F3-42A2-8753-D87428B019DE}" destId="{FDC3F1E7-855B-4AFF-B047-E30DA3D20DAE}" srcOrd="8" destOrd="0" presId="urn:microsoft.com/office/officeart/2005/8/layout/process1"/>
+    <dgm:cxn modelId="{542B7ECD-FCF1-4DB8-BB6D-5B65D0AE2D71}" type="presParOf" srcId="{EC41D584-41F3-42A2-8753-D87428B019DE}" destId="{D0FCF798-A1B3-46A7-B2C5-D4BC87C2769D}" srcOrd="9" destOrd="0" presId="urn:microsoft.com/office/officeart/2005/8/layout/process1"/>
+    <dgm:cxn modelId="{19A0A52D-FE4C-4656-9EAF-0D04F3657AF1}" type="presParOf" srcId="{D0FCF798-A1B3-46A7-B2C5-D4BC87C2769D}" destId="{43875912-2DE5-40CA-A24E-8BCA284717FC}" srcOrd="0" destOrd="0" presId="urn:microsoft.com/office/officeart/2005/8/layout/process1"/>
+    <dgm:cxn modelId="{0F2AA3E0-2224-4E7A-B66F-CE02C9ECD7EC}" type="presParOf" srcId="{EC41D584-41F3-42A2-8753-D87428B019DE}" destId="{C98C33A7-1577-4D92-8F66-E54E19109E4B}" srcOrd="10" destOrd="0" presId="urn:microsoft.com/office/officeart/2005/8/layout/process1"/>
+  </dgm:cxnLst>
+  <dgm:bg/>
+  <dgm:whole/>
+  <dgm:extLst>
+    <a:ext uri="http://schemas.microsoft.com/office/drawing/2008/diagram">
+      <dsp:dataModelExt xmlns:dsp="http://schemas.microsoft.com/office/drawing/2008/diagram" relId="rId6" minVer="http://schemas.openxmlformats.org/drawingml/2006/diagram"/>
+    </a:ext>
+  </dgm:extLst>
+</dgm:dataModel>
+</file>
+
+<file path=ppt/diagrams/data2.xml><?xml version="1.0" encoding="utf-8"?>
+<dgm:dataModel xmlns:dgm="http://schemas.openxmlformats.org/drawingml/2006/diagram" xmlns:a="http://schemas.openxmlformats.org/drawingml/2006/main">
+  <dgm:ptLst>
     <dgm:pt modelId="{981D3798-0707-4581-8D4A-DD67CA5E960E}" type="doc">
       <dgm:prSet loTypeId="urn:microsoft.com/office/officeart/2008/layout/LinedList" loCatId="list" qsTypeId="urn:microsoft.com/office/officeart/2005/8/quickstyle/simple3" qsCatId="simple" csTypeId="urn:microsoft.com/office/officeart/2005/8/colors/accent3_2" csCatId="accent3"/>
       <dgm:spPr/>
@@ -1318,6 +2477,841 @@
 </file>
 
 <file path=ppt/diagrams/drawing1.xml><?xml version="1.0" encoding="utf-8"?>
+<dsp:drawing xmlns:dgm="http://schemas.openxmlformats.org/drawingml/2006/diagram" xmlns:dsp="http://schemas.microsoft.com/office/drawing/2008/diagram" xmlns:a="http://schemas.openxmlformats.org/drawingml/2006/main">
+  <dsp:spTree>
+    <dsp:nvGrpSpPr>
+      <dsp:cNvPr id="0" name=""/>
+      <dsp:cNvGrpSpPr/>
+    </dsp:nvGrpSpPr>
+    <dsp:grpSpPr/>
+    <dsp:sp modelId="{2598F325-FF49-4907-B2E0-163DE72F2D2E}">
+      <dsp:nvSpPr>
+        <dsp:cNvPr id="0" name=""/>
+        <dsp:cNvSpPr/>
+      </dsp:nvSpPr>
+      <dsp:spPr>
+        <a:xfrm>
+          <a:off x="0" y="681513"/>
+          <a:ext cx="1113960" cy="961117"/>
+        </a:xfrm>
+        <a:prstGeom prst="roundRect">
+          <a:avLst>
+            <a:gd name="adj" fmla="val 10000"/>
+          </a:avLst>
+        </a:prstGeom>
+        <a:solidFill>
+          <a:schemeClr val="accent2">
+            <a:hueOff val="0"/>
+            <a:satOff val="0"/>
+            <a:lumOff val="0"/>
+            <a:alphaOff val="0"/>
+          </a:schemeClr>
+        </a:solidFill>
+        <a:ln w="15875" cap="rnd" cmpd="sng" algn="ctr">
+          <a:solidFill>
+            <a:schemeClr val="lt1">
+              <a:hueOff val="0"/>
+              <a:satOff val="0"/>
+              <a:lumOff val="0"/>
+              <a:alphaOff val="0"/>
+            </a:schemeClr>
+          </a:solidFill>
+          <a:prstDash val="solid"/>
+        </a:ln>
+        <a:effectLst/>
+      </dsp:spPr>
+      <dsp:style>
+        <a:lnRef idx="2">
+          <a:scrgbClr r="0" g="0" b="0"/>
+        </a:lnRef>
+        <a:fillRef idx="1">
+          <a:scrgbClr r="0" g="0" b="0"/>
+        </a:fillRef>
+        <a:effectRef idx="0">
+          <a:scrgbClr r="0" g="0" b="0"/>
+        </a:effectRef>
+        <a:fontRef idx="minor">
+          <a:schemeClr val="lt1"/>
+        </a:fontRef>
+      </dsp:style>
+      <dsp:txBody>
+        <a:bodyPr spcFirstLastPara="0" vert="horz" wrap="square" lIns="53340" tIns="53340" rIns="53340" bIns="53340" numCol="1" spcCol="1270" anchor="ctr" anchorCtr="0">
+          <a:noAutofit/>
+        </a:bodyPr>
+        <a:lstStyle/>
+        <a:p>
+          <a:pPr marL="0" lvl="0" indent="0" algn="ctr" defTabSz="622300">
+            <a:lnSpc>
+              <a:spcPct val="90000"/>
+            </a:lnSpc>
+            <a:spcBef>
+              <a:spcPct val="0"/>
+            </a:spcBef>
+            <a:spcAft>
+              <a:spcPct val="35000"/>
+            </a:spcAft>
+            <a:buNone/>
+          </a:pPr>
+          <a:r>
+            <a:rPr lang="fr-FR" sz="1400" kern="1200" dirty="0"/>
+            <a:t>Project starts (21/06)</a:t>
+          </a:r>
+        </a:p>
+      </dsp:txBody>
+      <dsp:txXfrm>
+        <a:off x="28150" y="709663"/>
+        <a:ext cx="1057660" cy="904817"/>
+      </dsp:txXfrm>
+    </dsp:sp>
+    <dsp:sp modelId="{49066F6F-FA4B-4BF7-897D-345533B058C8}">
+      <dsp:nvSpPr>
+        <dsp:cNvPr id="0" name=""/>
+        <dsp:cNvSpPr/>
+      </dsp:nvSpPr>
+      <dsp:spPr>
+        <a:xfrm>
+          <a:off x="1207771" y="1023940"/>
+          <a:ext cx="198879" cy="276262"/>
+        </a:xfrm>
+        <a:prstGeom prst="rightArrow">
+          <a:avLst>
+            <a:gd name="adj1" fmla="val 60000"/>
+            <a:gd name="adj2" fmla="val 50000"/>
+          </a:avLst>
+        </a:prstGeom>
+        <a:solidFill>
+          <a:schemeClr val="accent2">
+            <a:hueOff val="0"/>
+            <a:satOff val="0"/>
+            <a:lumOff val="0"/>
+            <a:alphaOff val="0"/>
+          </a:schemeClr>
+        </a:solidFill>
+        <a:ln>
+          <a:noFill/>
+        </a:ln>
+        <a:effectLst/>
+      </dsp:spPr>
+      <dsp:style>
+        <a:lnRef idx="0">
+          <a:scrgbClr r="0" g="0" b="0"/>
+        </a:lnRef>
+        <a:fillRef idx="1">
+          <a:scrgbClr r="0" g="0" b="0"/>
+        </a:fillRef>
+        <a:effectRef idx="0">
+          <a:scrgbClr r="0" g="0" b="0"/>
+        </a:effectRef>
+        <a:fontRef idx="minor">
+          <a:schemeClr val="lt1"/>
+        </a:fontRef>
+      </dsp:style>
+      <dsp:txBody>
+        <a:bodyPr spcFirstLastPara="0" vert="horz" wrap="square" lIns="0" tIns="0" rIns="0" bIns="0" numCol="1" spcCol="1270" anchor="ctr" anchorCtr="0">
+          <a:noAutofit/>
+        </a:bodyPr>
+        <a:lstStyle/>
+        <a:p>
+          <a:pPr marL="0" lvl="0" indent="0" algn="ctr" defTabSz="488950">
+            <a:lnSpc>
+              <a:spcPct val="90000"/>
+            </a:lnSpc>
+            <a:spcBef>
+              <a:spcPct val="0"/>
+            </a:spcBef>
+            <a:spcAft>
+              <a:spcPct val="35000"/>
+            </a:spcAft>
+            <a:buNone/>
+          </a:pPr>
+          <a:endParaRPr lang="fr-FR" sz="1100" kern="1200"/>
+        </a:p>
+      </dsp:txBody>
+      <dsp:txXfrm>
+        <a:off x="1207771" y="1079192"/>
+        <a:ext cx="139215" cy="165758"/>
+      </dsp:txXfrm>
+    </dsp:sp>
+    <dsp:sp modelId="{8E1ADDE0-A8DE-4937-BE61-5ED961D75253}">
+      <dsp:nvSpPr>
+        <dsp:cNvPr id="0" name=""/>
+        <dsp:cNvSpPr/>
+      </dsp:nvSpPr>
+      <dsp:spPr>
+        <a:xfrm>
+          <a:off x="1489205" y="681513"/>
+          <a:ext cx="1113960" cy="961117"/>
+        </a:xfrm>
+        <a:prstGeom prst="roundRect">
+          <a:avLst>
+            <a:gd name="adj" fmla="val 10000"/>
+          </a:avLst>
+        </a:prstGeom>
+        <a:solidFill>
+          <a:schemeClr val="accent2">
+            <a:hueOff val="-286716"/>
+            <a:satOff val="-6909"/>
+            <a:lumOff val="-4157"/>
+            <a:alphaOff val="0"/>
+          </a:schemeClr>
+        </a:solidFill>
+        <a:ln w="15875" cap="rnd" cmpd="sng" algn="ctr">
+          <a:solidFill>
+            <a:schemeClr val="lt1">
+              <a:hueOff val="0"/>
+              <a:satOff val="0"/>
+              <a:lumOff val="0"/>
+              <a:alphaOff val="0"/>
+            </a:schemeClr>
+          </a:solidFill>
+          <a:prstDash val="solid"/>
+        </a:ln>
+        <a:effectLst/>
+      </dsp:spPr>
+      <dsp:style>
+        <a:lnRef idx="2">
+          <a:scrgbClr r="0" g="0" b="0"/>
+        </a:lnRef>
+        <a:fillRef idx="1">
+          <a:scrgbClr r="0" g="0" b="0"/>
+        </a:fillRef>
+        <a:effectRef idx="0">
+          <a:scrgbClr r="0" g="0" b="0"/>
+        </a:effectRef>
+        <a:fontRef idx="minor">
+          <a:schemeClr val="lt1"/>
+        </a:fontRef>
+      </dsp:style>
+      <dsp:txBody>
+        <a:bodyPr spcFirstLastPara="0" vert="horz" wrap="square" lIns="53340" tIns="53340" rIns="53340" bIns="53340" numCol="1" spcCol="1270" anchor="ctr" anchorCtr="0">
+          <a:noAutofit/>
+        </a:bodyPr>
+        <a:lstStyle/>
+        <a:p>
+          <a:pPr marL="0" lvl="0" indent="0" algn="ctr" defTabSz="622300">
+            <a:lnSpc>
+              <a:spcPct val="90000"/>
+            </a:lnSpc>
+            <a:spcBef>
+              <a:spcPct val="0"/>
+            </a:spcBef>
+            <a:spcAft>
+              <a:spcPct val="35000"/>
+            </a:spcAft>
+            <a:buNone/>
+          </a:pPr>
+          <a:r>
+            <a:rPr lang="fr-FR" sz="1400" kern="1200" dirty="0" err="1"/>
+            <a:t>Launching</a:t>
+          </a:r>
+          <a:r>
+            <a:rPr lang="fr-FR" sz="1400" kern="1200" dirty="0"/>
+            <a:t> phase (21/06 =&gt; 24/06)</a:t>
+          </a:r>
+        </a:p>
+      </dsp:txBody>
+      <dsp:txXfrm>
+        <a:off x="1517355" y="709663"/>
+        <a:ext cx="1057660" cy="904817"/>
+      </dsp:txXfrm>
+    </dsp:sp>
+    <dsp:sp modelId="{816F016C-B8E3-45C0-85AB-BD28DA417CB8}">
+      <dsp:nvSpPr>
+        <dsp:cNvPr id="0" name=""/>
+        <dsp:cNvSpPr/>
+      </dsp:nvSpPr>
+      <dsp:spPr>
+        <a:xfrm>
+          <a:off x="2706318" y="1023940"/>
+          <a:ext cx="218683" cy="276262"/>
+        </a:xfrm>
+        <a:prstGeom prst="rightArrow">
+          <a:avLst>
+            <a:gd name="adj1" fmla="val 60000"/>
+            <a:gd name="adj2" fmla="val 50000"/>
+          </a:avLst>
+        </a:prstGeom>
+        <a:solidFill>
+          <a:schemeClr val="accent2">
+            <a:hueOff val="-358396"/>
+            <a:satOff val="-8636"/>
+            <a:lumOff val="-5196"/>
+            <a:alphaOff val="0"/>
+          </a:schemeClr>
+        </a:solidFill>
+        <a:ln>
+          <a:noFill/>
+        </a:ln>
+        <a:effectLst/>
+      </dsp:spPr>
+      <dsp:style>
+        <a:lnRef idx="0">
+          <a:scrgbClr r="0" g="0" b="0"/>
+        </a:lnRef>
+        <a:fillRef idx="1">
+          <a:scrgbClr r="0" g="0" b="0"/>
+        </a:fillRef>
+        <a:effectRef idx="0">
+          <a:scrgbClr r="0" g="0" b="0"/>
+        </a:effectRef>
+        <a:fontRef idx="minor">
+          <a:schemeClr val="lt1"/>
+        </a:fontRef>
+      </dsp:style>
+      <dsp:txBody>
+        <a:bodyPr spcFirstLastPara="0" vert="horz" wrap="square" lIns="0" tIns="0" rIns="0" bIns="0" numCol="1" spcCol="1270" anchor="ctr" anchorCtr="0">
+          <a:noAutofit/>
+        </a:bodyPr>
+        <a:lstStyle/>
+        <a:p>
+          <a:pPr marL="0" lvl="0" indent="0" algn="ctr" defTabSz="488950">
+            <a:lnSpc>
+              <a:spcPct val="90000"/>
+            </a:lnSpc>
+            <a:spcBef>
+              <a:spcPct val="0"/>
+            </a:spcBef>
+            <a:spcAft>
+              <a:spcPct val="35000"/>
+            </a:spcAft>
+            <a:buNone/>
+          </a:pPr>
+          <a:endParaRPr lang="fr-FR" sz="1100" kern="1200"/>
+        </a:p>
+      </dsp:txBody>
+      <dsp:txXfrm>
+        <a:off x="2706318" y="1079192"/>
+        <a:ext cx="153078" cy="165758"/>
+      </dsp:txXfrm>
+    </dsp:sp>
+    <dsp:sp modelId="{6CCD6467-A809-49A3-B997-47033E48F31B}">
+      <dsp:nvSpPr>
+        <dsp:cNvPr id="0" name=""/>
+        <dsp:cNvSpPr/>
+      </dsp:nvSpPr>
+      <dsp:spPr>
+        <a:xfrm>
+          <a:off x="3015777" y="681513"/>
+          <a:ext cx="1113960" cy="961117"/>
+        </a:xfrm>
+        <a:prstGeom prst="roundRect">
+          <a:avLst>
+            <a:gd name="adj" fmla="val 10000"/>
+          </a:avLst>
+        </a:prstGeom>
+        <a:solidFill>
+          <a:schemeClr val="accent2">
+            <a:hueOff val="-573433"/>
+            <a:satOff val="-13818"/>
+            <a:lumOff val="-8314"/>
+            <a:alphaOff val="0"/>
+          </a:schemeClr>
+        </a:solidFill>
+        <a:ln w="15875" cap="rnd" cmpd="sng" algn="ctr">
+          <a:solidFill>
+            <a:schemeClr val="lt1">
+              <a:hueOff val="0"/>
+              <a:satOff val="0"/>
+              <a:lumOff val="0"/>
+              <a:alphaOff val="0"/>
+            </a:schemeClr>
+          </a:solidFill>
+          <a:prstDash val="solid"/>
+        </a:ln>
+        <a:effectLst/>
+      </dsp:spPr>
+      <dsp:style>
+        <a:lnRef idx="2">
+          <a:scrgbClr r="0" g="0" b="0"/>
+        </a:lnRef>
+        <a:fillRef idx="1">
+          <a:scrgbClr r="0" g="0" b="0"/>
+        </a:fillRef>
+        <a:effectRef idx="0">
+          <a:scrgbClr r="0" g="0" b="0"/>
+        </a:effectRef>
+        <a:fontRef idx="minor">
+          <a:schemeClr val="lt1"/>
+        </a:fontRef>
+      </dsp:style>
+      <dsp:txBody>
+        <a:bodyPr spcFirstLastPara="0" vert="horz" wrap="square" lIns="53340" tIns="53340" rIns="53340" bIns="53340" numCol="1" spcCol="1270" anchor="ctr" anchorCtr="0">
+          <a:noAutofit/>
+        </a:bodyPr>
+        <a:lstStyle/>
+        <a:p>
+          <a:pPr marL="0" lvl="0" indent="0" algn="ctr" defTabSz="622300">
+            <a:lnSpc>
+              <a:spcPct val="90000"/>
+            </a:lnSpc>
+            <a:spcBef>
+              <a:spcPct val="0"/>
+            </a:spcBef>
+            <a:spcAft>
+              <a:spcPct val="35000"/>
+            </a:spcAft>
+            <a:buNone/>
+          </a:pPr>
+          <a:r>
+            <a:rPr lang="fr-FR" sz="1400" kern="1200" dirty="0"/>
+            <a:t>Sprint 1 (25/06 =&gt; 27/06)</a:t>
+          </a:r>
+        </a:p>
+      </dsp:txBody>
+      <dsp:txXfrm>
+        <a:off x="3043927" y="709663"/>
+        <a:ext cx="1057660" cy="904817"/>
+      </dsp:txXfrm>
+    </dsp:sp>
+    <dsp:sp modelId="{046498CA-D2B5-4C16-A2CC-24120C54E4A7}">
+      <dsp:nvSpPr>
+        <dsp:cNvPr id="0" name=""/>
+        <dsp:cNvSpPr/>
+      </dsp:nvSpPr>
+      <dsp:spPr>
+        <a:xfrm rot="21574527">
+          <a:off x="4266958" y="1017719"/>
+          <a:ext cx="290923" cy="276262"/>
+        </a:xfrm>
+        <a:prstGeom prst="rightArrow">
+          <a:avLst>
+            <a:gd name="adj1" fmla="val 60000"/>
+            <a:gd name="adj2" fmla="val 50000"/>
+          </a:avLst>
+        </a:prstGeom>
+        <a:solidFill>
+          <a:schemeClr val="accent2">
+            <a:hueOff val="-716791"/>
+            <a:satOff val="-17272"/>
+            <a:lumOff val="-10393"/>
+            <a:alphaOff val="0"/>
+          </a:schemeClr>
+        </a:solidFill>
+        <a:ln>
+          <a:noFill/>
+        </a:ln>
+        <a:effectLst/>
+      </dsp:spPr>
+      <dsp:style>
+        <a:lnRef idx="0">
+          <a:scrgbClr r="0" g="0" b="0"/>
+        </a:lnRef>
+        <a:fillRef idx="1">
+          <a:scrgbClr r="0" g="0" b="0"/>
+        </a:fillRef>
+        <a:effectRef idx="0">
+          <a:scrgbClr r="0" g="0" b="0"/>
+        </a:effectRef>
+        <a:fontRef idx="minor">
+          <a:schemeClr val="lt1"/>
+        </a:fontRef>
+      </dsp:style>
+      <dsp:txBody>
+        <a:bodyPr spcFirstLastPara="0" vert="horz" wrap="square" lIns="0" tIns="0" rIns="0" bIns="0" numCol="1" spcCol="1270" anchor="ctr" anchorCtr="0">
+          <a:noAutofit/>
+        </a:bodyPr>
+        <a:lstStyle/>
+        <a:p>
+          <a:pPr marL="0" lvl="0" indent="0" algn="ctr" defTabSz="488950">
+            <a:lnSpc>
+              <a:spcPct val="90000"/>
+            </a:lnSpc>
+            <a:spcBef>
+              <a:spcPct val="0"/>
+            </a:spcBef>
+            <a:spcAft>
+              <a:spcPct val="35000"/>
+            </a:spcAft>
+            <a:buNone/>
+          </a:pPr>
+          <a:endParaRPr lang="fr-FR" sz="1100" kern="1200"/>
+        </a:p>
+      </dsp:txBody>
+      <dsp:txXfrm>
+        <a:off x="4266959" y="1073278"/>
+        <a:ext cx="208044" cy="165758"/>
+      </dsp:txXfrm>
+    </dsp:sp>
+    <dsp:sp modelId="{81E5D88F-9B05-4350-9BC2-2CB20C56D0D3}">
+      <dsp:nvSpPr>
+        <dsp:cNvPr id="0" name=""/>
+        <dsp:cNvSpPr/>
+      </dsp:nvSpPr>
+      <dsp:spPr>
+        <a:xfrm>
+          <a:off x="4678635" y="669191"/>
+          <a:ext cx="1113960" cy="961117"/>
+        </a:xfrm>
+        <a:prstGeom prst="roundRect">
+          <a:avLst>
+            <a:gd name="adj" fmla="val 10000"/>
+          </a:avLst>
+        </a:prstGeom>
+        <a:solidFill>
+          <a:schemeClr val="accent2">
+            <a:hueOff val="-860149"/>
+            <a:satOff val="-20726"/>
+            <a:lumOff val="-12471"/>
+            <a:alphaOff val="0"/>
+          </a:schemeClr>
+        </a:solidFill>
+        <a:ln w="15875" cap="rnd" cmpd="sng" algn="ctr">
+          <a:solidFill>
+            <a:schemeClr val="lt1">
+              <a:hueOff val="0"/>
+              <a:satOff val="0"/>
+              <a:lumOff val="0"/>
+              <a:alphaOff val="0"/>
+            </a:schemeClr>
+          </a:solidFill>
+          <a:prstDash val="solid"/>
+        </a:ln>
+        <a:effectLst/>
+      </dsp:spPr>
+      <dsp:style>
+        <a:lnRef idx="2">
+          <a:scrgbClr r="0" g="0" b="0"/>
+        </a:lnRef>
+        <a:fillRef idx="1">
+          <a:scrgbClr r="0" g="0" b="0"/>
+        </a:fillRef>
+        <a:effectRef idx="0">
+          <a:scrgbClr r="0" g="0" b="0"/>
+        </a:effectRef>
+        <a:fontRef idx="minor">
+          <a:schemeClr val="lt1"/>
+        </a:fontRef>
+      </dsp:style>
+      <dsp:txBody>
+        <a:bodyPr spcFirstLastPara="0" vert="horz" wrap="square" lIns="53340" tIns="53340" rIns="53340" bIns="53340" numCol="1" spcCol="1270" anchor="ctr" anchorCtr="0">
+          <a:noAutofit/>
+        </a:bodyPr>
+        <a:lstStyle/>
+        <a:p>
+          <a:pPr marL="0" lvl="0" indent="0" algn="ctr" defTabSz="622300">
+            <a:lnSpc>
+              <a:spcPct val="90000"/>
+            </a:lnSpc>
+            <a:spcBef>
+              <a:spcPct val="0"/>
+            </a:spcBef>
+            <a:spcAft>
+              <a:spcPct val="35000"/>
+            </a:spcAft>
+            <a:buNone/>
+          </a:pPr>
+          <a:r>
+            <a:rPr lang="fr-FR" sz="1400" kern="1200" dirty="0"/>
+            <a:t>Sprint 2 (27/06 =&gt; 29/06)</a:t>
+          </a:r>
+        </a:p>
+      </dsp:txBody>
+      <dsp:txXfrm>
+        <a:off x="4706785" y="697341"/>
+        <a:ext cx="1057660" cy="904817"/>
+      </dsp:txXfrm>
+    </dsp:sp>
+    <dsp:sp modelId="{EB8E9198-3B40-447F-98AE-668712DB13E4}">
+      <dsp:nvSpPr>
+        <dsp:cNvPr id="0" name=""/>
+        <dsp:cNvSpPr/>
+      </dsp:nvSpPr>
+      <dsp:spPr>
+        <a:xfrm>
+          <a:off x="5903992" y="1011619"/>
+          <a:ext cx="236159" cy="276262"/>
+        </a:xfrm>
+        <a:prstGeom prst="rightArrow">
+          <a:avLst>
+            <a:gd name="adj1" fmla="val 60000"/>
+            <a:gd name="adj2" fmla="val 50000"/>
+          </a:avLst>
+        </a:prstGeom>
+        <a:solidFill>
+          <a:schemeClr val="accent2">
+            <a:hueOff val="-1075187"/>
+            <a:satOff val="-25908"/>
+            <a:lumOff val="-15589"/>
+            <a:alphaOff val="0"/>
+          </a:schemeClr>
+        </a:solidFill>
+        <a:ln>
+          <a:noFill/>
+        </a:ln>
+        <a:effectLst/>
+      </dsp:spPr>
+      <dsp:style>
+        <a:lnRef idx="0">
+          <a:scrgbClr r="0" g="0" b="0"/>
+        </a:lnRef>
+        <a:fillRef idx="1">
+          <a:scrgbClr r="0" g="0" b="0"/>
+        </a:fillRef>
+        <a:effectRef idx="0">
+          <a:scrgbClr r="0" g="0" b="0"/>
+        </a:effectRef>
+        <a:fontRef idx="minor">
+          <a:schemeClr val="lt1"/>
+        </a:fontRef>
+      </dsp:style>
+      <dsp:txBody>
+        <a:bodyPr spcFirstLastPara="0" vert="horz" wrap="square" lIns="0" tIns="0" rIns="0" bIns="0" numCol="1" spcCol="1270" anchor="ctr" anchorCtr="0">
+          <a:noAutofit/>
+        </a:bodyPr>
+        <a:lstStyle/>
+        <a:p>
+          <a:pPr marL="0" lvl="0" indent="0" algn="ctr" defTabSz="488950">
+            <a:lnSpc>
+              <a:spcPct val="90000"/>
+            </a:lnSpc>
+            <a:spcBef>
+              <a:spcPct val="0"/>
+            </a:spcBef>
+            <a:spcAft>
+              <a:spcPct val="35000"/>
+            </a:spcAft>
+            <a:buNone/>
+          </a:pPr>
+          <a:endParaRPr lang="fr-FR" sz="1100" kern="1200"/>
+        </a:p>
+      </dsp:txBody>
+      <dsp:txXfrm>
+        <a:off x="5903992" y="1066871"/>
+        <a:ext cx="165311" cy="165758"/>
+      </dsp:txXfrm>
+    </dsp:sp>
+    <dsp:sp modelId="{FDC3F1E7-855B-4AFF-B047-E30DA3D20DAE}">
+      <dsp:nvSpPr>
+        <dsp:cNvPr id="0" name=""/>
+        <dsp:cNvSpPr/>
+      </dsp:nvSpPr>
+      <dsp:spPr>
+        <a:xfrm>
+          <a:off x="6238180" y="669191"/>
+          <a:ext cx="1113960" cy="961117"/>
+        </a:xfrm>
+        <a:prstGeom prst="roundRect">
+          <a:avLst>
+            <a:gd name="adj" fmla="val 10000"/>
+          </a:avLst>
+        </a:prstGeom>
+        <a:solidFill>
+          <a:schemeClr val="accent2">
+            <a:hueOff val="-1146866"/>
+            <a:satOff val="-27635"/>
+            <a:lumOff val="-16628"/>
+            <a:alphaOff val="0"/>
+          </a:schemeClr>
+        </a:solidFill>
+        <a:ln w="15875" cap="rnd" cmpd="sng" algn="ctr">
+          <a:solidFill>
+            <a:schemeClr val="lt1">
+              <a:hueOff val="0"/>
+              <a:satOff val="0"/>
+              <a:lumOff val="0"/>
+              <a:alphaOff val="0"/>
+            </a:schemeClr>
+          </a:solidFill>
+          <a:prstDash val="solid"/>
+        </a:ln>
+        <a:effectLst/>
+      </dsp:spPr>
+      <dsp:style>
+        <a:lnRef idx="2">
+          <a:scrgbClr r="0" g="0" b="0"/>
+        </a:lnRef>
+        <a:fillRef idx="1">
+          <a:scrgbClr r="0" g="0" b="0"/>
+        </a:fillRef>
+        <a:effectRef idx="0">
+          <a:scrgbClr r="0" g="0" b="0"/>
+        </a:effectRef>
+        <a:fontRef idx="minor">
+          <a:schemeClr val="lt1"/>
+        </a:fontRef>
+      </dsp:style>
+      <dsp:txBody>
+        <a:bodyPr spcFirstLastPara="0" vert="horz" wrap="square" lIns="53340" tIns="53340" rIns="53340" bIns="53340" numCol="1" spcCol="1270" anchor="ctr" anchorCtr="0">
+          <a:noAutofit/>
+        </a:bodyPr>
+        <a:lstStyle/>
+        <a:p>
+          <a:pPr marL="0" lvl="0" indent="0" algn="ctr" defTabSz="622300">
+            <a:lnSpc>
+              <a:spcPct val="90000"/>
+            </a:lnSpc>
+            <a:spcBef>
+              <a:spcPct val="0"/>
+            </a:spcBef>
+            <a:spcAft>
+              <a:spcPct val="35000"/>
+            </a:spcAft>
+            <a:buNone/>
+          </a:pPr>
+          <a:r>
+            <a:rPr lang="fr-FR" sz="1400" kern="1200" dirty="0"/>
+            <a:t>Sprint 3 (02/07 =&gt; 03/07)</a:t>
+          </a:r>
+        </a:p>
+      </dsp:txBody>
+      <dsp:txXfrm>
+        <a:off x="6266330" y="697341"/>
+        <a:ext cx="1057660" cy="904817"/>
+      </dsp:txXfrm>
+    </dsp:sp>
+    <dsp:sp modelId="{D0FCF798-A1B3-46A7-B2C5-D4BC87C2769D}">
+      <dsp:nvSpPr>
+        <dsp:cNvPr id="0" name=""/>
+        <dsp:cNvSpPr/>
+      </dsp:nvSpPr>
+      <dsp:spPr>
+        <a:xfrm>
+          <a:off x="7463537" y="1011619"/>
+          <a:ext cx="236159" cy="276262"/>
+        </a:xfrm>
+        <a:prstGeom prst="rightArrow">
+          <a:avLst>
+            <a:gd name="adj1" fmla="val 60000"/>
+            <a:gd name="adj2" fmla="val 50000"/>
+          </a:avLst>
+        </a:prstGeom>
+        <a:solidFill>
+          <a:schemeClr val="accent2">
+            <a:hueOff val="-1433582"/>
+            <a:satOff val="-34544"/>
+            <a:lumOff val="-20785"/>
+            <a:alphaOff val="0"/>
+          </a:schemeClr>
+        </a:solidFill>
+        <a:ln>
+          <a:noFill/>
+        </a:ln>
+        <a:effectLst/>
+      </dsp:spPr>
+      <dsp:style>
+        <a:lnRef idx="0">
+          <a:scrgbClr r="0" g="0" b="0"/>
+        </a:lnRef>
+        <a:fillRef idx="1">
+          <a:scrgbClr r="0" g="0" b="0"/>
+        </a:fillRef>
+        <a:effectRef idx="0">
+          <a:scrgbClr r="0" g="0" b="0"/>
+        </a:effectRef>
+        <a:fontRef idx="minor">
+          <a:schemeClr val="lt1"/>
+        </a:fontRef>
+      </dsp:style>
+      <dsp:txBody>
+        <a:bodyPr spcFirstLastPara="0" vert="horz" wrap="square" lIns="0" tIns="0" rIns="0" bIns="0" numCol="1" spcCol="1270" anchor="ctr" anchorCtr="0">
+          <a:noAutofit/>
+        </a:bodyPr>
+        <a:lstStyle/>
+        <a:p>
+          <a:pPr marL="0" lvl="0" indent="0" algn="ctr" defTabSz="488950">
+            <a:lnSpc>
+              <a:spcPct val="90000"/>
+            </a:lnSpc>
+            <a:spcBef>
+              <a:spcPct val="0"/>
+            </a:spcBef>
+            <a:spcAft>
+              <a:spcPct val="35000"/>
+            </a:spcAft>
+            <a:buNone/>
+          </a:pPr>
+          <a:endParaRPr lang="fr-FR" sz="1100" kern="1200"/>
+        </a:p>
+      </dsp:txBody>
+      <dsp:txXfrm>
+        <a:off x="7463537" y="1066871"/>
+        <a:ext cx="165311" cy="165758"/>
+      </dsp:txXfrm>
+    </dsp:sp>
+    <dsp:sp modelId="{C98C33A7-1577-4D92-8F66-E54E19109E4B}">
+      <dsp:nvSpPr>
+        <dsp:cNvPr id="0" name=""/>
+        <dsp:cNvSpPr/>
+      </dsp:nvSpPr>
+      <dsp:spPr>
+        <a:xfrm>
+          <a:off x="7797726" y="669191"/>
+          <a:ext cx="1113960" cy="961117"/>
+        </a:xfrm>
+        <a:prstGeom prst="roundRect">
+          <a:avLst>
+            <a:gd name="adj" fmla="val 10000"/>
+          </a:avLst>
+        </a:prstGeom>
+        <a:solidFill>
+          <a:schemeClr val="accent2">
+            <a:hueOff val="-1433582"/>
+            <a:satOff val="-34544"/>
+            <a:lumOff val="-20785"/>
+            <a:alphaOff val="0"/>
+          </a:schemeClr>
+        </a:solidFill>
+        <a:ln w="15875" cap="rnd" cmpd="sng" algn="ctr">
+          <a:solidFill>
+            <a:schemeClr val="lt1">
+              <a:hueOff val="0"/>
+              <a:satOff val="0"/>
+              <a:lumOff val="0"/>
+              <a:alphaOff val="0"/>
+            </a:schemeClr>
+          </a:solidFill>
+          <a:prstDash val="solid"/>
+        </a:ln>
+        <a:effectLst/>
+      </dsp:spPr>
+      <dsp:style>
+        <a:lnRef idx="2">
+          <a:scrgbClr r="0" g="0" b="0"/>
+        </a:lnRef>
+        <a:fillRef idx="1">
+          <a:scrgbClr r="0" g="0" b="0"/>
+        </a:fillRef>
+        <a:effectRef idx="0">
+          <a:scrgbClr r="0" g="0" b="0"/>
+        </a:effectRef>
+        <a:fontRef idx="minor">
+          <a:schemeClr val="lt1"/>
+        </a:fontRef>
+      </dsp:style>
+      <dsp:txBody>
+        <a:bodyPr spcFirstLastPara="0" vert="horz" wrap="square" lIns="53340" tIns="53340" rIns="53340" bIns="53340" numCol="1" spcCol="1270" anchor="ctr" anchorCtr="0">
+          <a:noAutofit/>
+        </a:bodyPr>
+        <a:lstStyle/>
+        <a:p>
+          <a:pPr marL="0" lvl="0" indent="0" algn="ctr" defTabSz="622300">
+            <a:lnSpc>
+              <a:spcPct val="90000"/>
+            </a:lnSpc>
+            <a:spcBef>
+              <a:spcPct val="0"/>
+            </a:spcBef>
+            <a:spcAft>
+              <a:spcPct val="35000"/>
+            </a:spcAft>
+            <a:buNone/>
+          </a:pPr>
+          <a:r>
+            <a:rPr lang="fr-FR" sz="1400" kern="1200" dirty="0"/>
+            <a:t>Project ends (03/07)</a:t>
+          </a:r>
+        </a:p>
+      </dsp:txBody>
+      <dsp:txXfrm>
+        <a:off x="7825876" y="697341"/>
+        <a:ext cx="1057660" cy="904817"/>
+      </dsp:txXfrm>
+    </dsp:sp>
+  </dsp:spTree>
+</dsp:drawing>
+</file>
+
+<file path=ppt/diagrams/drawing2.xml><?xml version="1.0" encoding="utf-8"?>
 <dsp:drawing xmlns:dgm="http://schemas.openxmlformats.org/drawingml/2006/diagram" xmlns:dsp="http://schemas.microsoft.com/office/drawing/2008/diagram" xmlns:a="http://schemas.openxmlformats.org/drawingml/2006/main">
   <dsp:spTree>
     <dsp:nvGrpSpPr>
@@ -1838,6 +3832,152 @@
 </file>
 
 <file path=ppt/diagrams/layout1.xml><?xml version="1.0" encoding="utf-8"?>
+<dgm:layoutDef xmlns:dgm="http://schemas.openxmlformats.org/drawingml/2006/diagram" xmlns:a="http://schemas.openxmlformats.org/drawingml/2006/main" uniqueId="urn:microsoft.com/office/officeart/2005/8/layout/process1">
+  <dgm:title val=""/>
+  <dgm:desc val=""/>
+  <dgm:catLst>
+    <dgm:cat type="process" pri="1000"/>
+    <dgm:cat type="convert" pri="15000"/>
+  </dgm:catLst>
+  <dgm:sampData useDef="1">
+    <dgm:dataModel>
+      <dgm:ptLst/>
+      <dgm:bg/>
+      <dgm:whole/>
+    </dgm:dataModel>
+  </dgm:sampData>
+  <dgm:styleData>
+    <dgm:dataModel>
+      <dgm:ptLst>
+        <dgm:pt modelId="0" type="doc"/>
+        <dgm:pt modelId="1"/>
+        <dgm:pt modelId="2"/>
+      </dgm:ptLst>
+      <dgm:cxnLst>
+        <dgm:cxn modelId="3" srcId="0" destId="1" srcOrd="0" destOrd="0"/>
+        <dgm:cxn modelId="4" srcId="0" destId="2" srcOrd="1" destOrd="0"/>
+      </dgm:cxnLst>
+      <dgm:bg/>
+      <dgm:whole/>
+    </dgm:dataModel>
+  </dgm:styleData>
+  <dgm:clrData>
+    <dgm:dataModel>
+      <dgm:ptLst>
+        <dgm:pt modelId="0" type="doc"/>
+        <dgm:pt modelId="1"/>
+        <dgm:pt modelId="2"/>
+        <dgm:pt modelId="3"/>
+        <dgm:pt modelId="4"/>
+      </dgm:ptLst>
+      <dgm:cxnLst>
+        <dgm:cxn modelId="5" srcId="0" destId="1" srcOrd="0" destOrd="0"/>
+        <dgm:cxn modelId="6" srcId="0" destId="2" srcOrd="1" destOrd="0"/>
+        <dgm:cxn modelId="7" srcId="0" destId="3" srcOrd="2" destOrd="0"/>
+        <dgm:cxn modelId="8" srcId="0" destId="4" srcOrd="3" destOrd="0"/>
+      </dgm:cxnLst>
+      <dgm:bg/>
+      <dgm:whole/>
+    </dgm:dataModel>
+  </dgm:clrData>
+  <dgm:layoutNode name="Name0">
+    <dgm:varLst>
+      <dgm:dir/>
+      <dgm:resizeHandles val="exact"/>
+    </dgm:varLst>
+    <dgm:choose name="Name1">
+      <dgm:if name="Name2" func="var" arg="dir" op="equ" val="norm">
+        <dgm:alg type="lin"/>
+      </dgm:if>
+      <dgm:else name="Name3">
+        <dgm:alg type="lin">
+          <dgm:param type="linDir" val="fromR"/>
+        </dgm:alg>
+      </dgm:else>
+    </dgm:choose>
+    <dgm:shape xmlns:r="http://schemas.openxmlformats.org/officeDocument/2006/relationships" r:blip="">
+      <dgm:adjLst/>
+    </dgm:shape>
+    <dgm:presOf/>
+    <dgm:constrLst>
+      <dgm:constr type="w" for="ch" ptType="node" refType="w"/>
+      <dgm:constr type="h" for="ch" ptType="node" op="equ"/>
+      <dgm:constr type="primFontSz" for="ch" ptType="node" op="equ" val="65"/>
+      <dgm:constr type="w" for="ch" ptType="sibTrans" refType="w" refFor="ch" refPtType="node" op="equ" fact="0.4"/>
+      <dgm:constr type="h" for="ch" ptType="sibTrans" op="equ"/>
+      <dgm:constr type="primFontSz" for="des" forName="connectorText" op="equ" val="55"/>
+      <dgm:constr type="primFontSz" for="des" forName="connectorText" refType="primFontSz" refFor="ch" refPtType="node" op="lte" fact="0.8"/>
+    </dgm:constrLst>
+    <dgm:ruleLst/>
+    <dgm:forEach name="nodesForEach" axis="ch" ptType="node">
+      <dgm:layoutNode name="node">
+        <dgm:varLst>
+          <dgm:bulletEnabled val="1"/>
+        </dgm:varLst>
+        <dgm:alg type="tx"/>
+        <dgm:shape xmlns:r="http://schemas.openxmlformats.org/officeDocument/2006/relationships" type="roundRect" r:blip="">
+          <dgm:adjLst>
+            <dgm:adj idx="1" val="0.1"/>
+          </dgm:adjLst>
+        </dgm:shape>
+        <dgm:presOf axis="desOrSelf" ptType="node"/>
+        <dgm:constrLst>
+          <dgm:constr type="h" refType="w" fact="0.6"/>
+          <dgm:constr type="tMarg" refType="primFontSz" fact="0.3"/>
+          <dgm:constr type="bMarg" refType="primFontSz" fact="0.3"/>
+          <dgm:constr type="lMarg" refType="primFontSz" fact="0.3"/>
+          <dgm:constr type="rMarg" refType="primFontSz" fact="0.3"/>
+        </dgm:constrLst>
+        <dgm:ruleLst>
+          <dgm:rule type="primFontSz" val="18" fact="NaN" max="NaN"/>
+          <dgm:rule type="h" val="NaN" fact="1.5" max="NaN"/>
+          <dgm:rule type="primFontSz" val="5" fact="NaN" max="NaN"/>
+          <dgm:rule type="h" val="INF" fact="NaN" max="NaN"/>
+        </dgm:ruleLst>
+      </dgm:layoutNode>
+      <dgm:forEach name="sibTransForEach" axis="followSib" ptType="sibTrans" cnt="1">
+        <dgm:layoutNode name="sibTrans">
+          <dgm:alg type="conn">
+            <dgm:param type="begPts" val="auto"/>
+            <dgm:param type="endPts" val="auto"/>
+          </dgm:alg>
+          <dgm:shape xmlns:r="http://schemas.openxmlformats.org/officeDocument/2006/relationships" type="conn" r:blip="">
+            <dgm:adjLst/>
+          </dgm:shape>
+          <dgm:presOf axis="self"/>
+          <dgm:constrLst>
+            <dgm:constr type="h" refType="w" fact="0.62"/>
+            <dgm:constr type="connDist"/>
+            <dgm:constr type="begPad" refType="connDist" fact="0.25"/>
+            <dgm:constr type="endPad" refType="connDist" fact="0.22"/>
+          </dgm:constrLst>
+          <dgm:ruleLst/>
+          <dgm:layoutNode name="connectorText">
+            <dgm:alg type="tx">
+              <dgm:param type="autoTxRot" val="grav"/>
+            </dgm:alg>
+            <dgm:shape xmlns:r="http://schemas.openxmlformats.org/officeDocument/2006/relationships" type="conn" r:blip="" hideGeom="1">
+              <dgm:adjLst/>
+            </dgm:shape>
+            <dgm:presOf axis="self"/>
+            <dgm:constrLst>
+              <dgm:constr type="lMarg"/>
+              <dgm:constr type="rMarg"/>
+              <dgm:constr type="tMarg"/>
+              <dgm:constr type="bMarg"/>
+            </dgm:constrLst>
+            <dgm:ruleLst>
+              <dgm:rule type="primFontSz" val="5" fact="NaN" max="NaN"/>
+            </dgm:ruleLst>
+          </dgm:layoutNode>
+        </dgm:layoutNode>
+      </dgm:forEach>
+    </dgm:forEach>
+  </dgm:layoutNode>
+</dgm:layoutDef>
+</file>
+
+<file path=ppt/diagrams/layout2.xml><?xml version="1.0" encoding="utf-8"?>
 <dgm:layoutDef xmlns:dgm="http://schemas.openxmlformats.org/drawingml/2006/diagram" xmlns:a="http://schemas.openxmlformats.org/drawingml/2006/main" uniqueId="urn:microsoft.com/office/officeart/2008/layout/LinedList">
   <dgm:title val=""/>
   <dgm:desc val=""/>
@@ -2304,6 +4444,1040 @@
 </file>
 
 <file path=ppt/diagrams/quickStyle1.xml><?xml version="1.0" encoding="utf-8"?>
+<dgm:styleDef xmlns:dgm="http://schemas.openxmlformats.org/drawingml/2006/diagram" xmlns:a="http://schemas.openxmlformats.org/drawingml/2006/main" uniqueId="urn:microsoft.com/office/officeart/2005/8/quickstyle/simple1">
+  <dgm:title val=""/>
+  <dgm:desc val=""/>
+  <dgm:catLst>
+    <dgm:cat type="simple" pri="10100"/>
+  </dgm:catLst>
+  <dgm:scene3d>
+    <a:camera prst="orthographicFront"/>
+    <a:lightRig rig="threePt" dir="t"/>
+  </dgm:scene3d>
+  <dgm:styleLbl name="node0">
+    <dgm:scene3d>
+      <a:camera prst="orthographicFront"/>
+      <a:lightRig rig="threePt" dir="t"/>
+    </dgm:scene3d>
+    <dgm:sp3d/>
+    <dgm:txPr/>
+    <dgm:style>
+      <a:lnRef idx="2">
+        <a:scrgbClr r="0" g="0" b="0"/>
+      </a:lnRef>
+      <a:fillRef idx="1">
+        <a:scrgbClr r="0" g="0" b="0"/>
+      </a:fillRef>
+      <a:effectRef idx="0">
+        <a:scrgbClr r="0" g="0" b="0"/>
+      </a:effectRef>
+      <a:fontRef idx="minor">
+        <a:schemeClr val="lt1"/>
+      </a:fontRef>
+    </dgm:style>
+  </dgm:styleLbl>
+  <dgm:styleLbl name="lnNode1">
+    <dgm:scene3d>
+      <a:camera prst="orthographicFront"/>
+      <a:lightRig rig="threePt" dir="t"/>
+    </dgm:scene3d>
+    <dgm:sp3d/>
+    <dgm:txPr/>
+    <dgm:style>
+      <a:lnRef idx="2">
+        <a:scrgbClr r="0" g="0" b="0"/>
+      </a:lnRef>
+      <a:fillRef idx="1">
+        <a:scrgbClr r="0" g="0" b="0"/>
+      </a:fillRef>
+      <a:effectRef idx="0">
+        <a:scrgbClr r="0" g="0" b="0"/>
+      </a:effectRef>
+      <a:fontRef idx="minor">
+        <a:schemeClr val="lt1"/>
+      </a:fontRef>
+    </dgm:style>
+  </dgm:styleLbl>
+  <dgm:styleLbl name="vennNode1">
+    <dgm:scene3d>
+      <a:camera prst="orthographicFront"/>
+      <a:lightRig rig="threePt" dir="t"/>
+    </dgm:scene3d>
+    <dgm:sp3d/>
+    <dgm:txPr/>
+    <dgm:style>
+      <a:lnRef idx="2">
+        <a:scrgbClr r="0" g="0" b="0"/>
+      </a:lnRef>
+      <a:fillRef idx="1">
+        <a:scrgbClr r="0" g="0" b="0"/>
+      </a:fillRef>
+      <a:effectRef idx="0">
+        <a:scrgbClr r="0" g="0" b="0"/>
+      </a:effectRef>
+      <a:fontRef idx="minor">
+        <a:schemeClr val="tx1"/>
+      </a:fontRef>
+    </dgm:style>
+  </dgm:styleLbl>
+  <dgm:styleLbl name="alignNode1">
+    <dgm:scene3d>
+      <a:camera prst="orthographicFront"/>
+      <a:lightRig rig="threePt" dir="t"/>
+    </dgm:scene3d>
+    <dgm:sp3d/>
+    <dgm:txPr/>
+    <dgm:style>
+      <a:lnRef idx="2">
+        <a:scrgbClr r="0" g="0" b="0"/>
+      </a:lnRef>
+      <a:fillRef idx="1">
+        <a:scrgbClr r="0" g="0" b="0"/>
+      </a:fillRef>
+      <a:effectRef idx="0">
+        <a:scrgbClr r="0" g="0" b="0"/>
+      </a:effectRef>
+      <a:fontRef idx="minor">
+        <a:schemeClr val="lt1"/>
+      </a:fontRef>
+    </dgm:style>
+  </dgm:styleLbl>
+  <dgm:styleLbl name="node1">
+    <dgm:scene3d>
+      <a:camera prst="orthographicFront"/>
+      <a:lightRig rig="threePt" dir="t"/>
+    </dgm:scene3d>
+    <dgm:sp3d/>
+    <dgm:txPr/>
+    <dgm:style>
+      <a:lnRef idx="2">
+        <a:scrgbClr r="0" g="0" b="0"/>
+      </a:lnRef>
+      <a:fillRef idx="1">
+        <a:scrgbClr r="0" g="0" b="0"/>
+      </a:fillRef>
+      <a:effectRef idx="0">
+        <a:scrgbClr r="0" g="0" b="0"/>
+      </a:effectRef>
+      <a:fontRef idx="minor">
+        <a:schemeClr val="lt1"/>
+      </a:fontRef>
+    </dgm:style>
+  </dgm:styleLbl>
+  <dgm:styleLbl name="node2">
+    <dgm:scene3d>
+      <a:camera prst="orthographicFront"/>
+      <a:lightRig rig="threePt" dir="t"/>
+    </dgm:scene3d>
+    <dgm:sp3d/>
+    <dgm:txPr/>
+    <dgm:style>
+      <a:lnRef idx="2">
+        <a:scrgbClr r="0" g="0" b="0"/>
+      </a:lnRef>
+      <a:fillRef idx="1">
+        <a:scrgbClr r="0" g="0" b="0"/>
+      </a:fillRef>
+      <a:effectRef idx="0">
+        <a:scrgbClr r="0" g="0" b="0"/>
+      </a:effectRef>
+      <a:fontRef idx="minor">
+        <a:schemeClr val="lt1"/>
+      </a:fontRef>
+    </dgm:style>
+  </dgm:styleLbl>
+  <dgm:styleLbl name="node3">
+    <dgm:scene3d>
+      <a:camera prst="orthographicFront"/>
+      <a:lightRig rig="threePt" dir="t"/>
+    </dgm:scene3d>
+    <dgm:sp3d/>
+    <dgm:txPr/>
+    <dgm:style>
+      <a:lnRef idx="2">
+        <a:scrgbClr r="0" g="0" b="0"/>
+      </a:lnRef>
+      <a:fillRef idx="1">
+        <a:scrgbClr r="0" g="0" b="0"/>
+      </a:fillRef>
+      <a:effectRef idx="0">
+        <a:scrgbClr r="0" g="0" b="0"/>
+      </a:effectRef>
+      <a:fontRef idx="minor">
+        <a:schemeClr val="lt1"/>
+      </a:fontRef>
+    </dgm:style>
+  </dgm:styleLbl>
+  <dgm:styleLbl name="node4">
+    <dgm:scene3d>
+      <a:camera prst="orthographicFront"/>
+      <a:lightRig rig="threePt" dir="t"/>
+    </dgm:scene3d>
+    <dgm:sp3d/>
+    <dgm:txPr/>
+    <dgm:style>
+      <a:lnRef idx="2">
+        <a:scrgbClr r="0" g="0" b="0"/>
+      </a:lnRef>
+      <a:fillRef idx="1">
+        <a:scrgbClr r="0" g="0" b="0"/>
+      </a:fillRef>
+      <a:effectRef idx="0">
+        <a:scrgbClr r="0" g="0" b="0"/>
+      </a:effectRef>
+      <a:fontRef idx="minor">
+        <a:schemeClr val="lt1"/>
+      </a:fontRef>
+    </dgm:style>
+  </dgm:styleLbl>
+  <dgm:styleLbl name="fgImgPlace1">
+    <dgm:scene3d>
+      <a:camera prst="orthographicFront"/>
+      <a:lightRig rig="threePt" dir="t"/>
+    </dgm:scene3d>
+    <dgm:sp3d/>
+    <dgm:txPr/>
+    <dgm:style>
+      <a:lnRef idx="2">
+        <a:scrgbClr r="0" g="0" b="0"/>
+      </a:lnRef>
+      <a:fillRef idx="1">
+        <a:scrgbClr r="0" g="0" b="0"/>
+      </a:fillRef>
+      <a:effectRef idx="0">
+        <a:scrgbClr r="0" g="0" b="0"/>
+      </a:effectRef>
+      <a:fontRef idx="minor"/>
+    </dgm:style>
+  </dgm:styleLbl>
+  <dgm:styleLbl name="alignImgPlace1">
+    <dgm:scene3d>
+      <a:camera prst="orthographicFront"/>
+      <a:lightRig rig="threePt" dir="t"/>
+    </dgm:scene3d>
+    <dgm:sp3d/>
+    <dgm:txPr/>
+    <dgm:style>
+      <a:lnRef idx="2">
+        <a:scrgbClr r="0" g="0" b="0"/>
+      </a:lnRef>
+      <a:fillRef idx="1">
+        <a:scrgbClr r="0" g="0" b="0"/>
+      </a:fillRef>
+      <a:effectRef idx="0">
+        <a:scrgbClr r="0" g="0" b="0"/>
+      </a:effectRef>
+      <a:fontRef idx="minor"/>
+    </dgm:style>
+  </dgm:styleLbl>
+  <dgm:styleLbl name="bgImgPlace1">
+    <dgm:scene3d>
+      <a:camera prst="orthographicFront"/>
+      <a:lightRig rig="threePt" dir="t"/>
+    </dgm:scene3d>
+    <dgm:sp3d/>
+    <dgm:txPr/>
+    <dgm:style>
+      <a:lnRef idx="2">
+        <a:scrgbClr r="0" g="0" b="0"/>
+      </a:lnRef>
+      <a:fillRef idx="1">
+        <a:scrgbClr r="0" g="0" b="0"/>
+      </a:fillRef>
+      <a:effectRef idx="0">
+        <a:scrgbClr r="0" g="0" b="0"/>
+      </a:effectRef>
+      <a:fontRef idx="minor"/>
+    </dgm:style>
+  </dgm:styleLbl>
+  <dgm:styleLbl name="sibTrans2D1">
+    <dgm:scene3d>
+      <a:camera prst="orthographicFront"/>
+      <a:lightRig rig="threePt" dir="t"/>
+    </dgm:scene3d>
+    <dgm:sp3d/>
+    <dgm:txPr/>
+    <dgm:style>
+      <a:lnRef idx="0">
+        <a:scrgbClr r="0" g="0" b="0"/>
+      </a:lnRef>
+      <a:fillRef idx="1">
+        <a:scrgbClr r="0" g="0" b="0"/>
+      </a:fillRef>
+      <a:effectRef idx="0">
+        <a:scrgbClr r="0" g="0" b="0"/>
+      </a:effectRef>
+      <a:fontRef idx="minor">
+        <a:schemeClr val="lt1"/>
+      </a:fontRef>
+    </dgm:style>
+  </dgm:styleLbl>
+  <dgm:styleLbl name="fgSibTrans2D1">
+    <dgm:scene3d>
+      <a:camera prst="orthographicFront"/>
+      <a:lightRig rig="threePt" dir="t"/>
+    </dgm:scene3d>
+    <dgm:sp3d/>
+    <dgm:txPr/>
+    <dgm:style>
+      <a:lnRef idx="0">
+        <a:scrgbClr r="0" g="0" b="0"/>
+      </a:lnRef>
+      <a:fillRef idx="1">
+        <a:scrgbClr r="0" g="0" b="0"/>
+      </a:fillRef>
+      <a:effectRef idx="0">
+        <a:scrgbClr r="0" g="0" b="0"/>
+      </a:effectRef>
+      <a:fontRef idx="minor">
+        <a:schemeClr val="lt1"/>
+      </a:fontRef>
+    </dgm:style>
+  </dgm:styleLbl>
+  <dgm:styleLbl name="bgSibTrans2D1">
+    <dgm:scene3d>
+      <a:camera prst="orthographicFront"/>
+      <a:lightRig rig="threePt" dir="t"/>
+    </dgm:scene3d>
+    <dgm:sp3d/>
+    <dgm:txPr/>
+    <dgm:style>
+      <a:lnRef idx="0">
+        <a:scrgbClr r="0" g="0" b="0"/>
+      </a:lnRef>
+      <a:fillRef idx="1">
+        <a:scrgbClr r="0" g="0" b="0"/>
+      </a:fillRef>
+      <a:effectRef idx="0">
+        <a:scrgbClr r="0" g="0" b="0"/>
+      </a:effectRef>
+      <a:fontRef idx="minor">
+        <a:schemeClr val="lt1"/>
+      </a:fontRef>
+    </dgm:style>
+  </dgm:styleLbl>
+  <dgm:styleLbl name="sibTrans1D1">
+    <dgm:scene3d>
+      <a:camera prst="orthographicFront"/>
+      <a:lightRig rig="threePt" dir="t"/>
+    </dgm:scene3d>
+    <dgm:sp3d/>
+    <dgm:txPr/>
+    <dgm:style>
+      <a:lnRef idx="1">
+        <a:scrgbClr r="0" g="0" b="0"/>
+      </a:lnRef>
+      <a:fillRef idx="0">
+        <a:scrgbClr r="0" g="0" b="0"/>
+      </a:fillRef>
+      <a:effectRef idx="0">
+        <a:scrgbClr r="0" g="0" b="0"/>
+      </a:effectRef>
+      <a:fontRef idx="minor"/>
+    </dgm:style>
+  </dgm:styleLbl>
+  <dgm:styleLbl name="callout">
+    <dgm:scene3d>
+      <a:camera prst="orthographicFront"/>
+      <a:lightRig rig="threePt" dir="t"/>
+    </dgm:scene3d>
+    <dgm:sp3d/>
+    <dgm:txPr/>
+    <dgm:style>
+      <a:lnRef idx="2">
+        <a:scrgbClr r="0" g="0" b="0"/>
+      </a:lnRef>
+      <a:fillRef idx="1">
+        <a:scrgbClr r="0" g="0" b="0"/>
+      </a:fillRef>
+      <a:effectRef idx="0">
+        <a:scrgbClr r="0" g="0" b="0"/>
+      </a:effectRef>
+      <a:fontRef idx="minor"/>
+    </dgm:style>
+  </dgm:styleLbl>
+  <dgm:styleLbl name="asst0">
+    <dgm:scene3d>
+      <a:camera prst="orthographicFront"/>
+      <a:lightRig rig="threePt" dir="t"/>
+    </dgm:scene3d>
+    <dgm:sp3d/>
+    <dgm:txPr/>
+    <dgm:style>
+      <a:lnRef idx="2">
+        <a:scrgbClr r="0" g="0" b="0"/>
+      </a:lnRef>
+      <a:fillRef idx="1">
+        <a:scrgbClr r="0" g="0" b="0"/>
+      </a:fillRef>
+      <a:effectRef idx="0">
+        <a:scrgbClr r="0" g="0" b="0"/>
+      </a:effectRef>
+      <a:fontRef idx="minor">
+        <a:schemeClr val="lt1"/>
+      </a:fontRef>
+    </dgm:style>
+  </dgm:styleLbl>
+  <dgm:styleLbl name="asst1">
+    <dgm:scene3d>
+      <a:camera prst="orthographicFront"/>
+      <a:lightRig rig="threePt" dir="t"/>
+    </dgm:scene3d>
+    <dgm:sp3d/>
+    <dgm:txPr/>
+    <dgm:style>
+      <a:lnRef idx="2">
+        <a:scrgbClr r="0" g="0" b="0"/>
+      </a:lnRef>
+      <a:fillRef idx="1">
+        <a:scrgbClr r="0" g="0" b="0"/>
+      </a:fillRef>
+      <a:effectRef idx="0">
+        <a:scrgbClr r="0" g="0" b="0"/>
+      </a:effectRef>
+      <a:fontRef idx="minor">
+        <a:schemeClr val="lt1"/>
+      </a:fontRef>
+    </dgm:style>
+  </dgm:styleLbl>
+  <dgm:styleLbl name="asst2">
+    <dgm:scene3d>
+      <a:camera prst="orthographicFront"/>
+      <a:lightRig rig="threePt" dir="t"/>
+    </dgm:scene3d>
+    <dgm:sp3d/>
+    <dgm:txPr/>
+    <dgm:style>
+      <a:lnRef idx="2">
+        <a:scrgbClr r="0" g="0" b="0"/>
+      </a:lnRef>
+      <a:fillRef idx="1">
+        <a:scrgbClr r="0" g="0" b="0"/>
+      </a:fillRef>
+      <a:effectRef idx="0">
+        <a:scrgbClr r="0" g="0" b="0"/>
+      </a:effectRef>
+      <a:fontRef idx="minor">
+        <a:schemeClr val="lt1"/>
+      </a:fontRef>
+    </dgm:style>
+  </dgm:styleLbl>
+  <dgm:styleLbl name="asst3">
+    <dgm:scene3d>
+      <a:camera prst="orthographicFront"/>
+      <a:lightRig rig="threePt" dir="t"/>
+    </dgm:scene3d>
+    <dgm:sp3d/>
+    <dgm:txPr/>
+    <dgm:style>
+      <a:lnRef idx="2">
+        <a:scrgbClr r="0" g="0" b="0"/>
+      </a:lnRef>
+      <a:fillRef idx="1">
+        <a:scrgbClr r="0" g="0" b="0"/>
+      </a:fillRef>
+      <a:effectRef idx="0">
+        <a:scrgbClr r="0" g="0" b="0"/>
+      </a:effectRef>
+      <a:fontRef idx="minor">
+        <a:schemeClr val="lt1"/>
+      </a:fontRef>
+    </dgm:style>
+  </dgm:styleLbl>
+  <dgm:styleLbl name="asst4">
+    <dgm:scene3d>
+      <a:camera prst="orthographicFront"/>
+      <a:lightRig rig="threePt" dir="t"/>
+    </dgm:scene3d>
+    <dgm:sp3d/>
+    <dgm:txPr/>
+    <dgm:style>
+      <a:lnRef idx="2">
+        <a:scrgbClr r="0" g="0" b="0"/>
+      </a:lnRef>
+      <a:fillRef idx="1">
+        <a:scrgbClr r="0" g="0" b="0"/>
+      </a:fillRef>
+      <a:effectRef idx="0">
+        <a:scrgbClr r="0" g="0" b="0"/>
+      </a:effectRef>
+      <a:fontRef idx="minor">
+        <a:schemeClr val="lt1"/>
+      </a:fontRef>
+    </dgm:style>
+  </dgm:styleLbl>
+  <dgm:styleLbl name="parChTrans2D1">
+    <dgm:scene3d>
+      <a:camera prst="orthographicFront"/>
+      <a:lightRig rig="threePt" dir="t"/>
+    </dgm:scene3d>
+    <dgm:sp3d/>
+    <dgm:txPr/>
+    <dgm:style>
+      <a:lnRef idx="2">
+        <a:scrgbClr r="0" g="0" b="0"/>
+      </a:lnRef>
+      <a:fillRef idx="1">
+        <a:scrgbClr r="0" g="0" b="0"/>
+      </a:fillRef>
+      <a:effectRef idx="0">
+        <a:scrgbClr r="0" g="0" b="0"/>
+      </a:effectRef>
+      <a:fontRef idx="minor">
+        <a:schemeClr val="lt1"/>
+      </a:fontRef>
+    </dgm:style>
+  </dgm:styleLbl>
+  <dgm:styleLbl name="parChTrans2D2">
+    <dgm:scene3d>
+      <a:camera prst="orthographicFront"/>
+      <a:lightRig rig="threePt" dir="t"/>
+    </dgm:scene3d>
+    <dgm:sp3d/>
+    <dgm:txPr/>
+    <dgm:style>
+      <a:lnRef idx="2">
+        <a:scrgbClr r="0" g="0" b="0"/>
+      </a:lnRef>
+      <a:fillRef idx="1">
+        <a:scrgbClr r="0" g="0" b="0"/>
+      </a:fillRef>
+      <a:effectRef idx="0">
+        <a:scrgbClr r="0" g="0" b="0"/>
+      </a:effectRef>
+      <a:fontRef idx="minor">
+        <a:schemeClr val="lt1"/>
+      </a:fontRef>
+    </dgm:style>
+  </dgm:styleLbl>
+  <dgm:styleLbl name="parChTrans2D3">
+    <dgm:scene3d>
+      <a:camera prst="orthographicFront"/>
+      <a:lightRig rig="threePt" dir="t"/>
+    </dgm:scene3d>
+    <dgm:sp3d/>
+    <dgm:txPr/>
+    <dgm:style>
+      <a:lnRef idx="2">
+        <a:scrgbClr r="0" g="0" b="0"/>
+      </a:lnRef>
+      <a:fillRef idx="1">
+        <a:scrgbClr r="0" g="0" b="0"/>
+      </a:fillRef>
+      <a:effectRef idx="0">
+        <a:scrgbClr r="0" g="0" b="0"/>
+      </a:effectRef>
+      <a:fontRef idx="minor">
+        <a:schemeClr val="lt1"/>
+      </a:fontRef>
+    </dgm:style>
+  </dgm:styleLbl>
+  <dgm:styleLbl name="parChTrans2D4">
+    <dgm:scene3d>
+      <a:camera prst="orthographicFront"/>
+      <a:lightRig rig="threePt" dir="t"/>
+    </dgm:scene3d>
+    <dgm:sp3d/>
+    <dgm:txPr/>
+    <dgm:style>
+      <a:lnRef idx="2">
+        <a:scrgbClr r="0" g="0" b="0"/>
+      </a:lnRef>
+      <a:fillRef idx="1">
+        <a:scrgbClr r="0" g="0" b="0"/>
+      </a:fillRef>
+      <a:effectRef idx="0">
+        <a:scrgbClr r="0" g="0" b="0"/>
+      </a:effectRef>
+      <a:fontRef idx="minor">
+        <a:schemeClr val="lt1"/>
+      </a:fontRef>
+    </dgm:style>
+  </dgm:styleLbl>
+  <dgm:styleLbl name="parChTrans1D1">
+    <dgm:scene3d>
+      <a:camera prst="orthographicFront"/>
+      <a:lightRig rig="threePt" dir="t"/>
+    </dgm:scene3d>
+    <dgm:sp3d/>
+    <dgm:txPr/>
+    <dgm:style>
+      <a:lnRef idx="2">
+        <a:scrgbClr r="0" g="0" b="0"/>
+      </a:lnRef>
+      <a:fillRef idx="0">
+        <a:scrgbClr r="0" g="0" b="0"/>
+      </a:fillRef>
+      <a:effectRef idx="0">
+        <a:scrgbClr r="0" g="0" b="0"/>
+      </a:effectRef>
+      <a:fontRef idx="minor"/>
+    </dgm:style>
+  </dgm:styleLbl>
+  <dgm:styleLbl name="parChTrans1D2">
+    <dgm:scene3d>
+      <a:camera prst="orthographicFront"/>
+      <a:lightRig rig="threePt" dir="t"/>
+    </dgm:scene3d>
+    <dgm:sp3d/>
+    <dgm:txPr/>
+    <dgm:style>
+      <a:lnRef idx="2">
+        <a:scrgbClr r="0" g="0" b="0"/>
+      </a:lnRef>
+      <a:fillRef idx="0">
+        <a:scrgbClr r="0" g="0" b="0"/>
+      </a:fillRef>
+      <a:effectRef idx="0">
+        <a:scrgbClr r="0" g="0" b="0"/>
+      </a:effectRef>
+      <a:fontRef idx="minor"/>
+    </dgm:style>
+  </dgm:styleLbl>
+  <dgm:styleLbl name="parChTrans1D3">
+    <dgm:scene3d>
+      <a:camera prst="orthographicFront"/>
+      <a:lightRig rig="threePt" dir="t"/>
+    </dgm:scene3d>
+    <dgm:sp3d/>
+    <dgm:txPr/>
+    <dgm:style>
+      <a:lnRef idx="2">
+        <a:scrgbClr r="0" g="0" b="0"/>
+      </a:lnRef>
+      <a:fillRef idx="0">
+        <a:scrgbClr r="0" g="0" b="0"/>
+      </a:fillRef>
+      <a:effectRef idx="0">
+        <a:scrgbClr r="0" g="0" b="0"/>
+      </a:effectRef>
+      <a:fontRef idx="minor"/>
+    </dgm:style>
+  </dgm:styleLbl>
+  <dgm:styleLbl name="parChTrans1D4">
+    <dgm:scene3d>
+      <a:camera prst="orthographicFront"/>
+      <a:lightRig rig="threePt" dir="t"/>
+    </dgm:scene3d>
+    <dgm:sp3d/>
+    <dgm:txPr/>
+    <dgm:style>
+      <a:lnRef idx="2">
+        <a:scrgbClr r="0" g="0" b="0"/>
+      </a:lnRef>
+      <a:fillRef idx="0">
+        <a:scrgbClr r="0" g="0" b="0"/>
+      </a:fillRef>
+      <a:effectRef idx="0">
+        <a:scrgbClr r="0" g="0" b="0"/>
+      </a:effectRef>
+      <a:fontRef idx="minor"/>
+    </dgm:style>
+  </dgm:styleLbl>
+  <dgm:styleLbl name="fgAcc1">
+    <dgm:scene3d>
+      <a:camera prst="orthographicFront"/>
+      <a:lightRig rig="threePt" dir="t"/>
+    </dgm:scene3d>
+    <dgm:sp3d/>
+    <dgm:txPr/>
+    <dgm:style>
+      <a:lnRef idx="2">
+        <a:scrgbClr r="0" g="0" b="0"/>
+      </a:lnRef>
+      <a:fillRef idx="1">
+        <a:scrgbClr r="0" g="0" b="0"/>
+      </a:fillRef>
+      <a:effectRef idx="0">
+        <a:scrgbClr r="0" g="0" b="0"/>
+      </a:effectRef>
+      <a:fontRef idx="minor"/>
+    </dgm:style>
+  </dgm:styleLbl>
+  <dgm:styleLbl name="conFgAcc1">
+    <dgm:scene3d>
+      <a:camera prst="orthographicFront"/>
+      <a:lightRig rig="threePt" dir="t"/>
+    </dgm:scene3d>
+    <dgm:sp3d/>
+    <dgm:txPr/>
+    <dgm:style>
+      <a:lnRef idx="2">
+        <a:scrgbClr r="0" g="0" b="0"/>
+      </a:lnRef>
+      <a:fillRef idx="1">
+        <a:scrgbClr r="0" g="0" b="0"/>
+      </a:fillRef>
+      <a:effectRef idx="0">
+        <a:scrgbClr r="0" g="0" b="0"/>
+      </a:effectRef>
+      <a:fontRef idx="minor"/>
+    </dgm:style>
+  </dgm:styleLbl>
+  <dgm:styleLbl name="alignAcc1">
+    <dgm:scene3d>
+      <a:camera prst="orthographicFront"/>
+      <a:lightRig rig="threePt" dir="t"/>
+    </dgm:scene3d>
+    <dgm:sp3d/>
+    <dgm:txPr/>
+    <dgm:style>
+      <a:lnRef idx="2">
+        <a:scrgbClr r="0" g="0" b="0"/>
+      </a:lnRef>
+      <a:fillRef idx="1">
+        <a:scrgbClr r="0" g="0" b="0"/>
+      </a:fillRef>
+      <a:effectRef idx="0">
+        <a:scrgbClr r="0" g="0" b="0"/>
+      </a:effectRef>
+      <a:fontRef idx="minor"/>
+    </dgm:style>
+  </dgm:styleLbl>
+  <dgm:styleLbl name="trAlignAcc1">
+    <dgm:scene3d>
+      <a:camera prst="orthographicFront"/>
+      <a:lightRig rig="threePt" dir="t"/>
+    </dgm:scene3d>
+    <dgm:sp3d/>
+    <dgm:txPr/>
+    <dgm:style>
+      <a:lnRef idx="1">
+        <a:scrgbClr r="0" g="0" b="0"/>
+      </a:lnRef>
+      <a:fillRef idx="1">
+        <a:scrgbClr r="0" g="0" b="0"/>
+      </a:fillRef>
+      <a:effectRef idx="0">
+        <a:scrgbClr r="0" g="0" b="0"/>
+      </a:effectRef>
+      <a:fontRef idx="minor"/>
+    </dgm:style>
+  </dgm:styleLbl>
+  <dgm:styleLbl name="bgAcc1">
+    <dgm:scene3d>
+      <a:camera prst="orthographicFront"/>
+      <a:lightRig rig="threePt" dir="t"/>
+    </dgm:scene3d>
+    <dgm:sp3d/>
+    <dgm:txPr/>
+    <dgm:style>
+      <a:lnRef idx="2">
+        <a:scrgbClr r="0" g="0" b="0"/>
+      </a:lnRef>
+      <a:fillRef idx="1">
+        <a:scrgbClr r="0" g="0" b="0"/>
+      </a:fillRef>
+      <a:effectRef idx="0">
+        <a:scrgbClr r="0" g="0" b="0"/>
+      </a:effectRef>
+      <a:fontRef idx="minor"/>
+    </dgm:style>
+  </dgm:styleLbl>
+  <dgm:styleLbl name="solidFgAcc1">
+    <dgm:scene3d>
+      <a:camera prst="orthographicFront"/>
+      <a:lightRig rig="threePt" dir="t"/>
+    </dgm:scene3d>
+    <dgm:sp3d/>
+    <dgm:txPr/>
+    <dgm:style>
+      <a:lnRef idx="2">
+        <a:scrgbClr r="0" g="0" b="0"/>
+      </a:lnRef>
+      <a:fillRef idx="1">
+        <a:scrgbClr r="0" g="0" b="0"/>
+      </a:fillRef>
+      <a:effectRef idx="0">
+        <a:scrgbClr r="0" g="0" b="0"/>
+      </a:effectRef>
+      <a:fontRef idx="minor"/>
+    </dgm:style>
+  </dgm:styleLbl>
+  <dgm:styleLbl name="solidAlignAcc1">
+    <dgm:scene3d>
+      <a:camera prst="orthographicFront"/>
+      <a:lightRig rig="threePt" dir="t"/>
+    </dgm:scene3d>
+    <dgm:sp3d/>
+    <dgm:txPr/>
+    <dgm:style>
+      <a:lnRef idx="2">
+        <a:scrgbClr r="0" g="0" b="0"/>
+      </a:lnRef>
+      <a:fillRef idx="1">
+        <a:scrgbClr r="0" g="0" b="0"/>
+      </a:fillRef>
+      <a:effectRef idx="0">
+        <a:scrgbClr r="0" g="0" b="0"/>
+      </a:effectRef>
+      <a:fontRef idx="minor"/>
+    </dgm:style>
+  </dgm:styleLbl>
+  <dgm:styleLbl name="solidBgAcc1">
+    <dgm:scene3d>
+      <a:camera prst="orthographicFront"/>
+      <a:lightRig rig="threePt" dir="t"/>
+    </dgm:scene3d>
+    <dgm:sp3d/>
+    <dgm:txPr/>
+    <dgm:style>
+      <a:lnRef idx="2">
+        <a:scrgbClr r="0" g="0" b="0"/>
+      </a:lnRef>
+      <a:fillRef idx="1">
+        <a:scrgbClr r="0" g="0" b="0"/>
+      </a:fillRef>
+      <a:effectRef idx="0">
+        <a:scrgbClr r="0" g="0" b="0"/>
+      </a:effectRef>
+      <a:fontRef idx="minor"/>
+    </dgm:style>
+  </dgm:styleLbl>
+  <dgm:styleLbl name="fgAccFollowNode1">
+    <dgm:scene3d>
+      <a:camera prst="orthographicFront"/>
+      <a:lightRig rig="threePt" dir="t"/>
+    </dgm:scene3d>
+    <dgm:sp3d/>
+    <dgm:txPr/>
+    <dgm:style>
+      <a:lnRef idx="2">
+        <a:scrgbClr r="0" g="0" b="0"/>
+      </a:lnRef>
+      <a:fillRef idx="1">
+        <a:scrgbClr r="0" g="0" b="0"/>
+      </a:fillRef>
+      <a:effectRef idx="0">
+        <a:scrgbClr r="0" g="0" b="0"/>
+      </a:effectRef>
+      <a:fontRef idx="minor"/>
+    </dgm:style>
+  </dgm:styleLbl>
+  <dgm:styleLbl name="alignAccFollowNode1">
+    <dgm:scene3d>
+      <a:camera prst="orthographicFront"/>
+      <a:lightRig rig="threePt" dir="t"/>
+    </dgm:scene3d>
+    <dgm:sp3d/>
+    <dgm:txPr/>
+    <dgm:style>
+      <a:lnRef idx="2">
+        <a:scrgbClr r="0" g="0" b="0"/>
+      </a:lnRef>
+      <a:fillRef idx="1">
+        <a:scrgbClr r="0" g="0" b="0"/>
+      </a:fillRef>
+      <a:effectRef idx="0">
+        <a:scrgbClr r="0" g="0" b="0"/>
+      </a:effectRef>
+      <a:fontRef idx="minor"/>
+    </dgm:style>
+  </dgm:styleLbl>
+  <dgm:styleLbl name="bgAccFollowNode1">
+    <dgm:scene3d>
+      <a:camera prst="orthographicFront"/>
+      <a:lightRig rig="threePt" dir="t"/>
+    </dgm:scene3d>
+    <dgm:sp3d/>
+    <dgm:txPr/>
+    <dgm:style>
+      <a:lnRef idx="2">
+        <a:scrgbClr r="0" g="0" b="0"/>
+      </a:lnRef>
+      <a:fillRef idx="1">
+        <a:scrgbClr r="0" g="0" b="0"/>
+      </a:fillRef>
+      <a:effectRef idx="0">
+        <a:scrgbClr r="0" g="0" b="0"/>
+      </a:effectRef>
+      <a:fontRef idx="minor"/>
+    </dgm:style>
+  </dgm:styleLbl>
+  <dgm:styleLbl name="fgAcc0">
+    <dgm:scene3d>
+      <a:camera prst="orthographicFront"/>
+      <a:lightRig rig="threePt" dir="t"/>
+    </dgm:scene3d>
+    <dgm:sp3d/>
+    <dgm:txPr/>
+    <dgm:style>
+      <a:lnRef idx="2">
+        <a:scrgbClr r="0" g="0" b="0"/>
+      </a:lnRef>
+      <a:fillRef idx="1">
+        <a:scrgbClr r="0" g="0" b="0"/>
+      </a:fillRef>
+      <a:effectRef idx="0">
+        <a:scrgbClr r="0" g="0" b="0"/>
+      </a:effectRef>
+      <a:fontRef idx="minor"/>
+    </dgm:style>
+  </dgm:styleLbl>
+  <dgm:styleLbl name="fgAcc2">
+    <dgm:scene3d>
+      <a:camera prst="orthographicFront"/>
+      <a:lightRig rig="threePt" dir="t"/>
+    </dgm:scene3d>
+    <dgm:sp3d/>
+    <dgm:txPr/>
+    <dgm:style>
+      <a:lnRef idx="2">
+        <a:scrgbClr r="0" g="0" b="0"/>
+      </a:lnRef>
+      <a:fillRef idx="1">
+        <a:scrgbClr r="0" g="0" b="0"/>
+      </a:fillRef>
+      <a:effectRef idx="0">
+        <a:scrgbClr r="0" g="0" b="0"/>
+      </a:effectRef>
+      <a:fontRef idx="minor"/>
+    </dgm:style>
+  </dgm:styleLbl>
+  <dgm:styleLbl name="fgAcc3">
+    <dgm:scene3d>
+      <a:camera prst="orthographicFront"/>
+      <a:lightRig rig="threePt" dir="t"/>
+    </dgm:scene3d>
+    <dgm:sp3d/>
+    <dgm:txPr/>
+    <dgm:style>
+      <a:lnRef idx="2">
+        <a:scrgbClr r="0" g="0" b="0"/>
+      </a:lnRef>
+      <a:fillRef idx="1">
+        <a:scrgbClr r="0" g="0" b="0"/>
+      </a:fillRef>
+      <a:effectRef idx="0">
+        <a:scrgbClr r="0" g="0" b="0"/>
+      </a:effectRef>
+      <a:fontRef idx="minor"/>
+    </dgm:style>
+  </dgm:styleLbl>
+  <dgm:styleLbl name="fgAcc4">
+    <dgm:scene3d>
+      <a:camera prst="orthographicFront"/>
+      <a:lightRig rig="threePt" dir="t"/>
+    </dgm:scene3d>
+    <dgm:sp3d/>
+    <dgm:txPr/>
+    <dgm:style>
+      <a:lnRef idx="2">
+        <a:scrgbClr r="0" g="0" b="0"/>
+      </a:lnRef>
+      <a:fillRef idx="1">
+        <a:scrgbClr r="0" g="0" b="0"/>
+      </a:fillRef>
+      <a:effectRef idx="0">
+        <a:scrgbClr r="0" g="0" b="0"/>
+      </a:effectRef>
+      <a:fontRef idx="minor"/>
+    </dgm:style>
+  </dgm:styleLbl>
+  <dgm:styleLbl name="bgShp">
+    <dgm:scene3d>
+      <a:camera prst="orthographicFront"/>
+      <a:lightRig rig="threePt" dir="t"/>
+    </dgm:scene3d>
+    <dgm:sp3d/>
+    <dgm:txPr/>
+    <dgm:style>
+      <a:lnRef idx="0">
+        <a:scrgbClr r="0" g="0" b="0"/>
+      </a:lnRef>
+      <a:fillRef idx="1">
+        <a:scrgbClr r="0" g="0" b="0"/>
+      </a:fillRef>
+      <a:effectRef idx="0">
+        <a:scrgbClr r="0" g="0" b="0"/>
+      </a:effectRef>
+      <a:fontRef idx="minor"/>
+    </dgm:style>
+  </dgm:styleLbl>
+  <dgm:styleLbl name="dkBgShp">
+    <dgm:scene3d>
+      <a:camera prst="orthographicFront"/>
+      <a:lightRig rig="threePt" dir="t"/>
+    </dgm:scene3d>
+    <dgm:sp3d/>
+    <dgm:txPr/>
+    <dgm:style>
+      <a:lnRef idx="0">
+        <a:scrgbClr r="0" g="0" b="0"/>
+      </a:lnRef>
+      <a:fillRef idx="1">
+        <a:scrgbClr r="0" g="0" b="0"/>
+      </a:fillRef>
+      <a:effectRef idx="0">
+        <a:scrgbClr r="0" g="0" b="0"/>
+      </a:effectRef>
+      <a:fontRef idx="minor"/>
+    </dgm:style>
+  </dgm:styleLbl>
+  <dgm:styleLbl name="trBgShp">
+    <dgm:scene3d>
+      <a:camera prst="orthographicFront"/>
+      <a:lightRig rig="threePt" dir="t"/>
+    </dgm:scene3d>
+    <dgm:sp3d/>
+    <dgm:txPr/>
+    <dgm:style>
+      <a:lnRef idx="0">
+        <a:scrgbClr r="0" g="0" b="0"/>
+      </a:lnRef>
+      <a:fillRef idx="1">
+        <a:scrgbClr r="0" g="0" b="0"/>
+      </a:fillRef>
+      <a:effectRef idx="0">
+        <a:scrgbClr r="0" g="0" b="0"/>
+      </a:effectRef>
+      <a:fontRef idx="minor"/>
+    </dgm:style>
+  </dgm:styleLbl>
+  <dgm:styleLbl name="fgShp">
+    <dgm:scene3d>
+      <a:camera prst="orthographicFront"/>
+      <a:lightRig rig="threePt" dir="t"/>
+    </dgm:scene3d>
+    <dgm:sp3d/>
+    <dgm:txPr/>
+    <dgm:style>
+      <a:lnRef idx="2">
+        <a:scrgbClr r="0" g="0" b="0"/>
+      </a:lnRef>
+      <a:fillRef idx="1">
+        <a:scrgbClr r="0" g="0" b="0"/>
+      </a:fillRef>
+      <a:effectRef idx="0">
+        <a:scrgbClr r="0" g="0" b="0"/>
+      </a:effectRef>
+      <a:fontRef idx="minor"/>
+    </dgm:style>
+  </dgm:styleLbl>
+  <dgm:styleLbl name="revTx">
+    <dgm:scene3d>
+      <a:camera prst="orthographicFront"/>
+      <a:lightRig rig="threePt" dir="t"/>
+    </dgm:scene3d>
+    <dgm:sp3d/>
+    <dgm:txPr/>
+    <dgm:style>
+      <a:lnRef idx="0">
+        <a:scrgbClr r="0" g="0" b="0"/>
+      </a:lnRef>
+      <a:fillRef idx="0">
+        <a:scrgbClr r="0" g="0" b="0"/>
+      </a:fillRef>
+      <a:effectRef idx="0">
+        <a:scrgbClr r="0" g="0" b="0"/>
+      </a:effectRef>
+      <a:fontRef idx="minor"/>
+    </dgm:style>
+  </dgm:styleLbl>
+</dgm:styleDef>
+</file>
+
+<file path=ppt/diagrams/quickStyle2.xml><?xml version="1.0" encoding="utf-8"?>
 <dgm:styleDef xmlns:dgm="http://schemas.openxmlformats.org/drawingml/2006/diagram" xmlns:a="http://schemas.openxmlformats.org/drawingml/2006/main" uniqueId="urn:microsoft.com/office/officeart/2005/8/quickstyle/simple3">
   <dgm:title val=""/>
   <dgm:desc val=""/>
@@ -13511,6 +16685,265 @@
 <file path=ppt/slides/slide10.xml><?xml version="1.0" encoding="utf-8"?>
 <p:sld xmlns:a="http://schemas.openxmlformats.org/drawingml/2006/main" xmlns:r="http://schemas.openxmlformats.org/officeDocument/2006/relationships" xmlns:p="http://schemas.openxmlformats.org/presentationml/2006/main">
   <p:cSld>
+    <p:bg>
+      <p:bgPr>
+        <a:gradFill rotWithShape="1">
+          <a:gsLst>
+            <a:gs pos="0">
+              <a:schemeClr val="bg2">
+                <a:tint val="90000"/>
+                <a:satMod val="92000"/>
+                <a:lumMod val="120000"/>
+              </a:schemeClr>
+            </a:gs>
+            <a:gs pos="100000">
+              <a:schemeClr val="bg2">
+                <a:shade val="98000"/>
+                <a:satMod val="120000"/>
+                <a:lumMod val="98000"/>
+              </a:schemeClr>
+            </a:gs>
+          </a:gsLst>
+          <a:path path="circle">
+            <a:fillToRect l="50000" t="50000" r="100000" b="100000"/>
+          </a:path>
+        </a:gradFill>
+        <a:effectLst/>
+      </p:bgPr>
+    </p:bg>
+    <p:spTree>
+      <p:nvGrpSpPr>
+        <p:cNvPr id="1" name=""/>
+        <p:cNvGrpSpPr/>
+        <p:nvPr/>
+      </p:nvGrpSpPr>
+      <p:grpSpPr>
+        <a:xfrm>
+          <a:off x="0" y="0"/>
+          <a:ext cx="0" cy="0"/>
+          <a:chOff x="0" y="0"/>
+          <a:chExt cx="0" cy="0"/>
+        </a:xfrm>
+      </p:grpSpPr>
+      <p:sp>
+        <p:nvSpPr>
+          <p:cNvPr id="2" name="Titre 1">
+            <a:extLst>
+              <a:ext uri="{FF2B5EF4-FFF2-40B4-BE49-F238E27FC236}">
+                <a16:creationId xmlns:a16="http://schemas.microsoft.com/office/drawing/2014/main" id="{4DDF9A5B-9304-4A89-BB1D-86A97CBD820A}"/>
+              </a:ext>
+            </a:extLst>
+          </p:cNvPr>
+          <p:cNvSpPr>
+            <a:spLocks noGrp="1"/>
+          </p:cNvSpPr>
+          <p:nvPr>
+            <p:ph type="title"/>
+          </p:nvPr>
+        </p:nvSpPr>
+        <p:spPr>
+          <a:xfrm>
+            <a:off x="1687669" y="624110"/>
+            <a:ext cx="7087054" cy="1280890"/>
+          </a:xfrm>
+        </p:spPr>
+        <p:txBody>
+          <a:bodyPr>
+            <a:normAutofit/>
+          </a:bodyPr>
+          <a:lstStyle/>
+          <a:p>
+            <a:pPr>
+              <a:lnSpc>
+                <a:spcPct val="90000"/>
+              </a:lnSpc>
+            </a:pPr>
+            <a:r>
+              <a:rPr lang="fr-FR" dirty="0"/>
+              <a:t>Project Management Method</a:t>
+            </a:r>
+            <a:br>
+              <a:rPr lang="fr-FR" sz="2700" dirty="0"/>
+            </a:br>
+            <a:r>
+              <a:rPr lang="fr-FR" sz="2400" dirty="0" err="1"/>
+              <a:t>Burndown</a:t>
+            </a:r>
+            <a:r>
+              <a:rPr lang="fr-FR" sz="2400" dirty="0"/>
+              <a:t> charts</a:t>
+            </a:r>
+          </a:p>
+        </p:txBody>
+      </p:sp>
+      <p:sp>
+        <p:nvSpPr>
+          <p:cNvPr id="3" name="Espace réservé du contenu 2">
+            <a:extLst>
+              <a:ext uri="{FF2B5EF4-FFF2-40B4-BE49-F238E27FC236}">
+                <a16:creationId xmlns:a16="http://schemas.microsoft.com/office/drawing/2014/main" id="{6B60D9CE-12AB-47FE-9D9F-AC532F3E866D}"/>
+              </a:ext>
+            </a:extLst>
+          </p:cNvPr>
+          <p:cNvSpPr>
+            <a:spLocks noGrp="1"/>
+          </p:cNvSpPr>
+          <p:nvPr>
+            <p:ph idx="1"/>
+          </p:nvPr>
+        </p:nvSpPr>
+        <p:spPr>
+          <a:xfrm>
+            <a:off x="1687669" y="1916880"/>
+            <a:ext cx="4140772" cy="3777622"/>
+          </a:xfrm>
+        </p:spPr>
+        <p:txBody>
+          <a:bodyPr>
+            <a:normAutofit/>
+          </a:bodyPr>
+          <a:lstStyle/>
+          <a:p>
+            <a:pPr marL="0" indent="0" algn="just">
+              <a:buNone/>
+            </a:pPr>
+            <a:r>
+              <a:rPr lang="en-US" sz="1600" dirty="0">
+                <a:solidFill>
+                  <a:srgbClr val="000000"/>
+                </a:solidFill>
+              </a:rPr>
+              <a:t>The progress of the team will be tracked using a </a:t>
+            </a:r>
+            <a:r>
+              <a:rPr lang="en-US" sz="1600" b="1" dirty="0">
+                <a:solidFill>
+                  <a:srgbClr val="000000"/>
+                </a:solidFill>
+              </a:rPr>
+              <a:t>burndown chart </a:t>
+            </a:r>
+            <a:r>
+              <a:rPr lang="en-US" sz="1600" dirty="0">
+                <a:solidFill>
+                  <a:srgbClr val="000000"/>
+                </a:solidFill>
+              </a:rPr>
+              <a:t>for each sprint. </a:t>
+            </a:r>
+          </a:p>
+          <a:p>
+            <a:pPr marL="0" indent="0" algn="just">
+              <a:buNone/>
+            </a:pPr>
+            <a:r>
+              <a:rPr lang="en-US" sz="1600" dirty="0">
+                <a:solidFill>
+                  <a:srgbClr val="000000"/>
+                </a:solidFill>
+              </a:rPr>
+              <a:t>Once our tasks has been given an expected time of work, we will add up the remaining time needed on each task of our current sprint, in order to build a chart that help us track our progress.</a:t>
+            </a:r>
+          </a:p>
+          <a:p>
+            <a:pPr marL="0" indent="0" algn="just">
+              <a:buNone/>
+            </a:pPr>
+            <a:r>
+              <a:rPr lang="en-US" sz="1600" dirty="0">
+                <a:solidFill>
+                  <a:srgbClr val="000000"/>
+                </a:solidFill>
+              </a:rPr>
+              <a:t>The </a:t>
+            </a:r>
+            <a:r>
+              <a:rPr lang="en-US" sz="1600" b="1" dirty="0">
+                <a:solidFill>
+                  <a:srgbClr val="000000"/>
+                </a:solidFill>
+              </a:rPr>
+              <a:t>burndown velocity </a:t>
+            </a:r>
+            <a:r>
+              <a:rPr lang="en-US" sz="1600" dirty="0">
+                <a:solidFill>
+                  <a:srgbClr val="000000"/>
+                </a:solidFill>
+              </a:rPr>
+              <a:t>(Rate of Productivity), will be calculated by comparing the number of hours worked to the original project estimation and will show us the average rate of productivity for each day.</a:t>
+            </a:r>
+            <a:endParaRPr lang="fr-FR" sz="1600" dirty="0">
+              <a:solidFill>
+                <a:srgbClr val="000000"/>
+              </a:solidFill>
+            </a:endParaRPr>
+          </a:p>
+        </p:txBody>
+      </p:sp>
+      <p:pic>
+        <p:nvPicPr>
+          <p:cNvPr id="1026" name="Picture 2" descr="burndown-chart-formula">
+            <a:extLst>
+              <a:ext uri="{FF2B5EF4-FFF2-40B4-BE49-F238E27FC236}">
+                <a16:creationId xmlns:a16="http://schemas.microsoft.com/office/drawing/2014/main" id="{ABB7CF54-B299-49C4-B783-EE8B1B152FC9}"/>
+              </a:ext>
+            </a:extLst>
+          </p:cNvPr>
+          <p:cNvPicPr>
+            <a:picLocks noChangeAspect="1" noChangeArrowheads="1"/>
+          </p:cNvPicPr>
+          <p:nvPr/>
+        </p:nvPicPr>
+        <p:blipFill>
+          <a:blip r:embed="rId2">
+            <a:extLst>
+              <a:ext uri="{28A0092B-C50C-407E-A947-70E740481C1C}">
+                <a14:useLocalDpi xmlns:a14="http://schemas.microsoft.com/office/drawing/2010/main" val="0"/>
+              </a:ext>
+            </a:extLst>
+          </a:blip>
+          <a:srcRect/>
+          <a:stretch>
+            <a:fillRect/>
+          </a:stretch>
+        </p:blipFill>
+        <p:spPr bwMode="auto">
+          <a:xfrm>
+            <a:off x="6096000" y="2211091"/>
+            <a:ext cx="5451627" cy="3189201"/>
+          </a:xfrm>
+          <a:prstGeom prst="rect">
+            <a:avLst/>
+          </a:prstGeom>
+          <a:noFill/>
+          <a:extLst>
+            <a:ext uri="{909E8E84-426E-40DD-AFC4-6F175D3DCCD1}">
+              <a14:hiddenFill xmlns:a14="http://schemas.microsoft.com/office/drawing/2010/main">
+                <a:solidFill>
+                  <a:srgbClr val="FFFFFF"/>
+                </a:solidFill>
+              </a14:hiddenFill>
+            </a:ext>
+          </a:extLst>
+        </p:spPr>
+      </p:pic>
+    </p:spTree>
+    <p:extLst>
+      <p:ext uri="{BB962C8B-B14F-4D97-AF65-F5344CB8AC3E}">
+        <p14:creationId xmlns:p14="http://schemas.microsoft.com/office/powerpoint/2010/main" val="1057998560"/>
+      </p:ext>
+    </p:extLst>
+  </p:cSld>
+  <p:clrMapOvr>
+    <a:masterClrMapping/>
+  </p:clrMapOvr>
+</p:sld>
+</file>
+
+<file path=ppt/slides/slide11.xml><?xml version="1.0" encoding="utf-8"?>
+<p:sld xmlns:a="http://schemas.openxmlformats.org/drawingml/2006/main" xmlns:r="http://schemas.openxmlformats.org/officeDocument/2006/relationships" xmlns:p="http://schemas.openxmlformats.org/presentationml/2006/main">
+  <p:cSld>
     <p:spTree>
       <p:nvGrpSpPr>
         <p:cNvPr id="1" name=""/>
@@ -13943,7 +17376,7 @@
 </p:sld>
 </file>
 
-<file path=ppt/slides/slide11.xml><?xml version="1.0" encoding="utf-8"?>
+<file path=ppt/slides/slide12.xml><?xml version="1.0" encoding="utf-8"?>
 <p:sld xmlns:a="http://schemas.openxmlformats.org/drawingml/2006/main" xmlns:r="http://schemas.openxmlformats.org/officeDocument/2006/relationships" xmlns:p="http://schemas.openxmlformats.org/presentationml/2006/main">
   <p:cSld>
     <p:spTree>
@@ -14147,7 +17580,7 @@
 </p:sld>
 </file>
 
-<file path=ppt/slides/slide12.xml><?xml version="1.0" encoding="utf-8"?>
+<file path=ppt/slides/slide13.xml><?xml version="1.0" encoding="utf-8"?>
 <p:sld xmlns:a="http://schemas.openxmlformats.org/drawingml/2006/main" xmlns:r="http://schemas.openxmlformats.org/officeDocument/2006/relationships" xmlns:p="http://schemas.openxmlformats.org/presentationml/2006/main">
   <p:cSld>
     <p:spTree>
@@ -14895,7 +18328,7 @@
 </p:sld>
 </file>
 
-<file path=ppt/slides/slide13.xml><?xml version="1.0" encoding="utf-8"?>
+<file path=ppt/slides/slide14.xml><?xml version="1.0" encoding="utf-8"?>
 <p:sld xmlns:a="http://schemas.openxmlformats.org/drawingml/2006/main" xmlns:r="http://schemas.openxmlformats.org/officeDocument/2006/relationships" xmlns:p="http://schemas.openxmlformats.org/presentationml/2006/main">
   <p:cSld>
     <p:spTree>
@@ -14951,78 +18384,446 @@
             </a:r>
             <a:r>
               <a:rPr lang="fr-FR" dirty="0"/>
-              <a:t> practices</a:t>
-            </a:r>
+              <a:t> </a:t>
+            </a:r>
+            <a:r>
+              <a:rPr lang="fr-FR" dirty="0" err="1"/>
+              <a:t>tools</a:t>
+            </a:r>
+            <a:endParaRPr lang="fr-FR" dirty="0"/>
+          </a:p>
+        </p:txBody>
+      </p:sp>
+      <p:pic>
+        <p:nvPicPr>
+          <p:cNvPr id="1026" name="Picture 2" descr="Résultat de recherche d'images pour &quot;travis ci&quot;">
+            <a:extLst>
+              <a:ext uri="{FF2B5EF4-FFF2-40B4-BE49-F238E27FC236}">
+                <a16:creationId xmlns:a16="http://schemas.microsoft.com/office/drawing/2014/main" id="{972756FD-B828-4A59-B4C6-2FAA7C3A455A}"/>
+              </a:ext>
+            </a:extLst>
+          </p:cNvPr>
+          <p:cNvPicPr>
+            <a:picLocks noChangeAspect="1" noChangeArrowheads="1"/>
+          </p:cNvPicPr>
+          <p:nvPr/>
+        </p:nvPicPr>
+        <p:blipFill>
+          <a:blip r:embed="rId2">
+            <a:extLst>
+              <a:ext uri="{28A0092B-C50C-407E-A947-70E740481C1C}">
+                <a14:useLocalDpi xmlns:a14="http://schemas.microsoft.com/office/drawing/2010/main" val="0"/>
+              </a:ext>
+            </a:extLst>
+          </a:blip>
+          <a:srcRect/>
+          <a:stretch>
+            <a:fillRect/>
+          </a:stretch>
+        </p:blipFill>
+        <p:spPr bwMode="auto">
+          <a:xfrm>
+            <a:off x="2589212" y="2005014"/>
+            <a:ext cx="1895475" cy="995124"/>
+          </a:xfrm>
+          <a:prstGeom prst="rect">
+            <a:avLst/>
+          </a:prstGeom>
+          <a:noFill/>
+          <a:extLst>
+            <a:ext uri="{909E8E84-426E-40DD-AFC4-6F175D3DCCD1}">
+              <a14:hiddenFill xmlns:a14="http://schemas.microsoft.com/office/drawing/2010/main">
+                <a:solidFill>
+                  <a:srgbClr val="FFFFFF"/>
+                </a:solidFill>
+              </a14:hiddenFill>
+            </a:ext>
+          </a:extLst>
+        </p:spPr>
+      </p:pic>
+      <p:sp>
+        <p:nvSpPr>
+          <p:cNvPr id="4" name="ZoneTexte 3">
+            <a:extLst>
+              <a:ext uri="{FF2B5EF4-FFF2-40B4-BE49-F238E27FC236}">
+                <a16:creationId xmlns:a16="http://schemas.microsoft.com/office/drawing/2014/main" id="{6FAA5F4B-5452-425F-AA26-7CB058BCC087}"/>
+              </a:ext>
+            </a:extLst>
+          </p:cNvPr>
+          <p:cNvSpPr txBox="1"/>
+          <p:nvPr/>
+        </p:nvSpPr>
+        <p:spPr>
+          <a:xfrm>
+            <a:off x="4819650" y="2040911"/>
+            <a:ext cx="6772275" cy="923330"/>
+          </a:xfrm>
+          <a:prstGeom prst="rect">
+            <a:avLst/>
+          </a:prstGeom>
+          <a:noFill/>
+        </p:spPr>
+        <p:txBody>
+          <a:bodyPr wrap="square" rtlCol="0">
+            <a:spAutoFit/>
+          </a:bodyPr>
+          <a:lstStyle/>
+          <a:p>
+            <a:pPr algn="just"/>
+            <a:r>
+              <a:rPr lang="en-US" dirty="0"/>
+              <a:t>Travis CI is a hosted, distributed continuous integration service used to build and test software projects hosted at GitHub. We will use this tool for our whole project.</a:t>
+            </a:r>
+            <a:endParaRPr lang="fr-FR" dirty="0"/>
           </a:p>
         </p:txBody>
       </p:sp>
       <p:sp>
         <p:nvSpPr>
-          <p:cNvPr id="3" name="Espace réservé du contenu 2">
+          <p:cNvPr id="5" name="ZoneTexte 4">
             <a:extLst>
               <a:ext uri="{FF2B5EF4-FFF2-40B4-BE49-F238E27FC236}">
-                <a16:creationId xmlns:a16="http://schemas.microsoft.com/office/drawing/2014/main" id="{48E726FD-337B-476F-A39E-0C5997E87F3B}"/>
+                <a16:creationId xmlns:a16="http://schemas.microsoft.com/office/drawing/2014/main" id="{125E55E0-208B-465A-9C63-61383DDDC842}"/>
               </a:ext>
             </a:extLst>
           </p:cNvPr>
-          <p:cNvSpPr>
-            <a:spLocks noGrp="1"/>
-          </p:cNvSpPr>
-          <p:nvPr>
-            <p:ph idx="1"/>
-          </p:nvPr>
+          <p:cNvSpPr txBox="1"/>
+          <p:nvPr/>
         </p:nvSpPr>
-        <p:spPr/>
+        <p:spPr>
+          <a:xfrm>
+            <a:off x="2589212" y="3306842"/>
+            <a:ext cx="6037507" cy="646331"/>
+          </a:xfrm>
+          <a:prstGeom prst="rect">
+            <a:avLst/>
+          </a:prstGeom>
+          <a:noFill/>
+        </p:spPr>
         <p:txBody>
-          <a:bodyPr/>
+          <a:bodyPr wrap="square" rtlCol="0">
+            <a:spAutoFit/>
+          </a:bodyPr>
           <a:lstStyle/>
           <a:p>
-            <a:pPr marL="0" indent="0">
-              <a:buNone/>
-            </a:pPr>
             <a:r>
               <a:rPr lang="fr-FR" dirty="0"/>
-              <a:t>Android : Jasmine</a:t>
+              <a:t>For </a:t>
+            </a:r>
+            <a:r>
+              <a:rPr lang="fr-FR" dirty="0" err="1"/>
+              <a:t>our</a:t>
+            </a:r>
+            <a:r>
+              <a:rPr lang="fr-FR" dirty="0"/>
+              <a:t> JEE part, </a:t>
+            </a:r>
+            <a:r>
+              <a:rPr lang="fr-FR" dirty="0" err="1"/>
+              <a:t>we</a:t>
+            </a:r>
+            <a:r>
+              <a:rPr lang="fr-FR" dirty="0"/>
+              <a:t> </a:t>
+            </a:r>
+            <a:r>
+              <a:rPr lang="fr-FR" dirty="0" err="1"/>
+              <a:t>will</a:t>
+            </a:r>
+            <a:r>
+              <a:rPr lang="fr-FR" dirty="0"/>
+              <a:t> use Maven as a </a:t>
+            </a:r>
+            <a:r>
+              <a:rPr lang="fr-FR" dirty="0" err="1"/>
+              <a:t>build</a:t>
+            </a:r>
+            <a:r>
+              <a:rPr lang="fr-FR" dirty="0"/>
+              <a:t> automation </a:t>
+            </a:r>
+            <a:r>
+              <a:rPr lang="fr-FR" dirty="0" err="1"/>
+              <a:t>tool</a:t>
+            </a:r>
+            <a:r>
+              <a:rPr lang="fr-FR" dirty="0"/>
+              <a:t>, as </a:t>
+            </a:r>
+            <a:r>
+              <a:rPr lang="fr-FR" dirty="0" err="1"/>
+              <a:t>well</a:t>
+            </a:r>
+            <a:r>
+              <a:rPr lang="fr-FR" dirty="0"/>
+              <a:t> as JUnit.</a:t>
             </a:r>
           </a:p>
+        </p:txBody>
+      </p:sp>
+      <p:pic>
+        <p:nvPicPr>
+          <p:cNvPr id="1028" name="Picture 4" descr="Résultat de recherche d'images pour &quot;apache maven&quot;">
+            <a:extLst>
+              <a:ext uri="{FF2B5EF4-FFF2-40B4-BE49-F238E27FC236}">
+                <a16:creationId xmlns:a16="http://schemas.microsoft.com/office/drawing/2014/main" id="{198B5731-5645-4D5C-86D7-F630D8C2C157}"/>
+              </a:ext>
+            </a:extLst>
+          </p:cNvPr>
+          <p:cNvPicPr>
+            <a:picLocks noChangeAspect="1" noChangeArrowheads="1"/>
+          </p:cNvPicPr>
+          <p:nvPr/>
+        </p:nvPicPr>
+        <p:blipFill>
+          <a:blip r:embed="rId3">
+            <a:extLst>
+              <a:ext uri="{28A0092B-C50C-407E-A947-70E740481C1C}">
+                <a14:useLocalDpi xmlns:a14="http://schemas.microsoft.com/office/drawing/2010/main" val="0"/>
+              </a:ext>
+            </a:extLst>
+          </a:blip>
+          <a:srcRect/>
+          <a:stretch>
+            <a:fillRect/>
+          </a:stretch>
+        </p:blipFill>
+        <p:spPr bwMode="auto">
+          <a:xfrm>
+            <a:off x="7881449" y="3389157"/>
+            <a:ext cx="1904390" cy="481699"/>
+          </a:xfrm>
+          <a:prstGeom prst="rect">
+            <a:avLst/>
+          </a:prstGeom>
+          <a:noFill/>
+          <a:extLst>
+            <a:ext uri="{909E8E84-426E-40DD-AFC4-6F175D3DCCD1}">
+              <a14:hiddenFill xmlns:a14="http://schemas.microsoft.com/office/drawing/2010/main">
+                <a:solidFill>
+                  <a:srgbClr val="FFFFFF"/>
+                </a:solidFill>
+              </a14:hiddenFill>
+            </a:ext>
+          </a:extLst>
+        </p:spPr>
+      </p:pic>
+      <p:pic>
+        <p:nvPicPr>
+          <p:cNvPr id="1030" name="Picture 6" descr="Nunit logo 250.png">
+            <a:extLst>
+              <a:ext uri="{FF2B5EF4-FFF2-40B4-BE49-F238E27FC236}">
+                <a16:creationId xmlns:a16="http://schemas.microsoft.com/office/drawing/2014/main" id="{25EFE65F-9B6B-46A3-89BD-664252846595}"/>
+              </a:ext>
+            </a:extLst>
+          </p:cNvPr>
+          <p:cNvPicPr>
+            <a:picLocks noChangeAspect="1" noChangeArrowheads="1"/>
+          </p:cNvPicPr>
+          <p:nvPr/>
+        </p:nvPicPr>
+        <p:blipFill>
+          <a:blip r:embed="rId4">
+            <a:extLst>
+              <a:ext uri="{28A0092B-C50C-407E-A947-70E740481C1C}">
+                <a14:useLocalDpi xmlns:a14="http://schemas.microsoft.com/office/drawing/2010/main" val="0"/>
+              </a:ext>
+            </a:extLst>
+          </a:blip>
+          <a:srcRect/>
+          <a:stretch>
+            <a:fillRect/>
+          </a:stretch>
+        </p:blipFill>
+        <p:spPr bwMode="auto">
+          <a:xfrm>
+            <a:off x="2589212" y="4248299"/>
+            <a:ext cx="2083235" cy="866626"/>
+          </a:xfrm>
+          <a:prstGeom prst="rect">
+            <a:avLst/>
+          </a:prstGeom>
+          <a:noFill/>
+          <a:extLst>
+            <a:ext uri="{909E8E84-426E-40DD-AFC4-6F175D3DCCD1}">
+              <a14:hiddenFill xmlns:a14="http://schemas.microsoft.com/office/drawing/2010/main">
+                <a:solidFill>
+                  <a:srgbClr val="FFFFFF"/>
+                </a:solidFill>
+              </a14:hiddenFill>
+            </a:ext>
+          </a:extLst>
+        </p:spPr>
+      </p:pic>
+      <p:pic>
+        <p:nvPicPr>
+          <p:cNvPr id="1032" name="Picture 8" descr="Résultat de recherche d'images pour &quot;junit&quot;">
+            <a:extLst>
+              <a:ext uri="{FF2B5EF4-FFF2-40B4-BE49-F238E27FC236}">
+                <a16:creationId xmlns:a16="http://schemas.microsoft.com/office/drawing/2014/main" id="{0A4F989E-1796-450F-A35E-21866B75F48A}"/>
+              </a:ext>
+            </a:extLst>
+          </p:cNvPr>
+          <p:cNvPicPr>
+            <a:picLocks noChangeAspect="1" noChangeArrowheads="1"/>
+          </p:cNvPicPr>
+          <p:nvPr/>
+        </p:nvPicPr>
+        <p:blipFill>
+          <a:blip r:embed="rId5">
+            <a:extLst>
+              <a:ext uri="{28A0092B-C50C-407E-A947-70E740481C1C}">
+                <a14:useLocalDpi xmlns:a14="http://schemas.microsoft.com/office/drawing/2010/main" val="0"/>
+              </a:ext>
+            </a:extLst>
+          </a:blip>
+          <a:srcRect/>
+          <a:stretch>
+            <a:fillRect/>
+          </a:stretch>
+        </p:blipFill>
+        <p:spPr bwMode="auto">
+          <a:xfrm>
+            <a:off x="9826869" y="2727835"/>
+            <a:ext cx="1765056" cy="1765056"/>
+          </a:xfrm>
+          <a:prstGeom prst="rect">
+            <a:avLst/>
+          </a:prstGeom>
+          <a:noFill/>
+          <a:extLst>
+            <a:ext uri="{909E8E84-426E-40DD-AFC4-6F175D3DCCD1}">
+              <a14:hiddenFill xmlns:a14="http://schemas.microsoft.com/office/drawing/2010/main">
+                <a:solidFill>
+                  <a:srgbClr val="FFFFFF"/>
+                </a:solidFill>
+              </a14:hiddenFill>
+            </a:ext>
+          </a:extLst>
+        </p:spPr>
+      </p:pic>
+      <p:sp>
+        <p:nvSpPr>
+          <p:cNvPr id="6" name="ZoneTexte 5">
+            <a:extLst>
+              <a:ext uri="{FF2B5EF4-FFF2-40B4-BE49-F238E27FC236}">
+                <a16:creationId xmlns:a16="http://schemas.microsoft.com/office/drawing/2014/main" id="{5063999A-8CA1-43B1-8166-7048FBAB82ED}"/>
+              </a:ext>
+            </a:extLst>
+          </p:cNvPr>
+          <p:cNvSpPr txBox="1"/>
+          <p:nvPr/>
+        </p:nvSpPr>
+        <p:spPr>
+          <a:xfrm>
+            <a:off x="4906108" y="4219947"/>
+            <a:ext cx="6685817" cy="923330"/>
+          </a:xfrm>
+          <a:prstGeom prst="rect">
+            <a:avLst/>
+          </a:prstGeom>
+          <a:noFill/>
+        </p:spPr>
+        <p:txBody>
+          <a:bodyPr wrap="square" rtlCol="0">
+            <a:spAutoFit/>
+          </a:bodyPr>
+          <a:lstStyle/>
           <a:p>
-            <a:pPr marL="0" indent="0">
-              <a:buNone/>
-            </a:pPr>
-            <a:r>
-              <a:rPr lang="fr-FR" dirty="0"/>
-              <a:t>JEE : JUnit + Maven</a:t>
-            </a:r>
+            <a:pPr algn="just"/>
+            <a:r>
+              <a:rPr lang="en-US" dirty="0" err="1"/>
+              <a:t>NUnit</a:t>
+            </a:r>
+            <a:r>
+              <a:rPr lang="en-US" dirty="0"/>
+              <a:t> is an open-source unit testing framework that we will use for Microsoft .NET. It serves the same purpose as Junit does in the Java world.</a:t>
+            </a:r>
+            <a:endParaRPr lang="fr-FR" dirty="0"/>
           </a:p>
+        </p:txBody>
+      </p:sp>
+      <p:pic>
+        <p:nvPicPr>
+          <p:cNvPr id="1034" name="Picture 10" descr="Résultat de recherche d'images pour &quot;jasmine logo&quot;">
+            <a:extLst>
+              <a:ext uri="{FF2B5EF4-FFF2-40B4-BE49-F238E27FC236}">
+                <a16:creationId xmlns:a16="http://schemas.microsoft.com/office/drawing/2014/main" id="{59C8A3FE-BB45-47CA-9842-30368F2B6828}"/>
+              </a:ext>
+            </a:extLst>
+          </p:cNvPr>
+          <p:cNvPicPr>
+            <a:picLocks noChangeAspect="1" noChangeArrowheads="1"/>
+          </p:cNvPicPr>
+          <p:nvPr/>
+        </p:nvPicPr>
+        <p:blipFill>
+          <a:blip r:embed="rId6">
+            <a:extLst>
+              <a:ext uri="{28A0092B-C50C-407E-A947-70E740481C1C}">
+                <a14:useLocalDpi xmlns:a14="http://schemas.microsoft.com/office/drawing/2010/main" val="0"/>
+              </a:ext>
+            </a:extLst>
+          </a:blip>
+          <a:srcRect/>
+          <a:stretch>
+            <a:fillRect/>
+          </a:stretch>
+        </p:blipFill>
+        <p:spPr bwMode="auto">
+          <a:xfrm>
+            <a:off x="10067192" y="5203251"/>
+            <a:ext cx="1437420" cy="1190663"/>
+          </a:xfrm>
+          <a:prstGeom prst="rect">
+            <a:avLst/>
+          </a:prstGeom>
+          <a:noFill/>
+          <a:extLst>
+            <a:ext uri="{909E8E84-426E-40DD-AFC4-6F175D3DCCD1}">
+              <a14:hiddenFill xmlns:a14="http://schemas.microsoft.com/office/drawing/2010/main">
+                <a:solidFill>
+                  <a:srgbClr val="FFFFFF"/>
+                </a:solidFill>
+              </a14:hiddenFill>
+            </a:ext>
+          </a:extLst>
+        </p:spPr>
+      </p:pic>
+      <p:sp>
+        <p:nvSpPr>
+          <p:cNvPr id="9" name="ZoneTexte 8">
+            <a:extLst>
+              <a:ext uri="{FF2B5EF4-FFF2-40B4-BE49-F238E27FC236}">
+                <a16:creationId xmlns:a16="http://schemas.microsoft.com/office/drawing/2014/main" id="{E757D88A-8F24-4C57-9869-7F6002B1ABB0}"/>
+              </a:ext>
+            </a:extLst>
+          </p:cNvPr>
+          <p:cNvSpPr txBox="1"/>
+          <p:nvPr/>
+        </p:nvSpPr>
+        <p:spPr>
+          <a:xfrm>
+            <a:off x="2584939" y="5341986"/>
+            <a:ext cx="7200900" cy="923330"/>
+          </a:xfrm>
+          <a:prstGeom prst="rect">
+            <a:avLst/>
+          </a:prstGeom>
+          <a:noFill/>
+        </p:spPr>
+        <p:txBody>
+          <a:bodyPr wrap="square" rtlCol="0">
+            <a:spAutoFit/>
+          </a:bodyPr>
+          <a:lstStyle/>
           <a:p>
-            <a:pPr marL="0" indent="0">
-              <a:buNone/>
-            </a:pPr>
-            <a:r>
-              <a:rPr lang="fr-FR" dirty="0"/>
-              <a:t>C# : </a:t>
-            </a:r>
-            <a:r>
-              <a:rPr lang="fr-FR" dirty="0" err="1"/>
-              <a:t>NUnit</a:t>
-            </a:r>
-            <a:r>
-              <a:rPr lang="fr-FR" dirty="0"/>
-              <a:t> (?)</a:t>
-            </a:r>
-          </a:p>
-          <a:p>
-            <a:pPr marL="0" indent="0">
-              <a:buNone/>
-            </a:pPr>
-            <a:r>
-              <a:rPr lang="fr-FR" dirty="0" err="1"/>
-              <a:t>Overall</a:t>
-            </a:r>
-            <a:r>
-              <a:rPr lang="fr-FR" dirty="0"/>
-              <a:t> : Travis</a:t>
-            </a:r>
+            <a:pPr algn="just"/>
+            <a:r>
+              <a:rPr lang="en-US" dirty="0"/>
+              <a:t>Jasmine is an open source testing framework for JavaScript. We will use it for doing our Android tests, as well as Karma for running our tests.</a:t>
+            </a:r>
+            <a:endParaRPr lang="fr-FR" dirty="0"/>
           </a:p>
         </p:txBody>
       </p:sp>
@@ -16693,8 +20494,13 @@
             </a:r>
             <a:r>
               <a:rPr lang="fr-FR" dirty="0"/>
-              <a:t> practices</a:t>
-            </a:r>
+              <a:t> </a:t>
+            </a:r>
+            <a:r>
+              <a:rPr lang="fr-FR" dirty="0" err="1"/>
+              <a:t>tools</a:t>
+            </a:r>
+            <a:endParaRPr lang="fr-FR" dirty="0"/>
           </a:p>
           <a:p>
             <a:pPr marL="400050" indent="-400050">
@@ -16892,8 +20698,8 @@
         </p:blipFill>
         <p:spPr bwMode="auto">
           <a:xfrm>
-            <a:off x="2448560" y="2181765"/>
-            <a:ext cx="7686227" cy="3843115"/>
+            <a:off x="1938187" y="2443977"/>
+            <a:ext cx="8807343" cy="4403673"/>
           </a:xfrm>
           <a:prstGeom prst="rect">
             <a:avLst/>
@@ -17074,266 +20880,6 @@
           </a:p>
         </p:txBody>
       </p:sp>
-      <p:sp>
-        <p:nvSpPr>
-          <p:cNvPr id="5" name="ZoneTexte 4">
-            <a:extLst>
-              <a:ext uri="{FF2B5EF4-FFF2-40B4-BE49-F238E27FC236}">
-                <a16:creationId xmlns:a16="http://schemas.microsoft.com/office/drawing/2014/main" id="{9DC45238-A330-4E74-BE74-652E3FBE9C43}"/>
-              </a:ext>
-            </a:extLst>
-          </p:cNvPr>
-          <p:cNvSpPr txBox="1"/>
-          <p:nvPr/>
-        </p:nvSpPr>
-        <p:spPr>
-          <a:xfrm>
-            <a:off x="1608615" y="5480633"/>
-            <a:ext cx="9466489" cy="861774"/>
-          </a:xfrm>
-          <a:prstGeom prst="rect">
-            <a:avLst/>
-          </a:prstGeom>
-          <a:noFill/>
-        </p:spPr>
-        <p:txBody>
-          <a:bodyPr wrap="square" rtlCol="0">
-            <a:spAutoFit/>
-          </a:bodyPr>
-          <a:lstStyle/>
-          <a:p>
-            <a:pPr algn="just"/>
-            <a:r>
-              <a:rPr lang="fr-FR" dirty="0"/>
-              <a:t>	</a:t>
-            </a:r>
-            <a:r>
-              <a:rPr lang="fr-FR" sz="1600" dirty="0" err="1"/>
-              <a:t>Unlike</a:t>
-            </a:r>
-            <a:r>
-              <a:rPr lang="fr-FR" sz="1600" dirty="0"/>
-              <a:t> the </a:t>
-            </a:r>
-            <a:r>
-              <a:rPr lang="fr-FR" sz="1600" dirty="0" err="1"/>
-              <a:t>average</a:t>
-            </a:r>
-            <a:r>
-              <a:rPr lang="fr-FR" sz="1600" dirty="0"/>
-              <a:t> </a:t>
-            </a:r>
-            <a:r>
-              <a:rPr lang="fr-FR" sz="1600" dirty="0" err="1"/>
-              <a:t>scrum</a:t>
-            </a:r>
-            <a:r>
-              <a:rPr lang="fr-FR" sz="1600" dirty="0"/>
-              <a:t> </a:t>
-            </a:r>
-            <a:r>
-              <a:rPr lang="fr-FR" sz="1600" dirty="0" err="1"/>
-              <a:t>method</a:t>
-            </a:r>
-            <a:r>
-              <a:rPr lang="fr-FR" sz="1600" dirty="0"/>
-              <a:t> </a:t>
-            </a:r>
-            <a:r>
-              <a:rPr lang="fr-FR" sz="1600" dirty="0" err="1"/>
-              <a:t>implementations</a:t>
-            </a:r>
-            <a:r>
-              <a:rPr lang="fr-FR" sz="1600" dirty="0"/>
-              <a:t>, </a:t>
-            </a:r>
-            <a:r>
-              <a:rPr lang="fr-FR" sz="1600" dirty="0" err="1"/>
-              <a:t>we</a:t>
-            </a:r>
-            <a:r>
-              <a:rPr lang="fr-FR" sz="1600" dirty="0"/>
-              <a:t> </a:t>
-            </a:r>
-            <a:r>
-              <a:rPr lang="fr-FR" sz="1600" dirty="0" err="1"/>
-              <a:t>decided</a:t>
-            </a:r>
-            <a:r>
-              <a:rPr lang="fr-FR" sz="1600" dirty="0"/>
-              <a:t> to </a:t>
-            </a:r>
-            <a:r>
-              <a:rPr lang="fr-FR" sz="1600" dirty="0" err="1"/>
-              <a:t>make</a:t>
-            </a:r>
-            <a:r>
-              <a:rPr lang="fr-FR" sz="1600" dirty="0"/>
-              <a:t> 3-days sprints </a:t>
-            </a:r>
-            <a:r>
-              <a:rPr lang="fr-FR" sz="1600" dirty="0" err="1"/>
-              <a:t>because</a:t>
-            </a:r>
-            <a:r>
-              <a:rPr lang="fr-FR" sz="1600" dirty="0"/>
-              <a:t> of the </a:t>
-            </a:r>
-            <a:r>
-              <a:rPr lang="fr-FR" sz="1600" dirty="0" err="1"/>
-              <a:t>relatively</a:t>
-            </a:r>
-            <a:r>
-              <a:rPr lang="fr-FR" sz="1600" dirty="0"/>
-              <a:t> short time </a:t>
-            </a:r>
-            <a:r>
-              <a:rPr lang="fr-FR" sz="1600" dirty="0" err="1"/>
-              <a:t>which</a:t>
-            </a:r>
-            <a:r>
-              <a:rPr lang="fr-FR" sz="1600" dirty="0"/>
-              <a:t> </a:t>
-            </a:r>
-            <a:r>
-              <a:rPr lang="fr-FR" sz="1600" dirty="0" err="1"/>
-              <a:t>is</a:t>
-            </a:r>
-            <a:r>
-              <a:rPr lang="fr-FR" sz="1600" dirty="0"/>
-              <a:t> </a:t>
-            </a:r>
-            <a:r>
-              <a:rPr lang="fr-FR" sz="1600" dirty="0" err="1"/>
-              <a:t>given</a:t>
-            </a:r>
-            <a:r>
-              <a:rPr lang="fr-FR" sz="1600" dirty="0"/>
-              <a:t> to us for </a:t>
-            </a:r>
-            <a:r>
-              <a:rPr lang="fr-FR" sz="1600" dirty="0" err="1"/>
-              <a:t>this</a:t>
-            </a:r>
-            <a:r>
-              <a:rPr lang="fr-FR" sz="1600" dirty="0"/>
-              <a:t> </a:t>
-            </a:r>
-            <a:r>
-              <a:rPr lang="fr-FR" sz="1600" dirty="0" err="1"/>
-              <a:t>project</a:t>
-            </a:r>
-            <a:r>
-              <a:rPr lang="fr-FR" sz="1600" dirty="0"/>
-              <a:t>. </a:t>
-            </a:r>
-            <a:r>
-              <a:rPr lang="fr-FR" sz="1600" dirty="0" err="1"/>
-              <a:t>Except</a:t>
-            </a:r>
-            <a:r>
-              <a:rPr lang="fr-FR" sz="1600" dirty="0"/>
-              <a:t> </a:t>
-            </a:r>
-            <a:r>
-              <a:rPr lang="fr-FR" sz="1600" dirty="0" err="1"/>
-              <a:t>this</a:t>
-            </a:r>
-            <a:r>
-              <a:rPr lang="fr-FR" sz="1600" dirty="0"/>
-              <a:t>, </a:t>
-            </a:r>
-            <a:r>
-              <a:rPr lang="fr-FR" sz="1600" dirty="0" err="1"/>
-              <a:t>we</a:t>
-            </a:r>
-            <a:r>
-              <a:rPr lang="fr-FR" sz="1600" dirty="0"/>
-              <a:t> </a:t>
-            </a:r>
-            <a:r>
-              <a:rPr lang="fr-FR" sz="1600" dirty="0" err="1"/>
-              <a:t>will</a:t>
-            </a:r>
-            <a:r>
-              <a:rPr lang="fr-FR" sz="1600" dirty="0"/>
-              <a:t> </a:t>
-            </a:r>
-            <a:r>
-              <a:rPr lang="fr-FR" sz="1600" dirty="0" err="1"/>
-              <a:t>handle</a:t>
-            </a:r>
-            <a:r>
-              <a:rPr lang="fr-FR" sz="1600" dirty="0"/>
-              <a:t> Scrum in a </a:t>
-            </a:r>
-            <a:r>
-              <a:rPr lang="fr-FR" sz="1600" dirty="0" err="1"/>
-              <a:t>very</a:t>
-            </a:r>
-            <a:r>
-              <a:rPr lang="fr-FR" sz="1600" dirty="0"/>
-              <a:t> </a:t>
-            </a:r>
-            <a:r>
-              <a:rPr lang="fr-FR" sz="1600" dirty="0" err="1"/>
-              <a:t>classic</a:t>
-            </a:r>
-            <a:r>
-              <a:rPr lang="fr-FR" sz="1600" dirty="0"/>
-              <a:t> </a:t>
-            </a:r>
-            <a:r>
-              <a:rPr lang="fr-FR" sz="1600" dirty="0" err="1"/>
-              <a:t>way</a:t>
-            </a:r>
-            <a:r>
-              <a:rPr lang="fr-FR" sz="1600" dirty="0"/>
-              <a:t> </a:t>
-            </a:r>
-            <a:r>
-              <a:rPr lang="fr-FR" sz="1600" dirty="0" err="1"/>
-              <a:t>that</a:t>
-            </a:r>
-            <a:r>
-              <a:rPr lang="fr-FR" sz="1600" dirty="0"/>
-              <a:t> </a:t>
-            </a:r>
-            <a:r>
-              <a:rPr lang="fr-FR" sz="1600" dirty="0" err="1"/>
-              <a:t>will</a:t>
-            </a:r>
-            <a:r>
-              <a:rPr lang="fr-FR" sz="1600" dirty="0"/>
-              <a:t> </a:t>
-            </a:r>
-            <a:r>
-              <a:rPr lang="fr-FR" sz="1600" dirty="0" err="1"/>
-              <a:t>be</a:t>
-            </a:r>
-            <a:r>
-              <a:rPr lang="fr-FR" sz="1600" dirty="0"/>
-              <a:t> </a:t>
-            </a:r>
-            <a:r>
-              <a:rPr lang="fr-FR" sz="1600" dirty="0" err="1"/>
-              <a:t>explained</a:t>
-            </a:r>
-            <a:r>
-              <a:rPr lang="fr-FR" sz="1600" dirty="0"/>
-              <a:t> on the </a:t>
-            </a:r>
-            <a:r>
-              <a:rPr lang="fr-FR" sz="1600" dirty="0" err="1"/>
-              <a:t>next</a:t>
-            </a:r>
-            <a:r>
-              <a:rPr lang="fr-FR" sz="1600" dirty="0"/>
-              <a:t> panels. </a:t>
-            </a:r>
-          </a:p>
-        </p:txBody>
-      </p:sp>
     </p:spTree>
     <p:extLst>
       <p:ext uri="{BB962C8B-B14F-4D97-AF65-F5344CB8AC3E}">
@@ -17348,6 +20894,360 @@
 </file>
 
 <file path=ppt/slides/slide5.xml><?xml version="1.0" encoding="utf-8"?>
+<p:sld xmlns:a="http://schemas.openxmlformats.org/drawingml/2006/main" xmlns:r="http://schemas.openxmlformats.org/officeDocument/2006/relationships" xmlns:p="http://schemas.openxmlformats.org/presentationml/2006/main">
+  <p:cSld>
+    <p:spTree>
+      <p:nvGrpSpPr>
+        <p:cNvPr id="1" name=""/>
+        <p:cNvGrpSpPr/>
+        <p:nvPr/>
+      </p:nvGrpSpPr>
+      <p:grpSpPr>
+        <a:xfrm>
+          <a:off x="0" y="0"/>
+          <a:ext cx="0" cy="0"/>
+          <a:chOff x="0" y="0"/>
+          <a:chExt cx="0" cy="0"/>
+        </a:xfrm>
+      </p:grpSpPr>
+      <p:sp>
+        <p:nvSpPr>
+          <p:cNvPr id="2" name="Titre 1">
+            <a:extLst>
+              <a:ext uri="{FF2B5EF4-FFF2-40B4-BE49-F238E27FC236}">
+                <a16:creationId xmlns:a16="http://schemas.microsoft.com/office/drawing/2014/main" id="{35107AF7-1898-4FFE-BB67-1809C886490F}"/>
+              </a:ext>
+            </a:extLst>
+          </p:cNvPr>
+          <p:cNvSpPr>
+            <a:spLocks noGrp="1"/>
+          </p:cNvSpPr>
+          <p:nvPr>
+            <p:ph type="title"/>
+          </p:nvPr>
+        </p:nvSpPr>
+        <p:spPr/>
+        <p:txBody>
+          <a:bodyPr/>
+          <a:lstStyle/>
+          <a:p>
+            <a:r>
+              <a:rPr lang="fr-FR" dirty="0"/>
+              <a:t>Project Management Method</a:t>
+            </a:r>
+            <a:br>
+              <a:rPr lang="fr-FR" dirty="0"/>
+            </a:br>
+            <a:r>
+              <a:rPr lang="fr-FR" sz="2400" dirty="0"/>
+              <a:t>Time </a:t>
+            </a:r>
+            <a:r>
+              <a:rPr lang="fr-FR" sz="2400" dirty="0" err="1"/>
+              <a:t>Organization</a:t>
+            </a:r>
+            <a:endParaRPr lang="fr-FR" dirty="0"/>
+          </a:p>
+        </p:txBody>
+      </p:sp>
+      <p:sp>
+        <p:nvSpPr>
+          <p:cNvPr id="4" name="ZoneTexte 3">
+            <a:extLst>
+              <a:ext uri="{FF2B5EF4-FFF2-40B4-BE49-F238E27FC236}">
+                <a16:creationId xmlns:a16="http://schemas.microsoft.com/office/drawing/2014/main" id="{01D835B0-FA2F-449D-BCC5-8A47955D52A0}"/>
+              </a:ext>
+            </a:extLst>
+          </p:cNvPr>
+          <p:cNvSpPr txBox="1"/>
+          <p:nvPr/>
+        </p:nvSpPr>
+        <p:spPr>
+          <a:xfrm>
+            <a:off x="2038564" y="2418074"/>
+            <a:ext cx="9172069" cy="830997"/>
+          </a:xfrm>
+          <a:prstGeom prst="rect">
+            <a:avLst/>
+          </a:prstGeom>
+          <a:noFill/>
+        </p:spPr>
+        <p:txBody>
+          <a:bodyPr wrap="square" rtlCol="0">
+            <a:spAutoFit/>
+          </a:bodyPr>
+          <a:lstStyle/>
+          <a:p>
+            <a:pPr algn="just"/>
+            <a:r>
+              <a:rPr lang="fr-FR" sz="1600" dirty="0" err="1"/>
+              <a:t>Unlike</a:t>
+            </a:r>
+            <a:r>
+              <a:rPr lang="fr-FR" sz="1600" dirty="0"/>
+              <a:t> the </a:t>
+            </a:r>
+            <a:r>
+              <a:rPr lang="fr-FR" sz="1600" dirty="0" err="1"/>
+              <a:t>average</a:t>
+            </a:r>
+            <a:r>
+              <a:rPr lang="fr-FR" sz="1600" dirty="0"/>
+              <a:t> </a:t>
+            </a:r>
+            <a:r>
+              <a:rPr lang="fr-FR" sz="1600" dirty="0" err="1"/>
+              <a:t>scrum</a:t>
+            </a:r>
+            <a:r>
+              <a:rPr lang="fr-FR" sz="1600" dirty="0"/>
+              <a:t> </a:t>
+            </a:r>
+            <a:r>
+              <a:rPr lang="fr-FR" sz="1600" dirty="0" err="1"/>
+              <a:t>method</a:t>
+            </a:r>
+            <a:r>
+              <a:rPr lang="fr-FR" sz="1600" dirty="0"/>
+              <a:t> </a:t>
+            </a:r>
+            <a:r>
+              <a:rPr lang="fr-FR" sz="1600" dirty="0" err="1"/>
+              <a:t>implementations</a:t>
+            </a:r>
+            <a:r>
+              <a:rPr lang="fr-FR" sz="1600" dirty="0"/>
+              <a:t>, </a:t>
+            </a:r>
+            <a:r>
+              <a:rPr lang="fr-FR" sz="1600" dirty="0" err="1"/>
+              <a:t>we</a:t>
+            </a:r>
+            <a:r>
+              <a:rPr lang="fr-FR" sz="1600" dirty="0"/>
+              <a:t> </a:t>
+            </a:r>
+            <a:r>
+              <a:rPr lang="fr-FR" sz="1600" dirty="0" err="1"/>
+              <a:t>decided</a:t>
+            </a:r>
+            <a:r>
+              <a:rPr lang="fr-FR" sz="1600" dirty="0"/>
+              <a:t> to </a:t>
+            </a:r>
+            <a:r>
+              <a:rPr lang="fr-FR" sz="1600" dirty="0" err="1"/>
+              <a:t>make</a:t>
+            </a:r>
+            <a:r>
+              <a:rPr lang="fr-FR" sz="1600" dirty="0"/>
+              <a:t> 2,5-days sprints </a:t>
+            </a:r>
+            <a:r>
+              <a:rPr lang="fr-FR" sz="1600" dirty="0" err="1"/>
+              <a:t>because</a:t>
+            </a:r>
+            <a:r>
+              <a:rPr lang="fr-FR" sz="1600" dirty="0"/>
+              <a:t> of the </a:t>
+            </a:r>
+            <a:r>
+              <a:rPr lang="fr-FR" sz="1600" dirty="0" err="1"/>
+              <a:t>relatively</a:t>
+            </a:r>
+            <a:r>
+              <a:rPr lang="fr-FR" sz="1600" dirty="0"/>
+              <a:t> short time </a:t>
+            </a:r>
+            <a:r>
+              <a:rPr lang="fr-FR" sz="1600" dirty="0" err="1"/>
+              <a:t>which</a:t>
+            </a:r>
+            <a:r>
+              <a:rPr lang="fr-FR" sz="1600" dirty="0"/>
+              <a:t> </a:t>
+            </a:r>
+            <a:r>
+              <a:rPr lang="fr-FR" sz="1600" dirty="0" err="1"/>
+              <a:t>is</a:t>
+            </a:r>
+            <a:r>
+              <a:rPr lang="fr-FR" sz="1600" dirty="0"/>
+              <a:t> </a:t>
+            </a:r>
+            <a:r>
+              <a:rPr lang="fr-FR" sz="1600" dirty="0" err="1"/>
+              <a:t>given</a:t>
+            </a:r>
+            <a:r>
+              <a:rPr lang="fr-FR" sz="1600" dirty="0"/>
+              <a:t> to us for </a:t>
+            </a:r>
+            <a:r>
+              <a:rPr lang="fr-FR" sz="1600" dirty="0" err="1"/>
+              <a:t>this</a:t>
+            </a:r>
+            <a:r>
+              <a:rPr lang="fr-FR" sz="1600" dirty="0"/>
+              <a:t> </a:t>
+            </a:r>
+            <a:r>
+              <a:rPr lang="fr-FR" sz="1600" dirty="0" err="1"/>
+              <a:t>project</a:t>
+            </a:r>
+            <a:r>
+              <a:rPr lang="fr-FR" sz="1600" dirty="0"/>
+              <a:t>. </a:t>
+            </a:r>
+            <a:r>
+              <a:rPr lang="fr-FR" sz="1600" dirty="0" err="1"/>
+              <a:t>Except</a:t>
+            </a:r>
+            <a:r>
+              <a:rPr lang="fr-FR" sz="1600" dirty="0"/>
+              <a:t> </a:t>
+            </a:r>
+            <a:r>
+              <a:rPr lang="fr-FR" sz="1600" dirty="0" err="1"/>
+              <a:t>this</a:t>
+            </a:r>
+            <a:r>
+              <a:rPr lang="fr-FR" sz="1600" dirty="0"/>
+              <a:t>, </a:t>
+            </a:r>
+            <a:r>
+              <a:rPr lang="fr-FR" sz="1600" dirty="0" err="1"/>
+              <a:t>we</a:t>
+            </a:r>
+            <a:r>
+              <a:rPr lang="fr-FR" sz="1600" dirty="0"/>
+              <a:t> </a:t>
+            </a:r>
+            <a:r>
+              <a:rPr lang="fr-FR" sz="1600" dirty="0" err="1"/>
+              <a:t>will</a:t>
+            </a:r>
+            <a:r>
+              <a:rPr lang="fr-FR" sz="1600" dirty="0"/>
+              <a:t> </a:t>
+            </a:r>
+            <a:r>
+              <a:rPr lang="fr-FR" sz="1600" dirty="0" err="1"/>
+              <a:t>handle</a:t>
+            </a:r>
+            <a:r>
+              <a:rPr lang="fr-FR" sz="1600" dirty="0"/>
+              <a:t> Scrum in a </a:t>
+            </a:r>
+            <a:r>
+              <a:rPr lang="fr-FR" sz="1600" dirty="0" err="1"/>
+              <a:t>very</a:t>
+            </a:r>
+            <a:r>
+              <a:rPr lang="fr-FR" sz="1600" dirty="0"/>
+              <a:t> </a:t>
+            </a:r>
+            <a:r>
+              <a:rPr lang="fr-FR" sz="1600" dirty="0" err="1"/>
+              <a:t>classic</a:t>
+            </a:r>
+            <a:r>
+              <a:rPr lang="fr-FR" sz="1600" dirty="0"/>
+              <a:t> </a:t>
+            </a:r>
+            <a:r>
+              <a:rPr lang="fr-FR" sz="1600" dirty="0" err="1"/>
+              <a:t>way</a:t>
+            </a:r>
+            <a:r>
+              <a:rPr lang="fr-FR" sz="1600" dirty="0"/>
+              <a:t> </a:t>
+            </a:r>
+            <a:r>
+              <a:rPr lang="fr-FR" sz="1600" dirty="0" err="1"/>
+              <a:t>that</a:t>
+            </a:r>
+            <a:r>
+              <a:rPr lang="fr-FR" sz="1600" dirty="0"/>
+              <a:t> </a:t>
+            </a:r>
+            <a:r>
+              <a:rPr lang="fr-FR" sz="1600" dirty="0" err="1"/>
+              <a:t>will</a:t>
+            </a:r>
+            <a:r>
+              <a:rPr lang="fr-FR" sz="1600" dirty="0"/>
+              <a:t> </a:t>
+            </a:r>
+            <a:r>
+              <a:rPr lang="fr-FR" sz="1600" dirty="0" err="1"/>
+              <a:t>be</a:t>
+            </a:r>
+            <a:r>
+              <a:rPr lang="fr-FR" sz="1600" dirty="0"/>
+              <a:t> </a:t>
+            </a:r>
+            <a:r>
+              <a:rPr lang="fr-FR" sz="1600" dirty="0" err="1"/>
+              <a:t>explained</a:t>
+            </a:r>
+            <a:r>
+              <a:rPr lang="fr-FR" sz="1600" dirty="0"/>
+              <a:t> on the </a:t>
+            </a:r>
+            <a:r>
+              <a:rPr lang="fr-FR" sz="1600" dirty="0" err="1"/>
+              <a:t>next</a:t>
+            </a:r>
+            <a:r>
+              <a:rPr lang="fr-FR" sz="1600" dirty="0"/>
+              <a:t> panels. </a:t>
+            </a:r>
+          </a:p>
+        </p:txBody>
+      </p:sp>
+      <p:graphicFrame>
+        <p:nvGraphicFramePr>
+          <p:cNvPr id="5" name="Diagramme 4">
+            <a:extLst>
+              <a:ext uri="{FF2B5EF4-FFF2-40B4-BE49-F238E27FC236}">
+                <a16:creationId xmlns:a16="http://schemas.microsoft.com/office/drawing/2014/main" id="{B5CE32A2-D500-4109-823E-E1E39B4953A8}"/>
+              </a:ext>
+            </a:extLst>
+          </p:cNvPr>
+          <p:cNvGraphicFramePr/>
+          <p:nvPr>
+            <p:extLst>
+              <p:ext uri="{D42A27DB-BD31-4B8C-83A1-F6EECF244321}">
+                <p14:modId xmlns:p14="http://schemas.microsoft.com/office/powerpoint/2010/main" val="2273637261"/>
+              </p:ext>
+            </p:extLst>
+          </p:nvPr>
+        </p:nvGraphicFramePr>
+        <p:xfrm>
+          <a:off x="2168754" y="3169314"/>
+          <a:ext cx="8911687" cy="2299501"/>
+        </p:xfrm>
+        <a:graphic>
+          <a:graphicData uri="http://schemas.openxmlformats.org/drawingml/2006/diagram">
+            <dgm:relIds xmlns:dgm="http://schemas.openxmlformats.org/drawingml/2006/diagram" xmlns:r="http://schemas.openxmlformats.org/officeDocument/2006/relationships" r:dm="rId2" r:lo="rId3" r:qs="rId4" r:cs="rId5"/>
+          </a:graphicData>
+        </a:graphic>
+      </p:graphicFrame>
+    </p:spTree>
+    <p:extLst>
+      <p:ext uri="{BB962C8B-B14F-4D97-AF65-F5344CB8AC3E}">
+        <p14:creationId xmlns:p14="http://schemas.microsoft.com/office/powerpoint/2010/main" val="3132238328"/>
+      </p:ext>
+    </p:extLst>
+  </p:cSld>
+  <p:clrMapOvr>
+    <a:masterClrMapping/>
+  </p:clrMapOvr>
+</p:sld>
+</file>
+
+<file path=ppt/slides/slide6.xml><?xml version="1.0" encoding="utf-8"?>
 <p:sld xmlns:a="http://schemas.openxmlformats.org/drawingml/2006/main" xmlns:r="http://schemas.openxmlformats.org/officeDocument/2006/relationships" xmlns:p="http://schemas.openxmlformats.org/presentationml/2006/main">
   <p:cSld>
     <p:spTree>
@@ -17828,7 +21728,7 @@
 </p:sld>
 </file>
 
-<file path=ppt/slides/slide6.xml><?xml version="1.0" encoding="utf-8"?>
+<file path=ppt/slides/slide7.xml><?xml version="1.0" encoding="utf-8"?>
 <p:sld xmlns:a="http://schemas.openxmlformats.org/drawingml/2006/main" xmlns:r="http://schemas.openxmlformats.org/officeDocument/2006/relationships" xmlns:p="http://schemas.openxmlformats.org/presentationml/2006/main">
   <p:cSld>
     <p:spTree>
@@ -17904,7 +21804,7 @@
         </p:nvSpPr>
         <p:spPr>
           <a:xfrm>
-            <a:off x="1512277" y="2798649"/>
+            <a:off x="1512277" y="2693142"/>
             <a:ext cx="5125915" cy="3435241"/>
           </a:xfrm>
         </p:spPr>
@@ -18283,7 +22183,7 @@
         </p:blipFill>
         <p:spPr bwMode="auto">
           <a:xfrm>
-            <a:off x="6638192" y="2426162"/>
+            <a:off x="6638192" y="2320655"/>
             <a:ext cx="4498760" cy="3807728"/>
           </a:xfrm>
           <a:prstGeom prst="rect">
@@ -18315,7 +22215,7 @@
         </p:nvSpPr>
         <p:spPr>
           <a:xfrm>
-            <a:off x="1967388" y="2211675"/>
+            <a:off x="1967388" y="2106168"/>
             <a:ext cx="8911687" cy="861774"/>
           </a:xfrm>
           <a:prstGeom prst="rect">
@@ -18465,7 +22365,7 @@
 </p:sld>
 </file>
 
-<file path=ppt/slides/slide7.xml><?xml version="1.0" encoding="utf-8"?>
+<file path=ppt/slides/slide8.xml><?xml version="1.0" encoding="utf-8"?>
 <p:sld xmlns:a="http://schemas.openxmlformats.org/drawingml/2006/main" xmlns:r="http://schemas.openxmlformats.org/officeDocument/2006/relationships" xmlns:p="http://schemas.openxmlformats.org/presentationml/2006/main">
   <p:cSld>
     <p:spTree>
@@ -19057,7 +22957,7 @@
 </p:sld>
 </file>
 
-<file path=ppt/slides/slide8.xml><?xml version="1.0" encoding="utf-8"?>
+<file path=ppt/slides/slide9.xml><?xml version="1.0" encoding="utf-8"?>
 <p:sld xmlns:a="http://schemas.openxmlformats.org/drawingml/2006/main" xmlns:r="http://schemas.openxmlformats.org/officeDocument/2006/relationships" xmlns:p="http://schemas.openxmlformats.org/presentationml/2006/main">
   <p:cSld>
     <p:bg>
@@ -19573,265 +23473,6 @@
 </p:sld>
 </file>
 
-<file path=ppt/slides/slide9.xml><?xml version="1.0" encoding="utf-8"?>
-<p:sld xmlns:a="http://schemas.openxmlformats.org/drawingml/2006/main" xmlns:r="http://schemas.openxmlformats.org/officeDocument/2006/relationships" xmlns:p="http://schemas.openxmlformats.org/presentationml/2006/main">
-  <p:cSld>
-    <p:bg>
-      <p:bgPr>
-        <a:gradFill rotWithShape="1">
-          <a:gsLst>
-            <a:gs pos="0">
-              <a:schemeClr val="bg2">
-                <a:tint val="90000"/>
-                <a:satMod val="92000"/>
-                <a:lumMod val="120000"/>
-              </a:schemeClr>
-            </a:gs>
-            <a:gs pos="100000">
-              <a:schemeClr val="bg2">
-                <a:shade val="98000"/>
-                <a:satMod val="120000"/>
-                <a:lumMod val="98000"/>
-              </a:schemeClr>
-            </a:gs>
-          </a:gsLst>
-          <a:path path="circle">
-            <a:fillToRect l="50000" t="50000" r="100000" b="100000"/>
-          </a:path>
-        </a:gradFill>
-        <a:effectLst/>
-      </p:bgPr>
-    </p:bg>
-    <p:spTree>
-      <p:nvGrpSpPr>
-        <p:cNvPr id="1" name=""/>
-        <p:cNvGrpSpPr/>
-        <p:nvPr/>
-      </p:nvGrpSpPr>
-      <p:grpSpPr>
-        <a:xfrm>
-          <a:off x="0" y="0"/>
-          <a:ext cx="0" cy="0"/>
-          <a:chOff x="0" y="0"/>
-          <a:chExt cx="0" cy="0"/>
-        </a:xfrm>
-      </p:grpSpPr>
-      <p:sp>
-        <p:nvSpPr>
-          <p:cNvPr id="2" name="Titre 1">
-            <a:extLst>
-              <a:ext uri="{FF2B5EF4-FFF2-40B4-BE49-F238E27FC236}">
-                <a16:creationId xmlns:a16="http://schemas.microsoft.com/office/drawing/2014/main" id="{4DDF9A5B-9304-4A89-BB1D-86A97CBD820A}"/>
-              </a:ext>
-            </a:extLst>
-          </p:cNvPr>
-          <p:cNvSpPr>
-            <a:spLocks noGrp="1"/>
-          </p:cNvSpPr>
-          <p:nvPr>
-            <p:ph type="title"/>
-          </p:nvPr>
-        </p:nvSpPr>
-        <p:spPr>
-          <a:xfrm>
-            <a:off x="1687669" y="624110"/>
-            <a:ext cx="7087054" cy="1280890"/>
-          </a:xfrm>
-        </p:spPr>
-        <p:txBody>
-          <a:bodyPr>
-            <a:normAutofit/>
-          </a:bodyPr>
-          <a:lstStyle/>
-          <a:p>
-            <a:pPr>
-              <a:lnSpc>
-                <a:spcPct val="90000"/>
-              </a:lnSpc>
-            </a:pPr>
-            <a:r>
-              <a:rPr lang="fr-FR" dirty="0"/>
-              <a:t>Project Management Method</a:t>
-            </a:r>
-            <a:br>
-              <a:rPr lang="fr-FR" sz="2700" dirty="0"/>
-            </a:br>
-            <a:r>
-              <a:rPr lang="fr-FR" sz="2400" dirty="0" err="1"/>
-              <a:t>Burndown</a:t>
-            </a:r>
-            <a:r>
-              <a:rPr lang="fr-FR" sz="2400" dirty="0"/>
-              <a:t> charts</a:t>
-            </a:r>
-          </a:p>
-        </p:txBody>
-      </p:sp>
-      <p:sp>
-        <p:nvSpPr>
-          <p:cNvPr id="3" name="Espace réservé du contenu 2">
-            <a:extLst>
-              <a:ext uri="{FF2B5EF4-FFF2-40B4-BE49-F238E27FC236}">
-                <a16:creationId xmlns:a16="http://schemas.microsoft.com/office/drawing/2014/main" id="{6B60D9CE-12AB-47FE-9D9F-AC532F3E866D}"/>
-              </a:ext>
-            </a:extLst>
-          </p:cNvPr>
-          <p:cNvSpPr>
-            <a:spLocks noGrp="1"/>
-          </p:cNvSpPr>
-          <p:nvPr>
-            <p:ph idx="1"/>
-          </p:nvPr>
-        </p:nvSpPr>
-        <p:spPr>
-          <a:xfrm>
-            <a:off x="1687669" y="1916880"/>
-            <a:ext cx="4140772" cy="3777622"/>
-          </a:xfrm>
-        </p:spPr>
-        <p:txBody>
-          <a:bodyPr>
-            <a:normAutofit/>
-          </a:bodyPr>
-          <a:lstStyle/>
-          <a:p>
-            <a:pPr marL="0" indent="0" algn="just">
-              <a:buNone/>
-            </a:pPr>
-            <a:r>
-              <a:rPr lang="en-US" sz="1600" dirty="0">
-                <a:solidFill>
-                  <a:srgbClr val="000000"/>
-                </a:solidFill>
-              </a:rPr>
-              <a:t>The progress of the team will be tracked using a </a:t>
-            </a:r>
-            <a:r>
-              <a:rPr lang="en-US" sz="1600" b="1" dirty="0">
-                <a:solidFill>
-                  <a:srgbClr val="000000"/>
-                </a:solidFill>
-              </a:rPr>
-              <a:t>burndown chart </a:t>
-            </a:r>
-            <a:r>
-              <a:rPr lang="en-US" sz="1600" dirty="0">
-                <a:solidFill>
-                  <a:srgbClr val="000000"/>
-                </a:solidFill>
-              </a:rPr>
-              <a:t>for each sprint. </a:t>
-            </a:r>
-          </a:p>
-          <a:p>
-            <a:pPr marL="0" indent="0" algn="just">
-              <a:buNone/>
-            </a:pPr>
-            <a:r>
-              <a:rPr lang="en-US" sz="1600" dirty="0">
-                <a:solidFill>
-                  <a:srgbClr val="000000"/>
-                </a:solidFill>
-              </a:rPr>
-              <a:t>Once our tasks has been given an expected time of work, we will add up the remaining time needed on each task of our current sprint, in order to build a chart that help us track our progress.</a:t>
-            </a:r>
-          </a:p>
-          <a:p>
-            <a:pPr marL="0" indent="0" algn="just">
-              <a:buNone/>
-            </a:pPr>
-            <a:r>
-              <a:rPr lang="en-US" sz="1600" dirty="0">
-                <a:solidFill>
-                  <a:srgbClr val="000000"/>
-                </a:solidFill>
-              </a:rPr>
-              <a:t>The </a:t>
-            </a:r>
-            <a:r>
-              <a:rPr lang="en-US" sz="1600" b="1" dirty="0">
-                <a:solidFill>
-                  <a:srgbClr val="000000"/>
-                </a:solidFill>
-              </a:rPr>
-              <a:t>burndown velocity </a:t>
-            </a:r>
-            <a:r>
-              <a:rPr lang="en-US" sz="1600" dirty="0">
-                <a:solidFill>
-                  <a:srgbClr val="000000"/>
-                </a:solidFill>
-              </a:rPr>
-              <a:t>(Rate of Productivity), will be calculated by comparing the number of hours worked to the original project estimation and will show us the average rate of productivity for each day.</a:t>
-            </a:r>
-            <a:endParaRPr lang="fr-FR" sz="1600" dirty="0">
-              <a:solidFill>
-                <a:srgbClr val="000000"/>
-              </a:solidFill>
-            </a:endParaRPr>
-          </a:p>
-        </p:txBody>
-      </p:sp>
-      <p:pic>
-        <p:nvPicPr>
-          <p:cNvPr id="1026" name="Picture 2" descr="burndown-chart-formula">
-            <a:extLst>
-              <a:ext uri="{FF2B5EF4-FFF2-40B4-BE49-F238E27FC236}">
-                <a16:creationId xmlns:a16="http://schemas.microsoft.com/office/drawing/2014/main" id="{ABB7CF54-B299-49C4-B783-EE8B1B152FC9}"/>
-              </a:ext>
-            </a:extLst>
-          </p:cNvPr>
-          <p:cNvPicPr>
-            <a:picLocks noChangeAspect="1" noChangeArrowheads="1"/>
-          </p:cNvPicPr>
-          <p:nvPr/>
-        </p:nvPicPr>
-        <p:blipFill>
-          <a:blip r:embed="rId2">
-            <a:extLst>
-              <a:ext uri="{28A0092B-C50C-407E-A947-70E740481C1C}">
-                <a14:useLocalDpi xmlns:a14="http://schemas.microsoft.com/office/drawing/2010/main" val="0"/>
-              </a:ext>
-            </a:extLst>
-          </a:blip>
-          <a:srcRect/>
-          <a:stretch>
-            <a:fillRect/>
-          </a:stretch>
-        </p:blipFill>
-        <p:spPr bwMode="auto">
-          <a:xfrm>
-            <a:off x="6096000" y="2211091"/>
-            <a:ext cx="5451627" cy="3189201"/>
-          </a:xfrm>
-          <a:prstGeom prst="rect">
-            <a:avLst/>
-          </a:prstGeom>
-          <a:noFill/>
-          <a:extLst>
-            <a:ext uri="{909E8E84-426E-40DD-AFC4-6F175D3DCCD1}">
-              <a14:hiddenFill xmlns:a14="http://schemas.microsoft.com/office/drawing/2010/main">
-                <a:solidFill>
-                  <a:srgbClr val="FFFFFF"/>
-                </a:solidFill>
-              </a14:hiddenFill>
-            </a:ext>
-          </a:extLst>
-        </p:spPr>
-      </p:pic>
-    </p:spTree>
-    <p:extLst>
-      <p:ext uri="{BB962C8B-B14F-4D97-AF65-F5344CB8AC3E}">
-        <p14:creationId xmlns:p14="http://schemas.microsoft.com/office/powerpoint/2010/main" val="1057998560"/>
-      </p:ext>
-    </p:extLst>
-  </p:cSld>
-  <p:clrMapOvr>
-    <a:masterClrMapping/>
-  </p:clrMapOvr>
-</p:sld>
-</file>
-
 <file path=ppt/theme/theme1.xml><?xml version="1.0" encoding="utf-8"?>
 <a:theme xmlns:a="http://schemas.openxmlformats.org/drawingml/2006/main" name="Brin">
   <a:themeElements>

--- a/ProjectManagement/Project Management.pptx
+++ b/ProjectManagement/Project Management.pptx
@@ -6726,7 +6726,7 @@
             <a:fld id="{B61BEF0D-F0BB-DE4B-95CE-6DB70DBA9567}" type="datetimeFigureOut">
               <a:rPr lang="en-US" smtClean="0"/>
               <a:pPr/>
-              <a:t>6/25/2018</a:t>
+              <a:t>7/2/2018</a:t>
             </a:fld>
             <a:endParaRPr lang="en-US" dirty="0"/>
           </a:p>
@@ -7066,7 +7066,7 @@
             <a:fld id="{B61BEF0D-F0BB-DE4B-95CE-6DB70DBA9567}" type="datetimeFigureOut">
               <a:rPr lang="en-US" smtClean="0"/>
               <a:pPr/>
-              <a:t>6/25/2018</a:t>
+              <a:t>7/2/2018</a:t>
             </a:fld>
             <a:endParaRPr lang="en-US" dirty="0"/>
           </a:p>
@@ -7469,7 +7469,7 @@
             <a:fld id="{B61BEF0D-F0BB-DE4B-95CE-6DB70DBA9567}" type="datetimeFigureOut">
               <a:rPr lang="en-US" smtClean="0"/>
               <a:pPr/>
-              <a:t>6/25/2018</a:t>
+              <a:t>7/2/2018</a:t>
             </a:fld>
             <a:endParaRPr lang="en-US" dirty="0"/>
           </a:p>
@@ -7807,7 +7807,7 @@
             <a:fld id="{B61BEF0D-F0BB-DE4B-95CE-6DB70DBA9567}" type="datetimeFigureOut">
               <a:rPr lang="en-US" smtClean="0"/>
               <a:pPr/>
-              <a:t>6/25/2018</a:t>
+              <a:t>7/2/2018</a:t>
             </a:fld>
             <a:endParaRPr lang="en-US" dirty="0"/>
           </a:p>
@@ -8129,7 +8129,7 @@
             <a:fld id="{B61BEF0D-F0BB-DE4B-95CE-6DB70DBA9567}" type="datetimeFigureOut">
               <a:rPr lang="en-US" smtClean="0"/>
               <a:pPr/>
-              <a:t>6/25/2018</a:t>
+              <a:t>7/2/2018</a:t>
             </a:fld>
             <a:endParaRPr lang="en-US" dirty="0"/>
           </a:p>
@@ -8527,7 +8527,7 @@
             <a:fld id="{B61BEF0D-F0BB-DE4B-95CE-6DB70DBA9567}" type="datetimeFigureOut">
               <a:rPr lang="en-US" smtClean="0"/>
               <a:pPr/>
-              <a:t>6/25/2018</a:t>
+              <a:t>7/2/2018</a:t>
             </a:fld>
             <a:endParaRPr lang="en-US" dirty="0"/>
           </a:p>
@@ -8786,7 +8786,7 @@
             <a:fld id="{B61BEF0D-F0BB-DE4B-95CE-6DB70DBA9567}" type="datetimeFigureOut">
               <a:rPr lang="en-US" smtClean="0"/>
               <a:pPr/>
-              <a:t>6/25/2018</a:t>
+              <a:t>7/2/2018</a:t>
             </a:fld>
             <a:endParaRPr lang="en-US" dirty="0"/>
           </a:p>
@@ -9050,7 +9050,7 @@
             <a:fld id="{B61BEF0D-F0BB-DE4B-95CE-6DB70DBA9567}" type="datetimeFigureOut">
               <a:rPr lang="en-US" smtClean="0"/>
               <a:pPr/>
-              <a:t>6/25/2018</a:t>
+              <a:t>7/2/2018</a:t>
             </a:fld>
             <a:endParaRPr lang="en-US" dirty="0"/>
           </a:p>
@@ -9314,7 +9314,7 @@
             <a:fld id="{B61BEF0D-F0BB-DE4B-95CE-6DB70DBA9567}" type="datetimeFigureOut">
               <a:rPr lang="en-US" smtClean="0"/>
               <a:pPr/>
-              <a:t>6/25/2018</a:t>
+              <a:t>7/2/2018</a:t>
             </a:fld>
             <a:endParaRPr lang="en-US" dirty="0"/>
           </a:p>
@@ -9645,7 +9645,7 @@
             <a:fld id="{B61BEF0D-F0BB-DE4B-95CE-6DB70DBA9567}" type="datetimeFigureOut">
               <a:rPr lang="en-US" smtClean="0"/>
               <a:pPr/>
-              <a:t>6/25/2018</a:t>
+              <a:t>7/2/2018</a:t>
             </a:fld>
             <a:endParaRPr lang="en-US" dirty="0"/>
           </a:p>
@@ -9970,7 +9970,7 @@
             <a:fld id="{B61BEF0D-F0BB-DE4B-95CE-6DB70DBA9567}" type="datetimeFigureOut">
               <a:rPr lang="en-US" smtClean="0"/>
               <a:pPr/>
-              <a:t>6/25/2018</a:t>
+              <a:t>7/2/2018</a:t>
             </a:fld>
             <a:endParaRPr lang="en-US" dirty="0"/>
           </a:p>
@@ -10429,7 +10429,7 @@
             <a:fld id="{B61BEF0D-F0BB-DE4B-95CE-6DB70DBA9567}" type="datetimeFigureOut">
               <a:rPr lang="en-US" smtClean="0"/>
               <a:pPr/>
-              <a:t>6/25/2018</a:t>
+              <a:t>7/2/2018</a:t>
             </a:fld>
             <a:endParaRPr lang="en-US" dirty="0"/>
           </a:p>
@@ -10636,7 +10636,7 @@
             <a:fld id="{B61BEF0D-F0BB-DE4B-95CE-6DB70DBA9567}" type="datetimeFigureOut">
               <a:rPr lang="en-US" smtClean="0"/>
               <a:pPr/>
-              <a:t>6/25/2018</a:t>
+              <a:t>7/2/2018</a:t>
             </a:fld>
             <a:endParaRPr lang="en-US" dirty="0"/>
           </a:p>
@@ -10815,7 +10815,7 @@
             <a:fld id="{B61BEF0D-F0BB-DE4B-95CE-6DB70DBA9567}" type="datetimeFigureOut">
               <a:rPr lang="en-US" smtClean="0"/>
               <a:pPr/>
-              <a:t>6/25/2018</a:t>
+              <a:t>7/2/2018</a:t>
             </a:fld>
             <a:endParaRPr lang="en-US" dirty="0"/>
           </a:p>
@@ -11150,7 +11150,7 @@
             <a:fld id="{B61BEF0D-F0BB-DE4B-95CE-6DB70DBA9567}" type="datetimeFigureOut">
               <a:rPr lang="en-US" smtClean="0"/>
               <a:pPr/>
-              <a:t>6/25/2018</a:t>
+              <a:t>7/2/2018</a:t>
             </a:fld>
             <a:endParaRPr lang="en-US" dirty="0"/>
           </a:p>
@@ -11497,7 +11497,7 @@
             <a:fld id="{B61BEF0D-F0BB-DE4B-95CE-6DB70DBA9567}" type="datetimeFigureOut">
               <a:rPr lang="en-US" smtClean="0"/>
               <a:pPr/>
-              <a:t>6/25/2018</a:t>
+              <a:t>7/2/2018</a:t>
             </a:fld>
             <a:endParaRPr lang="en-US" dirty="0"/>
           </a:p>
@@ -13616,7 +13616,7 @@
             <a:fld id="{B61BEF0D-F0BB-DE4B-95CE-6DB70DBA9567}" type="datetimeFigureOut">
               <a:rPr lang="en-US" smtClean="0"/>
               <a:pPr/>
-              <a:t>6/25/2018</a:t>
+              <a:t>7/2/2018</a:t>
             </a:fld>
             <a:endParaRPr lang="en-US" dirty="0"/>
           </a:p>
@@ -16842,7 +16842,7 @@
                   <a:srgbClr val="000000"/>
                 </a:solidFill>
               </a:rPr>
-              <a:t>Once our tasks has been given an expected time of work, we will add up the remaining time needed on each task of our current sprint, in order to build a chart that help us track our progress.</a:t>
+              <a:t>Once our tasks have been given an expected time of work, we will add up the remaining time needed on each task of our current sprint, in order to build a chart that help us track our progress.</a:t>
             </a:r>
           </a:p>
           <a:p>
@@ -17283,15 +17283,7 @@
             </a:r>
             <a:r>
               <a:rPr lang="fr-FR" dirty="0"/>
-              <a:t> in the </a:t>
-            </a:r>
-            <a:r>
-              <a:rPr lang="fr-FR" dirty="0" err="1"/>
-              <a:t>psinrt</a:t>
-            </a:r>
-            <a:r>
-              <a:rPr lang="fr-FR" dirty="0"/>
-              <a:t> </a:t>
+              <a:t> in the sprint </a:t>
             </a:r>
             <a:r>
               <a:rPr lang="fr-FR" dirty="0" err="1"/>
@@ -17950,7 +17942,23 @@
             </a:r>
             <a:r>
               <a:rPr lang="fr-FR" sz="1600" dirty="0"/>
-              <a:t> content </a:t>
+              <a:t> content correct, </a:t>
+            </a:r>
+            <a:r>
+              <a:rPr lang="fr-FR" sz="1600" dirty="0" err="1"/>
+              <a:t>then</a:t>
+            </a:r>
+            <a:r>
+              <a:rPr lang="fr-FR" sz="1600" dirty="0"/>
+              <a:t> the pull </a:t>
+            </a:r>
+            <a:r>
+              <a:rPr lang="fr-FR" sz="1600" dirty="0" err="1"/>
+              <a:t>request</a:t>
+            </a:r>
+            <a:r>
+              <a:rPr lang="fr-FR" sz="1600" dirty="0"/>
+              <a:t> </a:t>
             </a:r>
             <a:r>
               <a:rPr lang="fr-FR" sz="1600" dirty="0" err="1"/>
@@ -17958,35 +17966,19 @@
             </a:r>
             <a:r>
               <a:rPr lang="fr-FR" sz="1600" dirty="0"/>
-              <a:t> correct, </a:t>
-            </a:r>
-            <a:r>
-              <a:rPr lang="fr-FR" sz="1600" dirty="0" err="1"/>
-              <a:t>then</a:t>
-            </a:r>
-            <a:r>
-              <a:rPr lang="fr-FR" sz="1600" dirty="0"/>
-              <a:t> the pull </a:t>
-            </a:r>
-            <a:r>
-              <a:rPr lang="fr-FR" sz="1600" dirty="0" err="1"/>
-              <a:t>request</a:t>
-            </a:r>
-            <a:r>
-              <a:rPr lang="fr-FR" sz="1600" dirty="0"/>
-              <a:t> </a:t>
-            </a:r>
-            <a:r>
-              <a:rPr lang="fr-FR" sz="1600" dirty="0" err="1"/>
-              <a:t>is</a:t>
-            </a:r>
-            <a:r>
-              <a:rPr lang="fr-FR" sz="1600" dirty="0"/>
               <a:t> </a:t>
             </a:r>
             <a:r>
               <a:rPr lang="fr-FR" sz="1600" dirty="0" err="1"/>
               <a:t>accepted</a:t>
+            </a:r>
+            <a:r>
+              <a:rPr lang="fr-FR" sz="1600" dirty="0"/>
+              <a:t> and </a:t>
+            </a:r>
+            <a:r>
+              <a:rPr lang="fr-FR" sz="1600" dirty="0" err="1"/>
+              <a:t>merged</a:t>
             </a:r>
             <a:r>
               <a:rPr lang="fr-FR" sz="1600" dirty="0"/>
@@ -18251,14 +18243,6 @@
             <a:r>
               <a:rPr lang="fr-FR" sz="1600" dirty="0" err="1"/>
               <a:t>handle</a:t>
-            </a:r>
-            <a:r>
-              <a:rPr lang="fr-FR" sz="1600" dirty="0"/>
-              <a:t> </a:t>
-            </a:r>
-            <a:r>
-              <a:rPr lang="fr-FR" sz="1600" dirty="0" err="1"/>
-              <a:t>our</a:t>
             </a:r>
             <a:r>
               <a:rPr lang="fr-FR" sz="1600" dirty="0"/>
@@ -18743,12 +18727,49 @@
           </a:p>
         </p:txBody>
       </p:sp>
+      <p:sp>
+        <p:nvSpPr>
+          <p:cNvPr id="9" name="ZoneTexte 8">
+            <a:extLst>
+              <a:ext uri="{FF2B5EF4-FFF2-40B4-BE49-F238E27FC236}">
+                <a16:creationId xmlns:a16="http://schemas.microsoft.com/office/drawing/2014/main" id="{E757D88A-8F24-4C57-9869-7F6002B1ABB0}"/>
+              </a:ext>
+            </a:extLst>
+          </p:cNvPr>
+          <p:cNvSpPr txBox="1"/>
+          <p:nvPr/>
+        </p:nvSpPr>
+        <p:spPr>
+          <a:xfrm>
+            <a:off x="2584939" y="5438403"/>
+            <a:ext cx="7200900" cy="646331"/>
+          </a:xfrm>
+          <a:prstGeom prst="rect">
+            <a:avLst/>
+          </a:prstGeom>
+          <a:noFill/>
+        </p:spPr>
+        <p:txBody>
+          <a:bodyPr wrap="square" rtlCol="0">
+            <a:spAutoFit/>
+          </a:bodyPr>
+          <a:lstStyle/>
+          <a:p>
+            <a:pPr algn="just"/>
+            <a:r>
+              <a:rPr lang="en-US" dirty="0"/>
+              <a:t>Jest is an open source testing framework for JavaScript. We will use it in order to handle our tests on the Ionic2 framework.</a:t>
+            </a:r>
+            <a:endParaRPr lang="fr-FR" dirty="0"/>
+          </a:p>
+        </p:txBody>
+      </p:sp>
       <p:pic>
         <p:nvPicPr>
-          <p:cNvPr id="1034" name="Picture 10" descr="Résultat de recherche d'images pour &quot;jasmine logo&quot;">
+          <p:cNvPr id="3" name="Picture 2" descr="Image result for jestjs logo">
             <a:extLst>
               <a:ext uri="{FF2B5EF4-FFF2-40B4-BE49-F238E27FC236}">
-                <a16:creationId xmlns:a16="http://schemas.microsoft.com/office/drawing/2014/main" id="{59C8A3FE-BB45-47CA-9842-30368F2B6828}"/>
+                <a16:creationId xmlns:a16="http://schemas.microsoft.com/office/drawing/2014/main" id="{4C8DFF18-C990-45CB-BE33-FF972A90BA46}"/>
               </a:ext>
             </a:extLst>
           </p:cNvPr>
@@ -18757,7 +18778,7 @@
           </p:cNvPicPr>
           <p:nvPr/>
         </p:nvPicPr>
-        <p:blipFill>
+        <p:blipFill rotWithShape="1">
           <a:blip r:embed="rId6">
             <a:extLst>
               <a:ext uri="{28A0092B-C50C-407E-A947-70E740481C1C}">
@@ -18765,15 +18786,13 @@
               </a:ext>
             </a:extLst>
           </a:blip>
-          <a:srcRect/>
-          <a:stretch>
-            <a:fillRect/>
-          </a:stretch>
+          <a:srcRect l="9172" t="18930" r="9495" b="19080"/>
+          <a:stretch/>
         </p:blipFill>
         <p:spPr bwMode="auto">
           <a:xfrm>
-            <a:off x="10067192" y="5203251"/>
-            <a:ext cx="1437420" cy="1190663"/>
+            <a:off x="10107730" y="5105145"/>
+            <a:ext cx="1203333" cy="1219168"/>
           </a:xfrm>
           <a:prstGeom prst="rect">
             <a:avLst/>
@@ -18790,43 +18809,6 @@
           </a:extLst>
         </p:spPr>
       </p:pic>
-      <p:sp>
-        <p:nvSpPr>
-          <p:cNvPr id="9" name="ZoneTexte 8">
-            <a:extLst>
-              <a:ext uri="{FF2B5EF4-FFF2-40B4-BE49-F238E27FC236}">
-                <a16:creationId xmlns:a16="http://schemas.microsoft.com/office/drawing/2014/main" id="{E757D88A-8F24-4C57-9869-7F6002B1ABB0}"/>
-              </a:ext>
-            </a:extLst>
-          </p:cNvPr>
-          <p:cNvSpPr txBox="1"/>
-          <p:nvPr/>
-        </p:nvSpPr>
-        <p:spPr>
-          <a:xfrm>
-            <a:off x="2584939" y="5341986"/>
-            <a:ext cx="7200900" cy="923330"/>
-          </a:xfrm>
-          <a:prstGeom prst="rect">
-            <a:avLst/>
-          </a:prstGeom>
-          <a:noFill/>
-        </p:spPr>
-        <p:txBody>
-          <a:bodyPr wrap="square" rtlCol="0">
-            <a:spAutoFit/>
-          </a:bodyPr>
-          <a:lstStyle/>
-          <a:p>
-            <a:pPr algn="just"/>
-            <a:r>
-              <a:rPr lang="en-US" dirty="0"/>
-              <a:t>Jasmine is an open source testing framework for JavaScript. We will use it for doing our Android tests, as well as Karma for running our tests.</a:t>
-            </a:r>
-            <a:endParaRPr lang="fr-FR" dirty="0"/>
-          </a:p>
-        </p:txBody>
-      </p:sp>
     </p:spTree>
     <p:extLst>
       <p:ext uri="{BB962C8B-B14F-4D97-AF65-F5344CB8AC3E}">
@@ -21013,7 +20995,7 @@
             </a:r>
             <a:r>
               <a:rPr lang="fr-FR" sz="1600" dirty="0" err="1"/>
-              <a:t>implementations</a:t>
+              <a:t>implementation</a:t>
             </a:r>
             <a:r>
               <a:rPr lang="fr-FR" sz="1600" dirty="0"/>
@@ -21061,7 +21043,7 @@
             </a:r>
             <a:r>
               <a:rPr lang="fr-FR" sz="1600" dirty="0" err="1"/>
-              <a:t>which</a:t>
+              <a:t>that</a:t>
             </a:r>
             <a:r>
               <a:rPr lang="fr-FR" sz="1600" dirty="0"/>
@@ -21323,7 +21305,7 @@
         </p:nvSpPr>
         <p:spPr>
           <a:xfrm>
-            <a:off x="2589212" y="1905000"/>
+            <a:off x="2404654" y="1905000"/>
             <a:ext cx="4900418" cy="4100290"/>
           </a:xfrm>
         </p:spPr>
@@ -21333,6 +21315,7 @@
           </a:bodyPr>
           <a:lstStyle/>
           <a:p>
+            <a:pPr algn="just"/>
             <a:r>
               <a:rPr lang="fr-FR" sz="1600" b="1" dirty="0"/>
               <a:t>Product </a:t>
@@ -21415,16 +21398,18 @@
             </a:r>
           </a:p>
           <a:p>
+            <a:pPr algn="just"/>
             <a:endParaRPr lang="fr-FR" sz="1600" b="1" dirty="0"/>
           </a:p>
           <a:p>
+            <a:pPr algn="just"/>
             <a:r>
               <a:rPr lang="fr-FR" sz="1600" b="1" dirty="0"/>
               <a:t>Scrum Master : </a:t>
             </a:r>
             <a:r>
               <a:rPr lang="fr-FR" sz="1600" dirty="0" err="1"/>
-              <a:t>Ensure</a:t>
+              <a:t>Ensures</a:t>
             </a:r>
             <a:r>
               <a:rPr lang="fr-FR" sz="1600" dirty="0"/>
@@ -21504,9 +21489,11 @@
             </a:r>
           </a:p>
           <a:p>
+            <a:pPr algn="just"/>
             <a:endParaRPr lang="fr-FR" sz="1600" b="1" dirty="0"/>
           </a:p>
           <a:p>
+            <a:pPr algn="just"/>
             <a:r>
               <a:rPr lang="fr-FR" sz="1600" b="1" dirty="0" err="1"/>
               <a:t>Developers</a:t>
@@ -21661,9 +21648,11 @@
             </a:r>
           </a:p>
           <a:p>
+            <a:pPr algn="just"/>
             <a:endParaRPr lang="fr-FR" sz="1600" dirty="0"/>
           </a:p>
           <a:p>
+            <a:pPr algn="just"/>
             <a:endParaRPr lang="fr-FR" sz="1600" dirty="0"/>
           </a:p>
         </p:txBody>
@@ -21804,7 +21793,7 @@
         </p:nvSpPr>
         <p:spPr>
           <a:xfrm>
-            <a:off x="1512277" y="2693142"/>
+            <a:off x="1436776" y="2693142"/>
             <a:ext cx="5125915" cy="3435241"/>
           </a:xfrm>
         </p:spPr>
@@ -22215,7 +22204,7 @@
         </p:nvSpPr>
         <p:spPr>
           <a:xfrm>
-            <a:off x="1967388" y="2106168"/>
+            <a:off x="1927427" y="1905000"/>
             <a:ext cx="8911687" cy="861774"/>
           </a:xfrm>
           <a:prstGeom prst="rect">
